--- a/Ppt/תרגול 6.pptx
+++ b/Ppt/תרגול 6.pptx
@@ -1,22 +1,24 @@
 
 <file path=ppt/presentation.xml><?xml version="1.0" encoding="utf-8"?>
-<p:presentation xmlns:a="http://schemas.openxmlformats.org/drawingml/2006/main" xmlns:r="http://schemas.openxmlformats.org/officeDocument/2006/relationships" xmlns:p="http://schemas.openxmlformats.org/presentationml/2006/main" autoCompressPictures="0">
+<p:presentation xmlns:a="http://schemas.openxmlformats.org/drawingml/2006/main" xmlns:r="http://schemas.openxmlformats.org/officeDocument/2006/relationships" xmlns:p="http://schemas.openxmlformats.org/presentationml/2006/main" saveSubsetFonts="1">
   <p:sldMasterIdLst>
-    <p:sldMasterId id="2147483648" r:id="rId1"/>
+    <p:sldMasterId id="2147483660" r:id="rId1"/>
   </p:sldMasterIdLst>
   <p:notesMasterIdLst>
-    <p:notesMasterId r:id="rId11"/>
+    <p:notesMasterId r:id="rId13"/>
   </p:notesMasterIdLst>
   <p:sldIdLst>
     <p:sldId id="256" r:id="rId2"/>
-    <p:sldId id="263" r:id="rId3"/>
-    <p:sldId id="264" r:id="rId4"/>
-    <p:sldId id="257" r:id="rId5"/>
-    <p:sldId id="258" r:id="rId6"/>
-    <p:sldId id="259" r:id="rId7"/>
-    <p:sldId id="260" r:id="rId8"/>
-    <p:sldId id="261" r:id="rId9"/>
-    <p:sldId id="262" r:id="rId10"/>
+    <p:sldId id="280" r:id="rId3"/>
+    <p:sldId id="281" r:id="rId4"/>
+    <p:sldId id="282" r:id="rId5"/>
+    <p:sldId id="283" r:id="rId6"/>
+    <p:sldId id="284" r:id="rId7"/>
+    <p:sldId id="288" r:id="rId8"/>
+    <p:sldId id="285" r:id="rId9"/>
+    <p:sldId id="286" r:id="rId10"/>
+    <p:sldId id="287" r:id="rId11"/>
+    <p:sldId id="289" r:id="rId12"/>
   </p:sldIdLst>
   <p:sldSz cx="12192000" cy="6858000"/>
   <p:notesSz cx="6858000" cy="9144000"/>
@@ -24,7 +26,7 @@
     <a:defPPr>
       <a:defRPr lang="en-US"/>
     </a:defPPr>
-    <a:lvl1pPr marL="0" algn="l" defTabSz="457200" rtl="0" eaLnBrk="1" latinLnBrk="0" hangingPunct="1">
+    <a:lvl1pPr marL="0" algn="l" defTabSz="914400" rtl="0" eaLnBrk="1" latinLnBrk="0" hangingPunct="1">
       <a:defRPr sz="1800" kern="1200">
         <a:solidFill>
           <a:schemeClr val="tx1"/>
@@ -34,7 +36,7 @@
         <a:cs typeface="+mn-cs"/>
       </a:defRPr>
     </a:lvl1pPr>
-    <a:lvl2pPr marL="457200" algn="l" defTabSz="457200" rtl="0" eaLnBrk="1" latinLnBrk="0" hangingPunct="1">
+    <a:lvl2pPr marL="457200" algn="l" defTabSz="914400" rtl="0" eaLnBrk="1" latinLnBrk="0" hangingPunct="1">
       <a:defRPr sz="1800" kern="1200">
         <a:solidFill>
           <a:schemeClr val="tx1"/>
@@ -44,7 +46,7 @@
         <a:cs typeface="+mn-cs"/>
       </a:defRPr>
     </a:lvl2pPr>
-    <a:lvl3pPr marL="914400" algn="l" defTabSz="457200" rtl="0" eaLnBrk="1" latinLnBrk="0" hangingPunct="1">
+    <a:lvl3pPr marL="914400" algn="l" defTabSz="914400" rtl="0" eaLnBrk="1" latinLnBrk="0" hangingPunct="1">
       <a:defRPr sz="1800" kern="1200">
         <a:solidFill>
           <a:schemeClr val="tx1"/>
@@ -54,7 +56,7 @@
         <a:cs typeface="+mn-cs"/>
       </a:defRPr>
     </a:lvl3pPr>
-    <a:lvl4pPr marL="1371600" algn="l" defTabSz="457200" rtl="0" eaLnBrk="1" latinLnBrk="0" hangingPunct="1">
+    <a:lvl4pPr marL="1371600" algn="l" defTabSz="914400" rtl="0" eaLnBrk="1" latinLnBrk="0" hangingPunct="1">
       <a:defRPr sz="1800" kern="1200">
         <a:solidFill>
           <a:schemeClr val="tx1"/>
@@ -64,7 +66,7 @@
         <a:cs typeface="+mn-cs"/>
       </a:defRPr>
     </a:lvl4pPr>
-    <a:lvl5pPr marL="1828800" algn="l" defTabSz="457200" rtl="0" eaLnBrk="1" latinLnBrk="0" hangingPunct="1">
+    <a:lvl5pPr marL="1828800" algn="l" defTabSz="914400" rtl="0" eaLnBrk="1" latinLnBrk="0" hangingPunct="1">
       <a:defRPr sz="1800" kern="1200">
         <a:solidFill>
           <a:schemeClr val="tx1"/>
@@ -74,7 +76,7 @@
         <a:cs typeface="+mn-cs"/>
       </a:defRPr>
     </a:lvl5pPr>
-    <a:lvl6pPr marL="2286000" algn="l" defTabSz="457200" rtl="0" eaLnBrk="1" latinLnBrk="0" hangingPunct="1">
+    <a:lvl6pPr marL="2286000" algn="l" defTabSz="914400" rtl="0" eaLnBrk="1" latinLnBrk="0" hangingPunct="1">
       <a:defRPr sz="1800" kern="1200">
         <a:solidFill>
           <a:schemeClr val="tx1"/>
@@ -84,7 +86,7 @@
         <a:cs typeface="+mn-cs"/>
       </a:defRPr>
     </a:lvl6pPr>
-    <a:lvl7pPr marL="2743200" algn="l" defTabSz="457200" rtl="0" eaLnBrk="1" latinLnBrk="0" hangingPunct="1">
+    <a:lvl7pPr marL="2743200" algn="l" defTabSz="914400" rtl="0" eaLnBrk="1" latinLnBrk="0" hangingPunct="1">
       <a:defRPr sz="1800" kern="1200">
         <a:solidFill>
           <a:schemeClr val="tx1"/>
@@ -94,7 +96,7 @@
         <a:cs typeface="+mn-cs"/>
       </a:defRPr>
     </a:lvl7pPr>
-    <a:lvl8pPr marL="3200400" algn="l" defTabSz="457200" rtl="0" eaLnBrk="1" latinLnBrk="0" hangingPunct="1">
+    <a:lvl8pPr marL="3200400" algn="l" defTabSz="914400" rtl="0" eaLnBrk="1" latinLnBrk="0" hangingPunct="1">
       <a:defRPr sz="1800" kern="1200">
         <a:solidFill>
           <a:schemeClr val="tx1"/>
@@ -104,7 +106,7 @@
         <a:cs typeface="+mn-cs"/>
       </a:defRPr>
     </a:lvl8pPr>
-    <a:lvl9pPr marL="3657600" algn="l" defTabSz="457200" rtl="0" eaLnBrk="1" latinLnBrk="0" hangingPunct="1">
+    <a:lvl9pPr marL="3657600" algn="l" defTabSz="914400" rtl="0" eaLnBrk="1" latinLnBrk="0" hangingPunct="1">
       <a:defRPr sz="1800" kern="1200">
         <a:solidFill>
           <a:schemeClr val="tx1"/>
@@ -179,11 +181,13 @@
           <a:bodyPr vert="horz" lIns="91440" tIns="45720" rIns="91440" bIns="45720" rtlCol="0"/>
           <a:lstStyle>
             <a:lvl1pPr algn="l">
-              <a:defRPr sz="1200"/>
+              <a:defRPr sz="1200">
+                <a:latin typeface="Times New Roman" panose="02020603050405020304" pitchFamily="18" charset="0"/>
+              </a:defRPr>
             </a:lvl1pPr>
           </a:lstStyle>
           <a:p>
-            <a:endParaRPr lang="en-US"/>
+            <a:endParaRPr lang="en-US" dirty="0"/>
           </a:p>
         </p:txBody>
       </p:sp>
@@ -210,15 +214,18 @@
           <a:bodyPr vert="horz" lIns="91440" tIns="45720" rIns="91440" bIns="45720" rtlCol="0"/>
           <a:lstStyle>
             <a:lvl1pPr algn="r">
-              <a:defRPr sz="1200"/>
+              <a:defRPr sz="1200">
+                <a:latin typeface="Times New Roman" panose="02020603050405020304" pitchFamily="18" charset="0"/>
+              </a:defRPr>
             </a:lvl1pPr>
           </a:lstStyle>
           <a:p>
-            <a:fld id="{422DE2F4-FFCB-4BFF-8B5D-C050E885B6DA}" type="datetimeFigureOut">
-              <a:rPr lang="en-US"/>
-              <a:t>4/30/2020</a:t>
+            <a:fld id="{E22CA5CE-4C9A-4BBF-A569-DFC81BBC5346}" type="datetimeFigureOut">
+              <a:rPr lang="en-US" smtClean="0"/>
+              <a:pPr/>
+              <a:t>4/7/2019</a:t>
             </a:fld>
-            <a:endParaRPr lang="en-US"/>
+            <a:endParaRPr lang="en-US" dirty="0"/>
           </a:p>
         </p:txBody>
       </p:sp>
@@ -251,7 +258,7 @@
           <a:bodyPr vert="horz" lIns="91440" tIns="45720" rIns="91440" bIns="45720" rtlCol="0" anchor="ctr"/>
           <a:lstStyle/>
           <a:p>
-            <a:endParaRPr lang="en-US"/>
+            <a:endParaRPr lang="en-US" dirty="0"/>
           </a:p>
         </p:txBody>
       </p:sp>
@@ -280,35 +287,35 @@
           <a:p>
             <a:pPr lvl="0"/>
             <a:r>
-              <a:rPr lang="en-US"/>
-              <a:t>Edit Master text styles</a:t>
+              <a:rPr lang="en-US" dirty="0"/>
+              <a:t>Click to edit Master text styles</a:t>
             </a:r>
           </a:p>
           <a:p>
             <a:pPr lvl="1"/>
             <a:r>
-              <a:rPr lang="en-US"/>
+              <a:rPr lang="en-US" dirty="0"/>
               <a:t>Second level</a:t>
             </a:r>
           </a:p>
           <a:p>
             <a:pPr lvl="2"/>
             <a:r>
-              <a:rPr lang="en-US"/>
+              <a:rPr lang="en-US" dirty="0"/>
               <a:t>Third level</a:t>
             </a:r>
           </a:p>
           <a:p>
             <a:pPr lvl="3"/>
             <a:r>
-              <a:rPr lang="en-US"/>
+              <a:rPr lang="en-US" dirty="0"/>
               <a:t>Fourth level</a:t>
             </a:r>
           </a:p>
           <a:p>
             <a:pPr lvl="4"/>
             <a:r>
-              <a:rPr lang="en-US"/>
+              <a:rPr lang="en-US" dirty="0"/>
               <a:t>Fifth level</a:t>
             </a:r>
           </a:p>
@@ -337,11 +344,13 @@
           <a:bodyPr vert="horz" lIns="91440" tIns="45720" rIns="91440" bIns="45720" rtlCol="0" anchor="b"/>
           <a:lstStyle>
             <a:lvl1pPr algn="l">
-              <a:defRPr sz="1200"/>
+              <a:defRPr sz="1200">
+                <a:latin typeface="Times New Roman" panose="02020603050405020304" pitchFamily="18" charset="0"/>
+              </a:defRPr>
             </a:lvl1pPr>
           </a:lstStyle>
           <a:p>
-            <a:endParaRPr lang="en-US"/>
+            <a:endParaRPr lang="en-US" dirty="0"/>
           </a:p>
         </p:txBody>
       </p:sp>
@@ -368,22 +377,25 @@
           <a:bodyPr vert="horz" lIns="91440" tIns="45720" rIns="91440" bIns="45720" rtlCol="0" anchor="b"/>
           <a:lstStyle>
             <a:lvl1pPr algn="r">
-              <a:defRPr sz="1200"/>
+              <a:defRPr sz="1200">
+                <a:latin typeface="Times New Roman" panose="02020603050405020304" pitchFamily="18" charset="0"/>
+              </a:defRPr>
             </a:lvl1pPr>
           </a:lstStyle>
           <a:p>
-            <a:fld id="{6AE3BF04-B839-4EC1-9AFD-8ADC785EE759}" type="slidenum">
-              <a:rPr lang="en-US"/>
+            <a:fld id="{C94CA98E-2F55-42C2-B7FE-B95225BA66CC}" type="slidenum">
+              <a:rPr lang="en-US" smtClean="0"/>
+              <a:pPr/>
               <a:t>‹#›</a:t>
             </a:fld>
-            <a:endParaRPr lang="en-US"/>
+            <a:endParaRPr lang="en-US" dirty="0"/>
           </a:p>
         </p:txBody>
       </p:sp>
     </p:spTree>
     <p:extLst>
       <p:ext uri="{BB962C8B-B14F-4D97-AF65-F5344CB8AC3E}">
-        <p14:creationId xmlns:p14="http://schemas.microsoft.com/office/powerpoint/2010/main" val="1"/>
+        <p14:creationId xmlns:p14="http://schemas.microsoft.com/office/powerpoint/2010/main" val="1920353134"/>
       </p:ext>
     </p:extLst>
   </p:cSld>
@@ -394,7 +406,7 @@
         <a:solidFill>
           <a:schemeClr val="tx1"/>
         </a:solidFill>
-        <a:latin typeface="+mn-lt"/>
+        <a:latin typeface="Times New Roman" panose="02020603050405020304" pitchFamily="18" charset="0"/>
         <a:ea typeface="+mn-ea"/>
         <a:cs typeface="+mn-cs"/>
       </a:defRPr>
@@ -404,7 +416,7 @@
         <a:solidFill>
           <a:schemeClr val="tx1"/>
         </a:solidFill>
-        <a:latin typeface="+mn-lt"/>
+        <a:latin typeface="Times New Roman" panose="02020603050405020304" pitchFamily="18" charset="0"/>
         <a:ea typeface="+mn-ea"/>
         <a:cs typeface="+mn-cs"/>
       </a:defRPr>
@@ -414,7 +426,7 @@
         <a:solidFill>
           <a:schemeClr val="tx1"/>
         </a:solidFill>
-        <a:latin typeface="+mn-lt"/>
+        <a:latin typeface="Times New Roman" panose="02020603050405020304" pitchFamily="18" charset="0"/>
         <a:ea typeface="+mn-ea"/>
         <a:cs typeface="+mn-cs"/>
       </a:defRPr>
@@ -424,7 +436,7 @@
         <a:solidFill>
           <a:schemeClr val="tx1"/>
         </a:solidFill>
-        <a:latin typeface="+mn-lt"/>
+        <a:latin typeface="Times New Roman" panose="02020603050405020304" pitchFamily="18" charset="0"/>
         <a:ea typeface="+mn-ea"/>
         <a:cs typeface="+mn-cs"/>
       </a:defRPr>
@@ -434,7 +446,7 @@
         <a:solidFill>
           <a:schemeClr val="tx1"/>
         </a:solidFill>
-        <a:latin typeface="+mn-lt"/>
+        <a:latin typeface="Times New Roman" panose="02020603050405020304" pitchFamily="18" charset="0"/>
         <a:ea typeface="+mn-ea"/>
         <a:cs typeface="+mn-cs"/>
       </a:defRPr>
@@ -530,6 +542,7 @@
               <a:rPr lang="en-US"/>
               <a:t>Click to edit Master title style</a:t>
             </a:r>
+            <a:endParaRPr lang="en-US" dirty="0"/>
           </a:p>
         </p:txBody>
       </p:sp>
@@ -649,6 +662,7 @@
               <a:rPr lang="en-US"/>
               <a:t>Click to edit Master subtitle style</a:t>
             </a:r>
+            <a:endParaRPr lang="en-US" dirty="0"/>
           </a:p>
         </p:txBody>
       </p:sp>
@@ -667,10 +681,10 @@
           <a:bodyPr/>
           <a:lstStyle/>
           <a:p>
-            <a:fld id="{B61BEF0D-F0BB-DE4B-95CE-6DB70DBA9567}" type="datetimeFigureOut">
-              <a:rPr lang="en-US" dirty="0"/>
+            <a:fld id="{E8AC5A79-32BA-4516-9EF1-33623E31684F}" type="datetimeFigureOut">
+              <a:rPr lang="en-US" smtClean="0"/>
               <a:pPr/>
-              <a:t>4/30/2020</a:t>
+              <a:t>4/7/2019</a:t>
             </a:fld>
             <a:endParaRPr lang="en-US"/>
           </a:p>
@@ -797,8 +811,8 @@
           <a:bodyPr/>
           <a:lstStyle/>
           <a:p>
-            <a:fld id="{D57F1E4F-1CFF-5643-939E-217C01CDF565}" type="slidenum">
-              <a:rPr lang="en-US" dirty="0"/>
+            <a:fld id="{8348A90B-FFAE-4036-B662-E9B5A9302E79}" type="slidenum">
+              <a:rPr lang="en-US" smtClean="0"/>
               <a:pPr/>
               <a:t>‹#›</a:t>
             </a:fld>
@@ -807,6 +821,11 @@
         </p:txBody>
       </p:sp>
     </p:spTree>
+    <p:extLst>
+      <p:ext uri="{BB962C8B-B14F-4D97-AF65-F5344CB8AC3E}">
+        <p14:creationId xmlns:p14="http://schemas.microsoft.com/office/powerpoint/2010/main" val="1424579866"/>
+      </p:ext>
+    </p:extLst>
   </p:cSld>
   <p:clrMapOvr>
     <a:masterClrMapping/>
@@ -861,6 +880,7 @@
               <a:rPr lang="en-US"/>
               <a:t>Click to edit Master title style</a:t>
             </a:r>
+            <a:endParaRPr lang="en-US" dirty="0"/>
           </a:p>
         </p:txBody>
       </p:sp>
@@ -1001,10 +1021,10 @@
           <a:bodyPr/>
           <a:lstStyle/>
           <a:p>
-            <a:fld id="{B61BEF0D-F0BB-DE4B-95CE-6DB70DBA9567}" type="datetimeFigureOut">
-              <a:rPr lang="en-US" dirty="0"/>
+            <a:fld id="{E8AC5A79-32BA-4516-9EF1-33623E31684F}" type="datetimeFigureOut">
+              <a:rPr lang="en-US" smtClean="0"/>
               <a:pPr/>
-              <a:t>4/30/2020</a:t>
+              <a:t>4/7/2019</a:t>
             </a:fld>
             <a:endParaRPr lang="en-US"/>
           </a:p>
@@ -1131,8 +1151,8 @@
           <a:bodyPr/>
           <a:lstStyle/>
           <a:p>
-            <a:fld id="{D57F1E4F-1CFF-5643-939E-217C01CDF565}" type="slidenum">
-              <a:rPr lang="en-US" dirty="0"/>
+            <a:fld id="{8348A90B-FFAE-4036-B662-E9B5A9302E79}" type="slidenum">
+              <a:rPr lang="en-US" smtClean="0"/>
               <a:pPr/>
               <a:t>‹#›</a:t>
             </a:fld>
@@ -1141,6 +1161,11 @@
         </p:txBody>
       </p:sp>
     </p:spTree>
+    <p:extLst>
+      <p:ext uri="{BB962C8B-B14F-4D97-AF65-F5344CB8AC3E}">
+        <p14:creationId xmlns:p14="http://schemas.microsoft.com/office/powerpoint/2010/main" val="4029874776"/>
+      </p:ext>
+    </p:extLst>
   </p:cSld>
   <p:clrMapOvr>
     <a:masterClrMapping/>
@@ -1195,6 +1220,7 @@
               <a:rPr lang="en-US"/>
               <a:t>Click to edit Master title style</a:t>
             </a:r>
+            <a:endParaRPr lang="en-US" dirty="0"/>
           </a:p>
         </p:txBody>
       </p:sp>
@@ -1398,10 +1424,10 @@
           <a:bodyPr/>
           <a:lstStyle/>
           <a:p>
-            <a:fld id="{B61BEF0D-F0BB-DE4B-95CE-6DB70DBA9567}" type="datetimeFigureOut">
-              <a:rPr lang="en-US" dirty="0"/>
+            <a:fld id="{E8AC5A79-32BA-4516-9EF1-33623E31684F}" type="datetimeFigureOut">
+              <a:rPr lang="en-US" smtClean="0"/>
               <a:pPr/>
-              <a:t>4/30/2020</a:t>
+              <a:t>4/7/2019</a:t>
             </a:fld>
             <a:endParaRPr lang="en-US"/>
           </a:p>
@@ -1528,8 +1554,8 @@
           <a:bodyPr/>
           <a:lstStyle/>
           <a:p>
-            <a:fld id="{D57F1E4F-1CFF-5643-939E-217C01CDF565}" type="slidenum">
-              <a:rPr lang="en-US" dirty="0"/>
+            <a:fld id="{8348A90B-FFAE-4036-B662-E9B5A9302E79}" type="slidenum">
+              <a:rPr lang="en-US" smtClean="0"/>
               <a:pPr/>
               <a:t>‹#›</a:t>
             </a:fld>
@@ -1560,7 +1586,7 @@
           <a:p>
             <a:pPr lvl="0"/>
             <a:r>
-              <a:rPr lang="en-US" sz="8000" baseline="0">
+              <a:rPr lang="en-US" sz="8000" baseline="0" dirty="0">
                 <a:ln w="3175" cmpd="sng">
                   <a:noFill/>
                 </a:ln>
@@ -1568,7 +1594,7 @@
                   <a:schemeClr val="accent1"/>
                 </a:solidFill>
                 <a:effectLst/>
-                <a:latin typeface="Arial"/>
+                <a:latin typeface="Times New Roman" panose="02020603050405020304" pitchFamily="18" charset="0"/>
               </a:rPr>
               <a:t>“</a:t>
             </a:r>
@@ -1598,7 +1624,7 @@
           <a:p>
             <a:pPr lvl="0"/>
             <a:r>
-              <a:rPr lang="en-US" sz="8000" baseline="0">
+              <a:rPr lang="en-US" sz="8000" baseline="0" dirty="0">
                 <a:ln w="3175" cmpd="sng">
                   <a:noFill/>
                 </a:ln>
@@ -1606,7 +1632,7 @@
                   <a:schemeClr val="accent1"/>
                 </a:solidFill>
                 <a:effectLst/>
-                <a:latin typeface="Arial"/>
+                <a:latin typeface="Times New Roman" panose="02020603050405020304" pitchFamily="18" charset="0"/>
               </a:rPr>
               <a:t>”</a:t>
             </a:r>
@@ -1614,6 +1640,11 @@
         </p:txBody>
       </p:sp>
     </p:spTree>
+    <p:extLst>
+      <p:ext uri="{BB962C8B-B14F-4D97-AF65-F5344CB8AC3E}">
+        <p14:creationId xmlns:p14="http://schemas.microsoft.com/office/powerpoint/2010/main" val="791086367"/>
+      </p:ext>
+    </p:extLst>
   </p:cSld>
   <p:clrMapOvr>
     <a:masterClrMapping/>
@@ -1668,6 +1699,7 @@
               <a:rPr lang="en-US"/>
               <a:t>Click to edit Master title style</a:t>
             </a:r>
+            <a:endParaRPr lang="en-US" dirty="0"/>
           </a:p>
         </p:txBody>
       </p:sp>
@@ -1730,10 +1762,10 @@
           <a:bodyPr/>
           <a:lstStyle/>
           <a:p>
-            <a:fld id="{B61BEF0D-F0BB-DE4B-95CE-6DB70DBA9567}" type="datetimeFigureOut">
-              <a:rPr lang="en-US" dirty="0"/>
+            <a:fld id="{E8AC5A79-32BA-4516-9EF1-33623E31684F}" type="datetimeFigureOut">
+              <a:rPr lang="en-US" smtClean="0"/>
               <a:pPr/>
-              <a:t>4/30/2020</a:t>
+              <a:t>4/7/2019</a:t>
             </a:fld>
             <a:endParaRPr lang="en-US"/>
           </a:p>
@@ -1860,8 +1892,8 @@
           <a:bodyPr/>
           <a:lstStyle/>
           <a:p>
-            <a:fld id="{D57F1E4F-1CFF-5643-939E-217C01CDF565}" type="slidenum">
-              <a:rPr lang="en-US" dirty="0"/>
+            <a:fld id="{8348A90B-FFAE-4036-B662-E9B5A9302E79}" type="slidenum">
+              <a:rPr lang="en-US" smtClean="0"/>
               <a:pPr/>
               <a:t>‹#›</a:t>
             </a:fld>
@@ -1870,6 +1902,11 @@
         </p:txBody>
       </p:sp>
     </p:spTree>
+    <p:extLst>
+      <p:ext uri="{BB962C8B-B14F-4D97-AF65-F5344CB8AC3E}">
+        <p14:creationId xmlns:p14="http://schemas.microsoft.com/office/powerpoint/2010/main" val="4205755684"/>
+      </p:ext>
+    </p:extLst>
   </p:cSld>
   <p:clrMapOvr>
     <a:masterClrMapping/>
@@ -1924,6 +1961,7 @@
               <a:rPr lang="en-US"/>
               <a:t>Click to edit Master title style</a:t>
             </a:r>
+            <a:endParaRPr lang="en-US" dirty="0"/>
           </a:p>
         </p:txBody>
       </p:sp>
@@ -2046,10 +2084,10 @@
           <a:bodyPr/>
           <a:lstStyle/>
           <a:p>
-            <a:fld id="{B61BEF0D-F0BB-DE4B-95CE-6DB70DBA9567}" type="datetimeFigureOut">
-              <a:rPr lang="en-US" dirty="0"/>
+            <a:fld id="{E8AC5A79-32BA-4516-9EF1-33623E31684F}" type="datetimeFigureOut">
+              <a:rPr lang="en-US" smtClean="0"/>
               <a:pPr/>
-              <a:t>4/30/2020</a:t>
+              <a:t>4/7/2019</a:t>
             </a:fld>
             <a:endParaRPr lang="en-US"/>
           </a:p>
@@ -2176,8 +2214,8 @@
           <a:bodyPr/>
           <a:lstStyle/>
           <a:p>
-            <a:fld id="{D57F1E4F-1CFF-5643-939E-217C01CDF565}" type="slidenum">
-              <a:rPr lang="en-US" dirty="0"/>
+            <a:fld id="{8348A90B-FFAE-4036-B662-E9B5A9302E79}" type="slidenum">
+              <a:rPr lang="en-US" smtClean="0"/>
               <a:pPr/>
               <a:t>‹#›</a:t>
             </a:fld>
@@ -2208,7 +2246,7 @@
           <a:p>
             <a:pPr lvl="0"/>
             <a:r>
-              <a:rPr lang="en-US" sz="8000" baseline="0">
+              <a:rPr lang="en-US" sz="8000" baseline="0" dirty="0">
                 <a:ln w="3175" cmpd="sng">
                   <a:noFill/>
                 </a:ln>
@@ -2216,7 +2254,7 @@
                   <a:schemeClr val="accent1"/>
                 </a:solidFill>
                 <a:effectLst/>
-                <a:latin typeface="Arial"/>
+                <a:latin typeface="Times New Roman" panose="02020603050405020304" pitchFamily="18" charset="0"/>
               </a:rPr>
               <a:t>“</a:t>
             </a:r>
@@ -2246,7 +2284,7 @@
           <a:p>
             <a:pPr lvl="0"/>
             <a:r>
-              <a:rPr lang="en-US" sz="8000" baseline="0">
+              <a:rPr lang="en-US" sz="8000" baseline="0" dirty="0">
                 <a:ln w="3175" cmpd="sng">
                   <a:noFill/>
                 </a:ln>
@@ -2254,7 +2292,7 @@
                   <a:schemeClr val="accent1"/>
                 </a:solidFill>
                 <a:effectLst/>
-                <a:latin typeface="Arial"/>
+                <a:latin typeface="Times New Roman" panose="02020603050405020304" pitchFamily="18" charset="0"/>
               </a:rPr>
               <a:t>”</a:t>
             </a:r>
@@ -2262,6 +2300,11 @@
         </p:txBody>
       </p:sp>
     </p:spTree>
+    <p:extLst>
+      <p:ext uri="{BB962C8B-B14F-4D97-AF65-F5344CB8AC3E}">
+        <p14:creationId xmlns:p14="http://schemas.microsoft.com/office/powerpoint/2010/main" val="3958613095"/>
+      </p:ext>
+    </p:extLst>
   </p:cSld>
   <p:clrMapOvr>
     <a:masterClrMapping/>
@@ -2316,6 +2359,7 @@
               <a:rPr lang="en-US"/>
               <a:t>Click to edit Master title style</a:t>
             </a:r>
+            <a:endParaRPr lang="en-US" dirty="0"/>
           </a:p>
         </p:txBody>
       </p:sp>
@@ -2438,10 +2482,10 @@
           <a:bodyPr/>
           <a:lstStyle/>
           <a:p>
-            <a:fld id="{B61BEF0D-F0BB-DE4B-95CE-6DB70DBA9567}" type="datetimeFigureOut">
-              <a:rPr lang="en-US" dirty="0"/>
+            <a:fld id="{E8AC5A79-32BA-4516-9EF1-33623E31684F}" type="datetimeFigureOut">
+              <a:rPr lang="en-US" smtClean="0"/>
               <a:pPr/>
-              <a:t>4/30/2020</a:t>
+              <a:t>4/7/2019</a:t>
             </a:fld>
             <a:endParaRPr lang="en-US"/>
           </a:p>
@@ -2568,8 +2612,8 @@
           <a:bodyPr/>
           <a:lstStyle/>
           <a:p>
-            <a:fld id="{D57F1E4F-1CFF-5643-939E-217C01CDF565}" type="slidenum">
-              <a:rPr lang="en-US" dirty="0"/>
+            <a:fld id="{8348A90B-FFAE-4036-B662-E9B5A9302E79}" type="slidenum">
+              <a:rPr lang="en-US" smtClean="0"/>
               <a:pPr/>
               <a:t>‹#›</a:t>
             </a:fld>
@@ -2578,6 +2622,11 @@
         </p:txBody>
       </p:sp>
     </p:spTree>
+    <p:extLst>
+      <p:ext uri="{BB962C8B-B14F-4D97-AF65-F5344CB8AC3E}">
+        <p14:creationId xmlns:p14="http://schemas.microsoft.com/office/powerpoint/2010/main" val="1812694782"/>
+      </p:ext>
+    </p:extLst>
   </p:cSld>
   <p:clrMapOvr>
     <a:masterClrMapping/>
@@ -2621,6 +2670,7 @@
               <a:rPr lang="en-US"/>
               <a:t>Click to edit Master title style</a:t>
             </a:r>
+            <a:endParaRPr lang="en-US" dirty="0"/>
           </a:p>
         </p:txBody>
       </p:sp>
@@ -2672,6 +2722,7 @@
               <a:rPr lang="en-US"/>
               <a:t>Fifth level</a:t>
             </a:r>
+            <a:endParaRPr lang="en-US" dirty="0"/>
           </a:p>
         </p:txBody>
       </p:sp>
@@ -2690,10 +2741,10 @@
           <a:bodyPr/>
           <a:lstStyle/>
           <a:p>
-            <a:fld id="{B61BEF0D-F0BB-DE4B-95CE-6DB70DBA9567}" type="datetimeFigureOut">
-              <a:rPr lang="en-US" dirty="0"/>
+            <a:fld id="{E8AC5A79-32BA-4516-9EF1-33623E31684F}" type="datetimeFigureOut">
+              <a:rPr lang="en-US" smtClean="0"/>
               <a:pPr/>
-              <a:t>4/30/2020</a:t>
+              <a:t>4/7/2019</a:t>
             </a:fld>
             <a:endParaRPr lang="en-US"/>
           </a:p>
@@ -2815,8 +2866,8 @@
           <a:bodyPr/>
           <a:lstStyle/>
           <a:p>
-            <a:fld id="{D57F1E4F-1CFF-5643-939E-217C01CDF565}" type="slidenum">
-              <a:rPr lang="en-US" dirty="0"/>
+            <a:fld id="{8348A90B-FFAE-4036-B662-E9B5A9302E79}" type="slidenum">
+              <a:rPr lang="en-US" smtClean="0"/>
               <a:pPr/>
               <a:t>‹#›</a:t>
             </a:fld>
@@ -2825,6 +2876,11 @@
         </p:txBody>
       </p:sp>
     </p:spTree>
+    <p:extLst>
+      <p:ext uri="{BB962C8B-B14F-4D97-AF65-F5344CB8AC3E}">
+        <p14:creationId xmlns:p14="http://schemas.microsoft.com/office/powerpoint/2010/main" val="309935905"/>
+      </p:ext>
+    </p:extLst>
   </p:cSld>
   <p:clrMapOvr>
     <a:masterClrMapping/>
@@ -2873,6 +2929,7 @@
               <a:rPr lang="en-US"/>
               <a:t>Click to edit Master title style</a:t>
             </a:r>
+            <a:endParaRPr lang="en-US" dirty="0"/>
           </a:p>
         </p:txBody>
       </p:sp>
@@ -2929,6 +2986,7 @@
               <a:rPr lang="en-US"/>
               <a:t>Fifth level</a:t>
             </a:r>
+            <a:endParaRPr lang="en-US" dirty="0"/>
           </a:p>
         </p:txBody>
       </p:sp>
@@ -2947,10 +3005,10 @@
           <a:bodyPr/>
           <a:lstStyle/>
           <a:p>
-            <a:fld id="{B61BEF0D-F0BB-DE4B-95CE-6DB70DBA9567}" type="datetimeFigureOut">
-              <a:rPr lang="en-US" dirty="0"/>
+            <a:fld id="{E8AC5A79-32BA-4516-9EF1-33623E31684F}" type="datetimeFigureOut">
+              <a:rPr lang="en-US" smtClean="0"/>
               <a:pPr/>
-              <a:t>4/30/2020</a:t>
+              <a:t>4/7/2019</a:t>
             </a:fld>
             <a:endParaRPr lang="en-US"/>
           </a:p>
@@ -3072,8 +3130,8 @@
           <a:bodyPr/>
           <a:lstStyle/>
           <a:p>
-            <a:fld id="{D57F1E4F-1CFF-5643-939E-217C01CDF565}" type="slidenum">
-              <a:rPr lang="en-US" dirty="0"/>
+            <a:fld id="{8348A90B-FFAE-4036-B662-E9B5A9302E79}" type="slidenum">
+              <a:rPr lang="en-US" smtClean="0"/>
               <a:pPr/>
               <a:t>‹#›</a:t>
             </a:fld>
@@ -3082,6 +3140,11 @@
         </p:txBody>
       </p:sp>
     </p:spTree>
+    <p:extLst>
+      <p:ext uri="{BB962C8B-B14F-4D97-AF65-F5344CB8AC3E}">
+        <p14:creationId xmlns:p14="http://schemas.microsoft.com/office/powerpoint/2010/main" val="576926739"/>
+      </p:ext>
+    </p:extLst>
   </p:cSld>
   <p:clrMapOvr>
     <a:masterClrMapping/>
@@ -3130,6 +3193,7 @@
               <a:rPr lang="en-US"/>
               <a:t>Click to edit Master title style</a:t>
             </a:r>
+            <a:endParaRPr lang="en-US" dirty="0"/>
           </a:p>
         </p:txBody>
       </p:sp>
@@ -3186,6 +3250,7 @@
               <a:rPr lang="en-US"/>
               <a:t>Fifth level</a:t>
             </a:r>
+            <a:endParaRPr lang="en-US" dirty="0"/>
           </a:p>
         </p:txBody>
       </p:sp>
@@ -3204,10 +3269,10 @@
           <a:bodyPr/>
           <a:lstStyle/>
           <a:p>
-            <a:fld id="{B61BEF0D-F0BB-DE4B-95CE-6DB70DBA9567}" type="datetimeFigureOut">
-              <a:rPr lang="en-US" dirty="0"/>
+            <a:fld id="{E8AC5A79-32BA-4516-9EF1-33623E31684F}" type="datetimeFigureOut">
+              <a:rPr lang="en-US" smtClean="0"/>
               <a:pPr/>
-              <a:t>4/30/2020</a:t>
+              <a:t>4/7/2019</a:t>
             </a:fld>
             <a:endParaRPr lang="en-US"/>
           </a:p>
@@ -3329,8 +3394,8 @@
           <a:bodyPr/>
           <a:lstStyle/>
           <a:p>
-            <a:fld id="{D57F1E4F-1CFF-5643-939E-217C01CDF565}" type="slidenum">
-              <a:rPr lang="en-US" dirty="0"/>
+            <a:fld id="{8348A90B-FFAE-4036-B662-E9B5A9302E79}" type="slidenum">
+              <a:rPr lang="en-US" smtClean="0"/>
               <a:pPr/>
               <a:t>‹#›</a:t>
             </a:fld>
@@ -3339,6 +3404,11 @@
         </p:txBody>
       </p:sp>
     </p:spTree>
+    <p:extLst>
+      <p:ext uri="{BB962C8B-B14F-4D97-AF65-F5344CB8AC3E}">
+        <p14:creationId xmlns:p14="http://schemas.microsoft.com/office/powerpoint/2010/main" val="3083403915"/>
+      </p:ext>
+    </p:extLst>
   </p:cSld>
   <p:clrMapOvr>
     <a:masterClrMapping/>
@@ -3391,6 +3461,7 @@
               <a:rPr lang="en-US"/>
               <a:t>Click to edit Master title style</a:t>
             </a:r>
+            <a:endParaRPr lang="en-US" dirty="0"/>
           </a:p>
         </p:txBody>
       </p:sp>
@@ -3529,10 +3600,10 @@
           <a:bodyPr/>
           <a:lstStyle/>
           <a:p>
-            <a:fld id="{B61BEF0D-F0BB-DE4B-95CE-6DB70DBA9567}" type="datetimeFigureOut">
-              <a:rPr lang="en-US" dirty="0"/>
+            <a:fld id="{E8AC5A79-32BA-4516-9EF1-33623E31684F}" type="datetimeFigureOut">
+              <a:rPr lang="en-US" smtClean="0"/>
               <a:pPr/>
-              <a:t>4/30/2020</a:t>
+              <a:t>4/7/2019</a:t>
             </a:fld>
             <a:endParaRPr lang="en-US"/>
           </a:p>
@@ -3659,8 +3730,8 @@
           <a:bodyPr/>
           <a:lstStyle/>
           <a:p>
-            <a:fld id="{D57F1E4F-1CFF-5643-939E-217C01CDF565}" type="slidenum">
-              <a:rPr lang="en-US" dirty="0"/>
+            <a:fld id="{8348A90B-FFAE-4036-B662-E9B5A9302E79}" type="slidenum">
+              <a:rPr lang="en-US" smtClean="0"/>
               <a:pPr/>
               <a:t>‹#›</a:t>
             </a:fld>
@@ -3669,6 +3740,11 @@
         </p:txBody>
       </p:sp>
     </p:spTree>
+    <p:extLst>
+      <p:ext uri="{BB962C8B-B14F-4D97-AF65-F5344CB8AC3E}">
+        <p14:creationId xmlns:p14="http://schemas.microsoft.com/office/powerpoint/2010/main" val="900199510"/>
+      </p:ext>
+    </p:extLst>
   </p:cSld>
   <p:clrMapOvr>
     <a:masterClrMapping/>
@@ -3712,6 +3788,7 @@
               <a:rPr lang="en-US"/>
               <a:t>Click to edit Master title style</a:t>
             </a:r>
+            <a:endParaRPr lang="en-US" dirty="0"/>
           </a:p>
         </p:txBody>
       </p:sp>
@@ -3770,6 +3847,7 @@
               <a:rPr lang="en-US"/>
               <a:t>Fifth level</a:t>
             </a:r>
+            <a:endParaRPr lang="en-US" dirty="0"/>
           </a:p>
         </p:txBody>
       </p:sp>
@@ -3828,6 +3906,7 @@
               <a:rPr lang="en-US"/>
               <a:t>Fifth level</a:t>
             </a:r>
+            <a:endParaRPr lang="en-US" dirty="0"/>
           </a:p>
         </p:txBody>
       </p:sp>
@@ -3846,10 +3925,10 @@
           <a:bodyPr/>
           <a:lstStyle/>
           <a:p>
-            <a:fld id="{B61BEF0D-F0BB-DE4B-95CE-6DB70DBA9567}" type="datetimeFigureOut">
-              <a:rPr lang="en-US" dirty="0"/>
+            <a:fld id="{E8AC5A79-32BA-4516-9EF1-33623E31684F}" type="datetimeFigureOut">
+              <a:rPr lang="en-US" smtClean="0"/>
               <a:pPr/>
-              <a:t>4/30/2020</a:t>
+              <a:t>4/7/2019</a:t>
             </a:fld>
             <a:endParaRPr lang="en-US"/>
           </a:p>
@@ -3976,8 +4055,8 @@
           <a:bodyPr/>
           <a:lstStyle/>
           <a:p>
-            <a:fld id="{D57F1E4F-1CFF-5643-939E-217C01CDF565}" type="slidenum">
-              <a:rPr lang="en-US" dirty="0"/>
+            <a:fld id="{8348A90B-FFAE-4036-B662-E9B5A9302E79}" type="slidenum">
+              <a:rPr lang="en-US" smtClean="0"/>
               <a:pPr/>
               <a:t>‹#›</a:t>
             </a:fld>
@@ -3986,6 +4065,11 @@
         </p:txBody>
       </p:sp>
     </p:spTree>
+    <p:extLst>
+      <p:ext uri="{BB962C8B-B14F-4D97-AF65-F5344CB8AC3E}">
+        <p14:creationId xmlns:p14="http://schemas.microsoft.com/office/powerpoint/2010/main" val="3354399366"/>
+      </p:ext>
+    </p:extLst>
   </p:cSld>
   <p:clrMapOvr>
     <a:masterClrMapping/>
@@ -4029,6 +4113,7 @@
               <a:rPr lang="en-US"/>
               <a:t>Click to edit Master title style</a:t>
             </a:r>
+            <a:endParaRPr lang="en-US" dirty="0"/>
           </a:p>
         </p:txBody>
       </p:sp>
@@ -4154,6 +4239,7 @@
               <a:rPr lang="en-US"/>
               <a:t>Fifth level</a:t>
             </a:r>
+            <a:endParaRPr lang="en-US" dirty="0"/>
           </a:p>
         </p:txBody>
       </p:sp>
@@ -4279,6 +4365,7 @@
               <a:rPr lang="en-US"/>
               <a:t>Fifth level</a:t>
             </a:r>
+            <a:endParaRPr lang="en-US" dirty="0"/>
           </a:p>
         </p:txBody>
       </p:sp>
@@ -4297,10 +4384,10 @@
           <a:bodyPr/>
           <a:lstStyle/>
           <a:p>
-            <a:fld id="{B61BEF0D-F0BB-DE4B-95CE-6DB70DBA9567}" type="datetimeFigureOut">
-              <a:rPr lang="en-US" dirty="0"/>
+            <a:fld id="{E8AC5A79-32BA-4516-9EF1-33623E31684F}" type="datetimeFigureOut">
+              <a:rPr lang="en-US" smtClean="0"/>
               <a:pPr/>
-              <a:t>4/30/2020</a:t>
+              <a:t>4/7/2019</a:t>
             </a:fld>
             <a:endParaRPr lang="en-US"/>
           </a:p>
@@ -4427,8 +4514,8 @@
           <a:bodyPr/>
           <a:lstStyle/>
           <a:p>
-            <a:fld id="{D57F1E4F-1CFF-5643-939E-217C01CDF565}" type="slidenum">
-              <a:rPr lang="en-US" dirty="0"/>
+            <a:fld id="{8348A90B-FFAE-4036-B662-E9B5A9302E79}" type="slidenum">
+              <a:rPr lang="en-US" smtClean="0"/>
               <a:pPr/>
               <a:t>‹#›</a:t>
             </a:fld>
@@ -4437,6 +4524,11 @@
         </p:txBody>
       </p:sp>
     </p:spTree>
+    <p:extLst>
+      <p:ext uri="{BB962C8B-B14F-4D97-AF65-F5344CB8AC3E}">
+        <p14:creationId xmlns:p14="http://schemas.microsoft.com/office/powerpoint/2010/main" val="2091718708"/>
+      </p:ext>
+    </p:extLst>
   </p:cSld>
   <p:clrMapOvr>
     <a:masterClrMapping/>
@@ -4480,6 +4572,7 @@
               <a:rPr lang="en-US"/>
               <a:t>Click to edit Master title style</a:t>
             </a:r>
+            <a:endParaRPr lang="en-US" dirty="0"/>
           </a:p>
         </p:txBody>
       </p:sp>
@@ -4498,10 +4591,10 @@
           <a:bodyPr/>
           <a:lstStyle/>
           <a:p>
-            <a:fld id="{B61BEF0D-F0BB-DE4B-95CE-6DB70DBA9567}" type="datetimeFigureOut">
-              <a:rPr lang="en-US" dirty="0"/>
+            <a:fld id="{E8AC5A79-32BA-4516-9EF1-33623E31684F}" type="datetimeFigureOut">
+              <a:rPr lang="en-US" smtClean="0"/>
               <a:pPr/>
-              <a:t>4/30/2020</a:t>
+              <a:t>4/7/2019</a:t>
             </a:fld>
             <a:endParaRPr lang="en-US"/>
           </a:p>
@@ -4623,8 +4716,8 @@
           <a:bodyPr/>
           <a:lstStyle/>
           <a:p>
-            <a:fld id="{D57F1E4F-1CFF-5643-939E-217C01CDF565}" type="slidenum">
-              <a:rPr lang="en-US" dirty="0"/>
+            <a:fld id="{8348A90B-FFAE-4036-B662-E9B5A9302E79}" type="slidenum">
+              <a:rPr lang="en-US" smtClean="0"/>
               <a:pPr/>
               <a:t>‹#›</a:t>
             </a:fld>
@@ -4633,6 +4726,11 @@
         </p:txBody>
       </p:sp>
     </p:spTree>
+    <p:extLst>
+      <p:ext uri="{BB962C8B-B14F-4D97-AF65-F5344CB8AC3E}">
+        <p14:creationId xmlns:p14="http://schemas.microsoft.com/office/powerpoint/2010/main" val="123125534"/>
+      </p:ext>
+    </p:extLst>
   </p:cSld>
   <p:clrMapOvr>
     <a:masterClrMapping/>
@@ -4672,10 +4770,10 @@
           <a:bodyPr/>
           <a:lstStyle/>
           <a:p>
-            <a:fld id="{B61BEF0D-F0BB-DE4B-95CE-6DB70DBA9567}" type="datetimeFigureOut">
-              <a:rPr lang="en-US" dirty="0"/>
+            <a:fld id="{E8AC5A79-32BA-4516-9EF1-33623E31684F}" type="datetimeFigureOut">
+              <a:rPr lang="en-US" smtClean="0"/>
               <a:pPr/>
-              <a:t>4/30/2020</a:t>
+              <a:t>4/7/2019</a:t>
             </a:fld>
             <a:endParaRPr lang="en-US"/>
           </a:p>
@@ -4797,8 +4895,8 @@
           <a:bodyPr/>
           <a:lstStyle/>
           <a:p>
-            <a:fld id="{D57F1E4F-1CFF-5643-939E-217C01CDF565}" type="slidenum">
-              <a:rPr lang="en-US" dirty="0"/>
+            <a:fld id="{8348A90B-FFAE-4036-B662-E9B5A9302E79}" type="slidenum">
+              <a:rPr lang="en-US" smtClean="0"/>
               <a:pPr/>
               <a:t>‹#›</a:t>
             </a:fld>
@@ -4807,6 +4905,11 @@
         </p:txBody>
       </p:sp>
     </p:spTree>
+    <p:extLst>
+      <p:ext uri="{BB962C8B-B14F-4D97-AF65-F5344CB8AC3E}">
+        <p14:creationId xmlns:p14="http://schemas.microsoft.com/office/powerpoint/2010/main" val="4040254941"/>
+      </p:ext>
+    </p:extLst>
   </p:cSld>
   <p:clrMapOvr>
     <a:masterClrMapping/>
@@ -4859,6 +4962,7 @@
               <a:rPr lang="en-US"/>
               <a:t>Click to edit Master title style</a:t>
             </a:r>
+            <a:endParaRPr lang="en-US" dirty="0"/>
           </a:p>
         </p:txBody>
       </p:sp>
@@ -4917,6 +5021,7 @@
               <a:rPr lang="en-US"/>
               <a:t>Fifth level</a:t>
             </a:r>
+            <a:endParaRPr lang="en-US" dirty="0"/>
           </a:p>
         </p:txBody>
       </p:sp>
@@ -5000,10 +5105,10 @@
           <a:bodyPr/>
           <a:lstStyle/>
           <a:p>
-            <a:fld id="{B61BEF0D-F0BB-DE4B-95CE-6DB70DBA9567}" type="datetimeFigureOut">
-              <a:rPr lang="en-US" dirty="0"/>
+            <a:fld id="{E8AC5A79-32BA-4516-9EF1-33623E31684F}" type="datetimeFigureOut">
+              <a:rPr lang="en-US" smtClean="0"/>
               <a:pPr/>
-              <a:t>4/30/2020</a:t>
+              <a:t>4/7/2019</a:t>
             </a:fld>
             <a:endParaRPr lang="en-US"/>
           </a:p>
@@ -5125,8 +5230,8 @@
           <a:bodyPr/>
           <a:lstStyle/>
           <a:p>
-            <a:fld id="{D57F1E4F-1CFF-5643-939E-217C01CDF565}" type="slidenum">
-              <a:rPr lang="en-US" dirty="0"/>
+            <a:fld id="{8348A90B-FFAE-4036-B662-E9B5A9302E79}" type="slidenum">
+              <a:rPr lang="en-US" smtClean="0"/>
               <a:pPr/>
               <a:t>‹#›</a:t>
             </a:fld>
@@ -5135,6 +5240,11 @@
         </p:txBody>
       </p:sp>
     </p:spTree>
+    <p:extLst>
+      <p:ext uri="{BB962C8B-B14F-4D97-AF65-F5344CB8AC3E}">
+        <p14:creationId xmlns:p14="http://schemas.microsoft.com/office/powerpoint/2010/main" val="891109278"/>
+      </p:ext>
+    </p:extLst>
   </p:cSld>
   <p:clrMapOvr>
     <a:masterClrMapping/>
@@ -5189,6 +5299,7 @@
               <a:rPr lang="en-US"/>
               <a:t>Click to edit Master title style</a:t>
             </a:r>
+            <a:endParaRPr lang="en-US" dirty="0"/>
           </a:p>
         </p:txBody>
       </p:sp>
@@ -5255,6 +5366,7 @@
               <a:rPr lang="en-US"/>
               <a:t>Click icon to add picture</a:t>
             </a:r>
+            <a:endParaRPr lang="en-US" dirty="0"/>
           </a:p>
         </p:txBody>
       </p:sp>
@@ -5340,10 +5452,10 @@
           <a:bodyPr/>
           <a:lstStyle/>
           <a:p>
-            <a:fld id="{B61BEF0D-F0BB-DE4B-95CE-6DB70DBA9567}" type="datetimeFigureOut">
-              <a:rPr lang="en-US" dirty="0"/>
+            <a:fld id="{E8AC5A79-32BA-4516-9EF1-33623E31684F}" type="datetimeFigureOut">
+              <a:rPr lang="en-US" smtClean="0"/>
               <a:pPr/>
-              <a:t>4/30/2020</a:t>
+              <a:t>4/7/2019</a:t>
             </a:fld>
             <a:endParaRPr lang="en-US"/>
           </a:p>
@@ -5470,8 +5582,8 @@
           <a:bodyPr/>
           <a:lstStyle/>
           <a:p>
-            <a:fld id="{D57F1E4F-1CFF-5643-939E-217C01CDF565}" type="slidenum">
-              <a:rPr lang="en-US" dirty="0"/>
+            <a:fld id="{8348A90B-FFAE-4036-B662-E9B5A9302E79}" type="slidenum">
+              <a:rPr lang="en-US" smtClean="0"/>
               <a:pPr/>
               <a:t>‹#›</a:t>
             </a:fld>
@@ -5480,6 +5592,11 @@
         </p:txBody>
       </p:sp>
     </p:spTree>
+    <p:extLst>
+      <p:ext uri="{BB962C8B-B14F-4D97-AF65-F5344CB8AC3E}">
+        <p14:creationId xmlns:p14="http://schemas.microsoft.com/office/powerpoint/2010/main" val="802503595"/>
+      </p:ext>
+    </p:extLst>
   </p:cSld>
   <p:clrMapOvr>
     <a:masterClrMapping/>
@@ -7352,7 +7469,7 @@
           <a:lstStyle/>
           <a:p>
             <a:r>
-              <a:rPr lang="en-US"/>
+              <a:rPr lang="en-US" dirty="0"/>
               <a:t>Click to edit Master title style</a:t>
             </a:r>
           </a:p>
@@ -7385,35 +7502,35 @@
           <a:p>
             <a:pPr lvl="0"/>
             <a:r>
-              <a:rPr lang="en-US"/>
+              <a:rPr lang="en-US" dirty="0"/>
               <a:t>Click to edit Master text styles</a:t>
             </a:r>
           </a:p>
           <a:p>
             <a:pPr lvl="1"/>
             <a:r>
-              <a:rPr lang="en-US"/>
+              <a:rPr lang="en-US" dirty="0"/>
               <a:t>Second level</a:t>
             </a:r>
           </a:p>
           <a:p>
             <a:pPr lvl="2"/>
             <a:r>
-              <a:rPr lang="en-US"/>
+              <a:rPr lang="en-US" dirty="0"/>
               <a:t>Third level</a:t>
             </a:r>
           </a:p>
           <a:p>
             <a:pPr lvl="3"/>
             <a:r>
-              <a:rPr lang="en-US"/>
+              <a:rPr lang="en-US" dirty="0"/>
               <a:t>Fourth level</a:t>
             </a:r>
           </a:p>
           <a:p>
             <a:pPr lvl="4"/>
             <a:r>
-              <a:rPr lang="en-US"/>
+              <a:rPr lang="en-US" dirty="0"/>
               <a:t>Fifth level</a:t>
             </a:r>
           </a:p>
@@ -7448,16 +7565,17 @@
                     <a:tint val="75000"/>
                   </a:schemeClr>
                 </a:solidFill>
+                <a:latin typeface="Times New Roman" panose="02020603050405020304" pitchFamily="18" charset="0"/>
               </a:defRPr>
             </a:lvl1pPr>
           </a:lstStyle>
           <a:p>
-            <a:fld id="{B61BEF0D-F0BB-DE4B-95CE-6DB70DBA9567}" type="datetimeFigureOut">
-              <a:rPr lang="en-US" dirty="0"/>
+            <a:fld id="{E8AC5A79-32BA-4516-9EF1-33623E31684F}" type="datetimeFigureOut">
+              <a:rPr lang="en-US" smtClean="0"/>
               <a:pPr/>
-              <a:t>4/30/2020</a:t>
+              <a:t>4/7/2019</a:t>
             </a:fld>
-            <a:endParaRPr lang="en-US"/>
+            <a:endParaRPr lang="en-US" dirty="0"/>
           </a:p>
         </p:txBody>
       </p:sp>
@@ -7490,11 +7608,12 @@
                     <a:tint val="75000"/>
                   </a:schemeClr>
                 </a:solidFill>
+                <a:latin typeface="Times New Roman" panose="02020603050405020304" pitchFamily="18" charset="0"/>
               </a:defRPr>
             </a:lvl1pPr>
           </a:lstStyle>
           <a:p>
-            <a:endParaRPr lang="en-US"/>
+            <a:endParaRPr lang="en-US" dirty="0"/>
           </a:p>
         </p:txBody>
       </p:sp>
@@ -7525,39 +7644,45 @@
                 <a:solidFill>
                   <a:srgbClr val="FEFFFF"/>
                 </a:solidFill>
+                <a:latin typeface="Times New Roman" panose="02020603050405020304" pitchFamily="18" charset="0"/>
               </a:defRPr>
             </a:lvl1pPr>
           </a:lstStyle>
           <a:p>
-            <a:fld id="{D57F1E4F-1CFF-5643-939E-217C01CDF565}" type="slidenum">
-              <a:rPr lang="en-US" dirty="0"/>
+            <a:fld id="{8348A90B-FFAE-4036-B662-E9B5A9302E79}" type="slidenum">
+              <a:rPr lang="en-US" smtClean="0"/>
               <a:pPr/>
               <a:t>‹#›</a:t>
             </a:fld>
-            <a:endParaRPr lang="en-US"/>
+            <a:endParaRPr lang="en-US" dirty="0"/>
           </a:p>
         </p:txBody>
       </p:sp>
     </p:spTree>
+    <p:extLst>
+      <p:ext uri="{BB962C8B-B14F-4D97-AF65-F5344CB8AC3E}">
+        <p14:creationId xmlns:p14="http://schemas.microsoft.com/office/powerpoint/2010/main" val="1785098610"/>
+      </p:ext>
+    </p:extLst>
   </p:cSld>
   <p:clrMap bg1="lt1" tx1="dk1" bg2="lt2" tx2="dk2" accent1="accent1" accent2="accent2" accent3="accent3" accent4="accent4" accent5="accent5" accent6="accent6" hlink="hlink" folHlink="folHlink"/>
   <p:sldLayoutIdLst>
-    <p:sldLayoutId id="2147483649" r:id="rId1"/>
-    <p:sldLayoutId id="2147483650" r:id="rId2"/>
-    <p:sldLayoutId id="2147483651" r:id="rId3"/>
-    <p:sldLayoutId id="2147483652" r:id="rId4"/>
-    <p:sldLayoutId id="2147483653" r:id="rId5"/>
-    <p:sldLayoutId id="2147483654" r:id="rId6"/>
-    <p:sldLayoutId id="2147483655" r:id="rId7"/>
-    <p:sldLayoutId id="2147483656" r:id="rId8"/>
-    <p:sldLayoutId id="2147483657" r:id="rId9"/>
-    <p:sldLayoutId id="2147483660" r:id="rId10"/>
-    <p:sldLayoutId id="2147483661" r:id="rId11"/>
-    <p:sldLayoutId id="2147483662" r:id="rId12"/>
-    <p:sldLayoutId id="2147483663" r:id="rId13"/>
-    <p:sldLayoutId id="2147483664" r:id="rId14"/>
-    <p:sldLayoutId id="2147483658" r:id="rId15"/>
-    <p:sldLayoutId id="2147483659" r:id="rId16"/>
+    <p:sldLayoutId id="2147483661" r:id="rId1"/>
+    <p:sldLayoutId id="2147483662" r:id="rId2"/>
+    <p:sldLayoutId id="2147483663" r:id="rId3"/>
+    <p:sldLayoutId id="2147483664" r:id="rId4"/>
+    <p:sldLayoutId id="2147483665" r:id="rId5"/>
+    <p:sldLayoutId id="2147483666" r:id="rId6"/>
+    <p:sldLayoutId id="2147483667" r:id="rId7"/>
+    <p:sldLayoutId id="2147483668" r:id="rId8"/>
+    <p:sldLayoutId id="2147483669" r:id="rId9"/>
+    <p:sldLayoutId id="2147483670" r:id="rId10"/>
+    <p:sldLayoutId id="2147483671" r:id="rId11"/>
+    <p:sldLayoutId id="2147483672" r:id="rId12"/>
+    <p:sldLayoutId id="2147483673" r:id="rId13"/>
+    <p:sldLayoutId id="2147483674" r:id="rId14"/>
+    <p:sldLayoutId id="2147483675" r:id="rId15"/>
+    <p:sldLayoutId id="2147483676" r:id="rId16"/>
   </p:sldLayoutIdLst>
   <p:txStyles>
     <p:titleStyle>
@@ -7573,7 +7698,7 @@
               <a:lumOff val="15000"/>
             </a:schemeClr>
           </a:solidFill>
-          <a:latin typeface="+mj-lt"/>
+          <a:latin typeface="Times New Roman" panose="02020603050405020304" pitchFamily="18" charset="0"/>
           <a:ea typeface="+mj-ea"/>
           <a:cs typeface="+mj-cs"/>
         </a:defRPr>
@@ -7655,7 +7780,7 @@
               <a:lumOff val="25000"/>
             </a:schemeClr>
           </a:solidFill>
-          <a:latin typeface="+mn-lt"/>
+          <a:latin typeface="Times New Roman" panose="02020603050405020304" pitchFamily="18" charset="0"/>
           <a:ea typeface="+mn-ea"/>
           <a:cs typeface="+mn-cs"/>
         </a:defRPr>
@@ -7679,7 +7804,7 @@
               <a:lumOff val="25000"/>
             </a:schemeClr>
           </a:solidFill>
-          <a:latin typeface="+mn-lt"/>
+          <a:latin typeface="Times New Roman" panose="02020603050405020304" pitchFamily="18" charset="0"/>
           <a:ea typeface="+mn-ea"/>
           <a:cs typeface="+mn-cs"/>
         </a:defRPr>
@@ -7703,7 +7828,7 @@
               <a:lumOff val="25000"/>
             </a:schemeClr>
           </a:solidFill>
-          <a:latin typeface="+mn-lt"/>
+          <a:latin typeface="Times New Roman" panose="02020603050405020304" pitchFamily="18" charset="0"/>
           <a:ea typeface="+mn-ea"/>
           <a:cs typeface="+mn-cs"/>
         </a:defRPr>
@@ -7727,7 +7852,7 @@
               <a:lumOff val="25000"/>
             </a:schemeClr>
           </a:solidFill>
-          <a:latin typeface="+mn-lt"/>
+          <a:latin typeface="Times New Roman" panose="02020603050405020304" pitchFamily="18" charset="0"/>
           <a:ea typeface="+mn-ea"/>
           <a:cs typeface="+mn-cs"/>
         </a:defRPr>
@@ -7751,7 +7876,7 @@
               <a:lumOff val="25000"/>
             </a:schemeClr>
           </a:solidFill>
-          <a:latin typeface="+mn-lt"/>
+          <a:latin typeface="Times New Roman" panose="02020603050405020304" pitchFamily="18" charset="0"/>
           <a:ea typeface="+mn-ea"/>
           <a:cs typeface="+mn-cs"/>
         </a:defRPr>
@@ -7971,7 +8096,7 @@
       </p:grpSpPr>
       <p:sp>
         <p:nvSpPr>
-          <p:cNvPr id="2" name="Title 1"/>
+          <p:cNvPr id="4" name="Title 3"/>
           <p:cNvSpPr>
             <a:spLocks noGrp="1"/>
           </p:cNvSpPr>
@@ -7986,80 +8111,18 @@
           <a:p>
             <a:pPr algn="r" rtl="1"/>
             <a:r>
-              <a:rPr lang="en-US" dirty="0" err="1">
-                <a:solidFill>
-                  <a:srgbClr val="262626"/>
-                </a:solidFill>
-                <a:latin typeface="Century Gothic"/>
+              <a:rPr lang="he-IL" dirty="0">
+                <a:cs typeface="David" panose="020E0502060401010101" pitchFamily="34" charset="-79"/>
               </a:rPr>
-              <a:t>תרגול</a:t>
-            </a:r>
-            <a:r>
-              <a:rPr lang="en-US" dirty="0">
-                <a:solidFill>
-                  <a:srgbClr val="262626"/>
-                </a:solidFill>
-                <a:latin typeface="Century Gothic"/>
-              </a:rPr>
-              <a:t> </a:t>
-            </a:r>
-            <a:r>
-              <a:rPr lang="en-US" dirty="0" err="1">
-                <a:solidFill>
-                  <a:srgbClr val="262626"/>
-                </a:solidFill>
-                <a:latin typeface="Century Gothic"/>
-              </a:rPr>
-              <a:t>שפות</a:t>
-            </a:r>
-            <a:r>
-              <a:rPr lang="en-US" dirty="0">
-                <a:solidFill>
-                  <a:srgbClr val="262626"/>
-                </a:solidFill>
-                <a:latin typeface="Century Gothic"/>
-              </a:rPr>
-              <a:t> </a:t>
-            </a:r>
-            <a:r>
-              <a:rPr lang="en-US" dirty="0" err="1">
-                <a:solidFill>
-                  <a:srgbClr val="262626"/>
-                </a:solidFill>
-                <a:latin typeface="Century Gothic"/>
-              </a:rPr>
-              <a:t>תכנות</a:t>
-            </a:r>
-            <a:r>
-              <a:rPr lang="en-US" dirty="0">
-                <a:solidFill>
-                  <a:srgbClr val="262626"/>
-                </a:solidFill>
-                <a:latin typeface="Century Gothic"/>
-              </a:rPr>
-              <a:t> </a:t>
-            </a:r>
-            <a:r>
-              <a:rPr lang="he-IL" dirty="0">
-                <a:solidFill>
-                  <a:srgbClr val="262626"/>
-                </a:solidFill>
-                <a:latin typeface="Century Gothic"/>
-              </a:rPr>
-              <a:t>6</a:t>
-            </a:r>
-            <a:endParaRPr lang="en-US" dirty="0">
-              <a:solidFill>
-                <a:srgbClr val="262626"/>
-              </a:solidFill>
-              <a:latin typeface="Century Gothic"/>
-            </a:endParaRPr>
+              <a:t>שפות תכנות</a:t>
+            </a:r>
+            <a:endParaRPr lang="en-US" dirty="0"/>
           </a:p>
         </p:txBody>
       </p:sp>
       <p:sp>
         <p:nvSpPr>
-          <p:cNvPr id="3" name="Subtitle 2"/>
+          <p:cNvPr id="5" name="Subtitle 4"/>
           <p:cNvSpPr>
             <a:spLocks noGrp="1"/>
           </p:cNvSpPr>
@@ -8074,25 +8137,808 @@
           <a:p>
             <a:pPr algn="r" rtl="1"/>
             <a:r>
-              <a:rPr lang="en-US" dirty="0"/>
-              <a:t>Subset</a:t>
-            </a:r>
-          </a:p>
-          <a:p>
-            <a:pPr algn="r" rtl="1"/>
-            <a:endParaRPr lang="en-US" dirty="0">
-              <a:solidFill>
-                <a:srgbClr val="595959"/>
-              </a:solidFill>
-              <a:latin typeface="Century Gothic"/>
-            </a:endParaRPr>
+              <a:rPr lang="he-IL" dirty="0">
+                <a:cs typeface="David" panose="020E0502060401010101" pitchFamily="34" charset="-79"/>
+              </a:rPr>
+              <a:t>תרגול </a:t>
+            </a:r>
+            <a:r>
+              <a:rPr lang="en-US" smtClean="0">
+                <a:cs typeface="David" panose="020E0502060401010101" pitchFamily="34" charset="-79"/>
+              </a:rPr>
+              <a:t>6</a:t>
+            </a:r>
+            <a:endParaRPr lang="en-US" dirty="0"/>
           </a:p>
         </p:txBody>
       </p:sp>
     </p:spTree>
     <p:extLst>
       <p:ext uri="{BB962C8B-B14F-4D97-AF65-F5344CB8AC3E}">
-        <p14:creationId xmlns:p14="http://schemas.microsoft.com/office/powerpoint/2010/main" val="3622625124"/>
+        <p14:creationId xmlns:p14="http://schemas.microsoft.com/office/powerpoint/2010/main" val="4147650174"/>
+      </p:ext>
+    </p:extLst>
+  </p:cSld>
+  <p:clrMapOvr>
+    <a:masterClrMapping/>
+  </p:clrMapOvr>
+</p:sld>
+</file>
+
+<file path=ppt/slides/slide10.xml><?xml version="1.0" encoding="utf-8"?>
+<p:sld xmlns:a="http://schemas.openxmlformats.org/drawingml/2006/main" xmlns:r="http://schemas.openxmlformats.org/officeDocument/2006/relationships" xmlns:p="http://schemas.openxmlformats.org/presentationml/2006/main">
+  <p:cSld>
+    <p:spTree>
+      <p:nvGrpSpPr>
+        <p:cNvPr id="1" name=""/>
+        <p:cNvGrpSpPr/>
+        <p:nvPr/>
+      </p:nvGrpSpPr>
+      <p:grpSpPr>
+        <a:xfrm>
+          <a:off x="0" y="0"/>
+          <a:ext cx="0" cy="0"/>
+          <a:chOff x="0" y="0"/>
+          <a:chExt cx="0" cy="0"/>
+        </a:xfrm>
+      </p:grpSpPr>
+      <p:sp>
+        <p:nvSpPr>
+          <p:cNvPr id="2" name="Title 1">
+            <a:extLst>
+              <a:ext uri="{FF2B5EF4-FFF2-40B4-BE49-F238E27FC236}">
+                <a16:creationId xmlns:a16="http://schemas.microsoft.com/office/drawing/2014/main" xmlns="" id="{BFF94978-901F-4C06-8107-01817CECCF47}"/>
+              </a:ext>
+            </a:extLst>
+          </p:cNvPr>
+          <p:cNvSpPr>
+            <a:spLocks noGrp="1"/>
+          </p:cNvSpPr>
+          <p:nvPr>
+            <p:ph type="title"/>
+          </p:nvPr>
+        </p:nvSpPr>
+        <p:spPr/>
+        <p:txBody>
+          <a:bodyPr/>
+          <a:lstStyle/>
+          <a:p>
+            <a:r>
+              <a:rPr lang="en-US" dirty="0"/>
+              <a:t>parse-</a:t>
+            </a:r>
+            <a:r>
+              <a:rPr lang="en-US" dirty="0" err="1"/>
+              <a:t>sexpr</a:t>
+            </a:r>
+            <a:endParaRPr lang="en-US" dirty="0"/>
+          </a:p>
+        </p:txBody>
+      </p:sp>
+      <p:sp>
+        <p:nvSpPr>
+          <p:cNvPr id="3" name="Content Placeholder 2">
+            <a:extLst>
+              <a:ext uri="{FF2B5EF4-FFF2-40B4-BE49-F238E27FC236}">
+                <a16:creationId xmlns:a16="http://schemas.microsoft.com/office/drawing/2014/main" xmlns="" id="{3553A4F4-EEB4-41C5-A138-A16C6EC889E4}"/>
+              </a:ext>
+            </a:extLst>
+          </p:cNvPr>
+          <p:cNvSpPr>
+            <a:spLocks noGrp="1"/>
+          </p:cNvSpPr>
+          <p:nvPr>
+            <p:ph idx="1"/>
+          </p:nvPr>
+        </p:nvSpPr>
+        <p:spPr/>
+        <p:txBody>
+          <a:bodyPr/>
+          <a:lstStyle/>
+          <a:p>
+            <a:pPr marL="0" indent="0">
+              <a:buNone/>
+            </a:pPr>
+            <a:r>
+              <a:rPr lang="en-US" dirty="0"/>
+              <a:t>(: parse-</a:t>
+            </a:r>
+            <a:r>
+              <a:rPr lang="en-US" dirty="0" err="1"/>
+              <a:t>sexpr</a:t>
+            </a:r>
+            <a:r>
+              <a:rPr lang="en-US" dirty="0"/>
+              <a:t> : </a:t>
+            </a:r>
+            <a:r>
+              <a:rPr lang="en-US" dirty="0" err="1"/>
+              <a:t>Sexpr</a:t>
+            </a:r>
+            <a:r>
+              <a:rPr lang="en-US" dirty="0"/>
+              <a:t> -&gt; </a:t>
+            </a:r>
+            <a:r>
+              <a:rPr lang="en-US" dirty="0" err="1"/>
+              <a:t>RegE</a:t>
+            </a:r>
+            <a:r>
+              <a:rPr lang="en-US" dirty="0"/>
+              <a:t>)</a:t>
+            </a:r>
+          </a:p>
+          <a:p>
+            <a:pPr marL="0" indent="0">
+              <a:buNone/>
+            </a:pPr>
+            <a:r>
+              <a:rPr lang="en-US" dirty="0"/>
+              <a:t>(define (parse-</a:t>
+            </a:r>
+            <a:r>
+              <a:rPr lang="en-US" dirty="0" err="1"/>
+              <a:t>sexpr</a:t>
+            </a:r>
+            <a:r>
+              <a:rPr lang="en-US" dirty="0"/>
+              <a:t> </a:t>
+            </a:r>
+            <a:r>
+              <a:rPr lang="en-US" dirty="0" err="1"/>
+              <a:t>sexpr</a:t>
+            </a:r>
+            <a:r>
+              <a:rPr lang="en-US" dirty="0"/>
+              <a:t>)</a:t>
+            </a:r>
+          </a:p>
+          <a:p>
+            <a:pPr marL="0" indent="0">
+              <a:buNone/>
+            </a:pPr>
+            <a:r>
+              <a:rPr lang="en-US" dirty="0"/>
+              <a:t>	(match </a:t>
+            </a:r>
+            <a:r>
+              <a:rPr lang="en-US" dirty="0" err="1"/>
+              <a:t>sexpr</a:t>
+            </a:r>
+            <a:endParaRPr lang="en-US" dirty="0"/>
+          </a:p>
+          <a:p>
+            <a:pPr marL="0" indent="0">
+              <a:buNone/>
+            </a:pPr>
+            <a:r>
+              <a:rPr lang="en-US" dirty="0"/>
+              <a:t>		[(list '</a:t>
+            </a:r>
+            <a:r>
+              <a:rPr lang="en-US" dirty="0" err="1"/>
+              <a:t>reg-len</a:t>
+            </a:r>
+            <a:r>
+              <a:rPr lang="en-US" dirty="0"/>
+              <a:t> ‘=	 (number: n)	 </a:t>
+            </a:r>
+            <a:r>
+              <a:rPr lang="en-US" dirty="0" err="1"/>
+              <a:t>args</a:t>
+            </a:r>
+            <a:r>
+              <a:rPr lang="en-US" dirty="0"/>
+              <a:t>)</a:t>
+            </a:r>
+          </a:p>
+          <a:p>
+            <a:pPr marL="0" indent="0">
+              <a:buNone/>
+            </a:pPr>
+            <a:r>
+              <a:rPr lang="en-US" dirty="0"/>
+              <a:t> 			(if (&gt; n 0)</a:t>
+            </a:r>
+          </a:p>
+          <a:p>
+            <a:pPr marL="0" indent="0">
+              <a:buNone/>
+            </a:pPr>
+            <a:r>
+              <a:rPr lang="en-US" dirty="0"/>
+              <a:t>       				(parse-</a:t>
+            </a:r>
+            <a:r>
+              <a:rPr lang="en-US" dirty="0" err="1"/>
+              <a:t>sexpr</a:t>
+            </a:r>
+            <a:r>
+              <a:rPr lang="en-US" dirty="0"/>
+              <a:t>-</a:t>
+            </a:r>
+            <a:r>
+              <a:rPr lang="en-US" dirty="0" err="1"/>
+              <a:t>RegL</a:t>
+            </a:r>
+            <a:r>
+              <a:rPr lang="en-US" dirty="0"/>
+              <a:t> </a:t>
+            </a:r>
+            <a:r>
+              <a:rPr lang="en-US" dirty="0" err="1"/>
+              <a:t>args</a:t>
+            </a:r>
+            <a:r>
+              <a:rPr lang="en-US" dirty="0"/>
+              <a:t> n)</a:t>
+            </a:r>
+          </a:p>
+          <a:p>
+            <a:pPr marL="0" indent="0">
+              <a:buNone/>
+            </a:pPr>
+            <a:r>
+              <a:rPr lang="en-US" dirty="0"/>
+              <a:t>    				(error 'parse-</a:t>
+            </a:r>
+            <a:r>
+              <a:rPr lang="en-US" dirty="0" err="1"/>
+              <a:t>sexpr</a:t>
+            </a:r>
+            <a:r>
+              <a:rPr lang="en-US" dirty="0"/>
+              <a:t> "Register length must be at least 1 ~s" </a:t>
+            </a:r>
+            <a:r>
+              <a:rPr lang="en-US" dirty="0" err="1"/>
+              <a:t>sexpr</a:t>
+            </a:r>
+            <a:r>
+              <a:rPr lang="en-US" dirty="0"/>
+              <a:t>) )]</a:t>
+            </a:r>
+          </a:p>
+          <a:p>
+            <a:pPr marL="0" indent="0">
+              <a:buNone/>
+            </a:pPr>
+            <a:r>
+              <a:rPr lang="en-US" dirty="0"/>
+              <a:t>		[else (error 'parse-</a:t>
+            </a:r>
+            <a:r>
+              <a:rPr lang="en-US" dirty="0" err="1"/>
+              <a:t>sexpr</a:t>
+            </a:r>
+            <a:r>
+              <a:rPr lang="en-US" dirty="0"/>
+              <a:t> "bad syntax in ~s" </a:t>
+            </a:r>
+            <a:r>
+              <a:rPr lang="en-US" dirty="0" err="1"/>
+              <a:t>sexpr</a:t>
+            </a:r>
+            <a:r>
+              <a:rPr lang="en-US" dirty="0"/>
+              <a:t>)]))</a:t>
+            </a:r>
+          </a:p>
+          <a:p>
+            <a:pPr marL="0" indent="0">
+              <a:buNone/>
+            </a:pPr>
+            <a:endParaRPr lang="en-US" dirty="0"/>
+          </a:p>
+        </p:txBody>
+      </p:sp>
+    </p:spTree>
+    <p:extLst>
+      <p:ext uri="{BB962C8B-B14F-4D97-AF65-F5344CB8AC3E}">
+        <p14:creationId xmlns:p14="http://schemas.microsoft.com/office/powerpoint/2010/main" val="479783052"/>
+      </p:ext>
+    </p:extLst>
+  </p:cSld>
+  <p:clrMapOvr>
+    <a:masterClrMapping/>
+  </p:clrMapOvr>
+  <p:timing>
+    <p:tnLst>
+      <p:par>
+        <p:cTn id="1" dur="indefinite" restart="never" nodeType="tmRoot">
+          <p:childTnLst>
+            <p:seq concurrent="1" nextAc="seek">
+              <p:cTn id="2" dur="indefinite" nodeType="mainSeq">
+                <p:childTnLst>
+                  <p:par>
+                    <p:cTn id="3" fill="hold">
+                      <p:stCondLst>
+                        <p:cond delay="indefinite"/>
+                      </p:stCondLst>
+                      <p:childTnLst>
+                        <p:par>
+                          <p:cTn id="4" fill="hold">
+                            <p:stCondLst>
+                              <p:cond delay="0"/>
+                            </p:stCondLst>
+                            <p:childTnLst>
+                              <p:par>
+                                <p:cTn id="5" presetID="1" presetClass="entr" presetSubtype="0" fill="hold" nodeType="clickEffect">
+                                  <p:stCondLst>
+                                    <p:cond delay="0"/>
+                                  </p:stCondLst>
+                                  <p:childTnLst>
+                                    <p:set>
+                                      <p:cBhvr>
+                                        <p:cTn id="6" dur="1" fill="hold">
+                                          <p:stCondLst>
+                                            <p:cond delay="0"/>
+                                          </p:stCondLst>
+                                        </p:cTn>
+                                        <p:tgtEl>
+                                          <p:spTgt spid="3">
+                                            <p:txEl>
+                                              <p:pRg st="0" end="0"/>
+                                            </p:txEl>
+                                          </p:spTgt>
+                                        </p:tgtEl>
+                                        <p:attrNameLst>
+                                          <p:attrName>style.visibility</p:attrName>
+                                        </p:attrNameLst>
+                                      </p:cBhvr>
+                                      <p:to>
+                                        <p:strVal val="visible"/>
+                                      </p:to>
+                                    </p:set>
+                                  </p:childTnLst>
+                                </p:cTn>
+                              </p:par>
+                              <p:par>
+                                <p:cTn id="7" presetID="1" presetClass="entr" presetSubtype="0" fill="hold" nodeType="withEffect">
+                                  <p:stCondLst>
+                                    <p:cond delay="0"/>
+                                  </p:stCondLst>
+                                  <p:childTnLst>
+                                    <p:set>
+                                      <p:cBhvr>
+                                        <p:cTn id="8" dur="1" fill="hold">
+                                          <p:stCondLst>
+                                            <p:cond delay="0"/>
+                                          </p:stCondLst>
+                                        </p:cTn>
+                                        <p:tgtEl>
+                                          <p:spTgt spid="3">
+                                            <p:txEl>
+                                              <p:pRg st="1" end="1"/>
+                                            </p:txEl>
+                                          </p:spTgt>
+                                        </p:tgtEl>
+                                        <p:attrNameLst>
+                                          <p:attrName>style.visibility</p:attrName>
+                                        </p:attrNameLst>
+                                      </p:cBhvr>
+                                      <p:to>
+                                        <p:strVal val="visible"/>
+                                      </p:to>
+                                    </p:set>
+                                  </p:childTnLst>
+                                </p:cTn>
+                              </p:par>
+                              <p:par>
+                                <p:cTn id="9" presetID="1" presetClass="entr" presetSubtype="0" fill="hold" nodeType="withEffect">
+                                  <p:stCondLst>
+                                    <p:cond delay="0"/>
+                                  </p:stCondLst>
+                                  <p:childTnLst>
+                                    <p:set>
+                                      <p:cBhvr>
+                                        <p:cTn id="10" dur="1" fill="hold">
+                                          <p:stCondLst>
+                                            <p:cond delay="0"/>
+                                          </p:stCondLst>
+                                        </p:cTn>
+                                        <p:tgtEl>
+                                          <p:spTgt spid="3">
+                                            <p:txEl>
+                                              <p:pRg st="2" end="2"/>
+                                            </p:txEl>
+                                          </p:spTgt>
+                                        </p:tgtEl>
+                                        <p:attrNameLst>
+                                          <p:attrName>style.visibility</p:attrName>
+                                        </p:attrNameLst>
+                                      </p:cBhvr>
+                                      <p:to>
+                                        <p:strVal val="visible"/>
+                                      </p:to>
+                                    </p:set>
+                                  </p:childTnLst>
+                                </p:cTn>
+                              </p:par>
+                            </p:childTnLst>
+                          </p:cTn>
+                        </p:par>
+                      </p:childTnLst>
+                    </p:cTn>
+                  </p:par>
+                  <p:par>
+                    <p:cTn id="11" fill="hold">
+                      <p:stCondLst>
+                        <p:cond delay="indefinite"/>
+                      </p:stCondLst>
+                      <p:childTnLst>
+                        <p:par>
+                          <p:cTn id="12" fill="hold">
+                            <p:stCondLst>
+                              <p:cond delay="0"/>
+                            </p:stCondLst>
+                            <p:childTnLst>
+                              <p:par>
+                                <p:cTn id="13" presetID="1" presetClass="entr" presetSubtype="0" fill="hold" nodeType="clickEffect">
+                                  <p:stCondLst>
+                                    <p:cond delay="0"/>
+                                  </p:stCondLst>
+                                  <p:childTnLst>
+                                    <p:set>
+                                      <p:cBhvr>
+                                        <p:cTn id="14" dur="1" fill="hold">
+                                          <p:stCondLst>
+                                            <p:cond delay="0"/>
+                                          </p:stCondLst>
+                                        </p:cTn>
+                                        <p:tgtEl>
+                                          <p:spTgt spid="3">
+                                            <p:txEl>
+                                              <p:pRg st="3" end="3"/>
+                                            </p:txEl>
+                                          </p:spTgt>
+                                        </p:tgtEl>
+                                        <p:attrNameLst>
+                                          <p:attrName>style.visibility</p:attrName>
+                                        </p:attrNameLst>
+                                      </p:cBhvr>
+                                      <p:to>
+                                        <p:strVal val="visible"/>
+                                      </p:to>
+                                    </p:set>
+                                  </p:childTnLst>
+                                </p:cTn>
+                              </p:par>
+                            </p:childTnLst>
+                          </p:cTn>
+                        </p:par>
+                      </p:childTnLst>
+                    </p:cTn>
+                  </p:par>
+                  <p:par>
+                    <p:cTn id="15" fill="hold">
+                      <p:stCondLst>
+                        <p:cond delay="indefinite"/>
+                      </p:stCondLst>
+                      <p:childTnLst>
+                        <p:par>
+                          <p:cTn id="16" fill="hold">
+                            <p:stCondLst>
+                              <p:cond delay="0"/>
+                            </p:stCondLst>
+                            <p:childTnLst>
+                              <p:par>
+                                <p:cTn id="17" presetID="1" presetClass="entr" presetSubtype="0" fill="hold" nodeType="clickEffect">
+                                  <p:stCondLst>
+                                    <p:cond delay="0"/>
+                                  </p:stCondLst>
+                                  <p:childTnLst>
+                                    <p:set>
+                                      <p:cBhvr>
+                                        <p:cTn id="18" dur="1" fill="hold">
+                                          <p:stCondLst>
+                                            <p:cond delay="0"/>
+                                          </p:stCondLst>
+                                        </p:cTn>
+                                        <p:tgtEl>
+                                          <p:spTgt spid="3">
+                                            <p:txEl>
+                                              <p:pRg st="4" end="4"/>
+                                            </p:txEl>
+                                          </p:spTgt>
+                                        </p:tgtEl>
+                                        <p:attrNameLst>
+                                          <p:attrName>style.visibility</p:attrName>
+                                        </p:attrNameLst>
+                                      </p:cBhvr>
+                                      <p:to>
+                                        <p:strVal val="visible"/>
+                                      </p:to>
+                                    </p:set>
+                                  </p:childTnLst>
+                                </p:cTn>
+                              </p:par>
+                              <p:par>
+                                <p:cTn id="19" presetID="1" presetClass="entr" presetSubtype="0" fill="hold" nodeType="withEffect">
+                                  <p:stCondLst>
+                                    <p:cond delay="0"/>
+                                  </p:stCondLst>
+                                  <p:childTnLst>
+                                    <p:set>
+                                      <p:cBhvr>
+                                        <p:cTn id="20" dur="1" fill="hold">
+                                          <p:stCondLst>
+                                            <p:cond delay="0"/>
+                                          </p:stCondLst>
+                                        </p:cTn>
+                                        <p:tgtEl>
+                                          <p:spTgt spid="3">
+                                            <p:txEl>
+                                              <p:pRg st="5" end="5"/>
+                                            </p:txEl>
+                                          </p:spTgt>
+                                        </p:tgtEl>
+                                        <p:attrNameLst>
+                                          <p:attrName>style.visibility</p:attrName>
+                                        </p:attrNameLst>
+                                      </p:cBhvr>
+                                      <p:to>
+                                        <p:strVal val="visible"/>
+                                      </p:to>
+                                    </p:set>
+                                  </p:childTnLst>
+                                </p:cTn>
+                              </p:par>
+                              <p:par>
+                                <p:cTn id="21" presetID="1" presetClass="entr" presetSubtype="0" fill="hold" nodeType="withEffect">
+                                  <p:stCondLst>
+                                    <p:cond delay="0"/>
+                                  </p:stCondLst>
+                                  <p:childTnLst>
+                                    <p:set>
+                                      <p:cBhvr>
+                                        <p:cTn id="22" dur="1" fill="hold">
+                                          <p:stCondLst>
+                                            <p:cond delay="0"/>
+                                          </p:stCondLst>
+                                        </p:cTn>
+                                        <p:tgtEl>
+                                          <p:spTgt spid="3">
+                                            <p:txEl>
+                                              <p:pRg st="6" end="6"/>
+                                            </p:txEl>
+                                          </p:spTgt>
+                                        </p:tgtEl>
+                                        <p:attrNameLst>
+                                          <p:attrName>style.visibility</p:attrName>
+                                        </p:attrNameLst>
+                                      </p:cBhvr>
+                                      <p:to>
+                                        <p:strVal val="visible"/>
+                                      </p:to>
+                                    </p:set>
+                                  </p:childTnLst>
+                                </p:cTn>
+                              </p:par>
+                            </p:childTnLst>
+                          </p:cTn>
+                        </p:par>
+                      </p:childTnLst>
+                    </p:cTn>
+                  </p:par>
+                  <p:par>
+                    <p:cTn id="23" fill="hold">
+                      <p:stCondLst>
+                        <p:cond delay="indefinite"/>
+                      </p:stCondLst>
+                      <p:childTnLst>
+                        <p:par>
+                          <p:cTn id="24" fill="hold">
+                            <p:stCondLst>
+                              <p:cond delay="0"/>
+                            </p:stCondLst>
+                            <p:childTnLst>
+                              <p:par>
+                                <p:cTn id="25" presetID="1" presetClass="entr" presetSubtype="0" fill="hold" nodeType="clickEffect">
+                                  <p:stCondLst>
+                                    <p:cond delay="0"/>
+                                  </p:stCondLst>
+                                  <p:childTnLst>
+                                    <p:set>
+                                      <p:cBhvr>
+                                        <p:cTn id="26" dur="1" fill="hold">
+                                          <p:stCondLst>
+                                            <p:cond delay="0"/>
+                                          </p:stCondLst>
+                                        </p:cTn>
+                                        <p:tgtEl>
+                                          <p:spTgt spid="3">
+                                            <p:txEl>
+                                              <p:pRg st="7" end="7"/>
+                                            </p:txEl>
+                                          </p:spTgt>
+                                        </p:tgtEl>
+                                        <p:attrNameLst>
+                                          <p:attrName>style.visibility</p:attrName>
+                                        </p:attrNameLst>
+                                      </p:cBhvr>
+                                      <p:to>
+                                        <p:strVal val="visible"/>
+                                      </p:to>
+                                    </p:set>
+                                  </p:childTnLst>
+                                </p:cTn>
+                              </p:par>
+                            </p:childTnLst>
+                          </p:cTn>
+                        </p:par>
+                      </p:childTnLst>
+                    </p:cTn>
+                  </p:par>
+                </p:childTnLst>
+              </p:cTn>
+              <p:prevCondLst>
+                <p:cond evt="onPrev" delay="0">
+                  <p:tgtEl>
+                    <p:sldTgt/>
+                  </p:tgtEl>
+                </p:cond>
+              </p:prevCondLst>
+              <p:nextCondLst>
+                <p:cond evt="onNext" delay="0">
+                  <p:tgtEl>
+                    <p:sldTgt/>
+                  </p:tgtEl>
+                </p:cond>
+              </p:nextCondLst>
+            </p:seq>
+          </p:childTnLst>
+        </p:cTn>
+      </p:par>
+    </p:tnLst>
+  </p:timing>
+</p:sld>
+</file>
+
+<file path=ppt/slides/slide11.xml><?xml version="1.0" encoding="utf-8"?>
+<p:sld xmlns:a="http://schemas.openxmlformats.org/drawingml/2006/main" xmlns:r="http://schemas.openxmlformats.org/officeDocument/2006/relationships" xmlns:p="http://schemas.openxmlformats.org/presentationml/2006/main">
+  <p:cSld>
+    <p:spTree>
+      <p:nvGrpSpPr>
+        <p:cNvPr id="1" name=""/>
+        <p:cNvGrpSpPr/>
+        <p:nvPr/>
+      </p:nvGrpSpPr>
+      <p:grpSpPr>
+        <a:xfrm>
+          <a:off x="0" y="0"/>
+          <a:ext cx="0" cy="0"/>
+          <a:chOff x="0" y="0"/>
+          <a:chExt cx="0" cy="0"/>
+        </a:xfrm>
+      </p:grpSpPr>
+      <p:sp>
+        <p:nvSpPr>
+          <p:cNvPr id="2" name="Title 1">
+            <a:extLst>
+              <a:ext uri="{FF2B5EF4-FFF2-40B4-BE49-F238E27FC236}">
+                <a16:creationId xmlns:a16="http://schemas.microsoft.com/office/drawing/2014/main" xmlns="" id="{FA4A4056-4505-4801-ABC2-1AFBF0D6EDD0}"/>
+              </a:ext>
+            </a:extLst>
+          </p:cNvPr>
+          <p:cNvSpPr>
+            <a:spLocks noGrp="1"/>
+          </p:cNvSpPr>
+          <p:nvPr>
+            <p:ph type="title"/>
+          </p:nvPr>
+        </p:nvSpPr>
+        <p:spPr/>
+        <p:txBody>
+          <a:bodyPr/>
+          <a:lstStyle/>
+          <a:p>
+            <a:r>
+              <a:rPr lang="en-US" dirty="0"/>
+              <a:t>Parse one of the following:</a:t>
+            </a:r>
+          </a:p>
+        </p:txBody>
+      </p:sp>
+      <p:sp>
+        <p:nvSpPr>
+          <p:cNvPr id="3" name="Content Placeholder 2">
+            <a:extLst>
+              <a:ext uri="{FF2B5EF4-FFF2-40B4-BE49-F238E27FC236}">
+                <a16:creationId xmlns:a16="http://schemas.microsoft.com/office/drawing/2014/main" xmlns="" id="{229FFFFB-1F1F-4B42-B451-4DF442CA4619}"/>
+              </a:ext>
+            </a:extLst>
+          </p:cNvPr>
+          <p:cNvSpPr>
+            <a:spLocks noGrp="1"/>
+          </p:cNvSpPr>
+          <p:nvPr>
+            <p:ph idx="1"/>
+          </p:nvPr>
+        </p:nvSpPr>
+        <p:spPr/>
+        <p:txBody>
+          <a:bodyPr/>
+          <a:lstStyle/>
+          <a:p>
+            <a:pPr marL="0" indent="0">
+              <a:buNone/>
+            </a:pPr>
+            <a:r>
+              <a:rPr lang="en-US" dirty="0"/>
+              <a:t>	{</a:t>
+            </a:r>
+            <a:r>
+              <a:rPr lang="en-US" dirty="0" err="1"/>
+              <a:t>reg-len</a:t>
+            </a:r>
+            <a:r>
+              <a:rPr lang="en-US" dirty="0"/>
+              <a:t>= 4 {</a:t>
+            </a:r>
+            <a:r>
+              <a:rPr lang="en-US" dirty="0" err="1"/>
+              <a:t>shl</a:t>
+            </a:r>
+            <a:r>
+              <a:rPr lang="en-US" dirty="0"/>
+              <a:t> {1 0 0 0}}}</a:t>
+            </a:r>
+          </a:p>
+          <a:p>
+            <a:pPr marL="0" indent="0">
+              <a:buNone/>
+            </a:pPr>
+            <a:r>
+              <a:rPr lang="en-US" dirty="0"/>
+              <a:t>	{</a:t>
+            </a:r>
+            <a:r>
+              <a:rPr lang="en-US" dirty="0" err="1"/>
+              <a:t>reg-len</a:t>
+            </a:r>
+            <a:r>
+              <a:rPr lang="en-US" dirty="0"/>
+              <a:t>= 4 {and {</a:t>
+            </a:r>
+            <a:r>
+              <a:rPr lang="en-US" dirty="0" err="1"/>
+              <a:t>shl</a:t>
+            </a:r>
+            <a:r>
+              <a:rPr lang="en-US" dirty="0"/>
+              <a:t> {1 0 1 0}} {</a:t>
+            </a:r>
+            <a:r>
+              <a:rPr lang="en-US" dirty="0" err="1"/>
+              <a:t>shl</a:t>
+            </a:r>
+            <a:r>
+              <a:rPr lang="en-US" dirty="0"/>
+              <a:t> {1 0 1 0}}}}</a:t>
+            </a:r>
+          </a:p>
+          <a:p>
+            <a:pPr marL="0" indent="0">
+              <a:buNone/>
+            </a:pPr>
+            <a:r>
+              <a:rPr lang="en-US" dirty="0"/>
+              <a:t> </a:t>
+            </a:r>
+          </a:p>
+          <a:p>
+            <a:pPr marL="0" indent="0">
+              <a:buNone/>
+            </a:pPr>
+            <a:endParaRPr lang="en-US" dirty="0"/>
+          </a:p>
+        </p:txBody>
+      </p:sp>
+    </p:spTree>
+    <p:extLst>
+      <p:ext uri="{BB962C8B-B14F-4D97-AF65-F5344CB8AC3E}">
+        <p14:creationId xmlns:p14="http://schemas.microsoft.com/office/powerpoint/2010/main" val="4065906026"/>
       </p:ext>
     </p:extLst>
   </p:cSld>
@@ -8121,13 +8967,7 @@
       </p:grpSpPr>
       <p:sp>
         <p:nvSpPr>
-          <p:cNvPr id="2" name="Title 1">
-            <a:extLst>
-              <a:ext uri="{FF2B5EF4-FFF2-40B4-BE49-F238E27FC236}">
-                <a16:creationId xmlns:a16="http://schemas.microsoft.com/office/drawing/2014/main" id="{B08F7F93-1B6D-43AC-9627-6F4C8A4EB12E}"/>
-              </a:ext>
-            </a:extLst>
-          </p:cNvPr>
+          <p:cNvPr id="2" name="כותרת 1"/>
           <p:cNvSpPr>
             <a:spLocks noGrp="1"/>
           </p:cNvSpPr>
@@ -8140,221 +8980,253 @@
           <a:bodyPr/>
           <a:lstStyle/>
           <a:p>
-            <a:r>
-              <a:rPr lang="en-US" dirty="0"/>
-              <a:t>BNF for the WAE language</a:t>
-            </a:r>
-            <a:endParaRPr lang="en-US" dirty="0">
-              <a:solidFill>
-                <a:schemeClr val="tx1"/>
-              </a:solidFill>
-            </a:endParaRPr>
+            <a:pPr algn="r" rtl="1"/>
+            <a:r>
+              <a:rPr lang="he-IL" dirty="0"/>
+              <a:t>כתיבת </a:t>
+            </a:r>
+            <a:r>
+              <a:rPr lang="en-US" dirty="0"/>
+              <a:t>parser</a:t>
+            </a:r>
+            <a:r>
+              <a:rPr lang="he-IL" dirty="0"/>
+              <a:t> – שפת הרגיסטרים (</a:t>
+            </a:r>
+            <a:r>
+              <a:rPr lang="en-US" dirty="0"/>
+              <a:t>ROL</a:t>
+            </a:r>
+            <a:r>
+              <a:rPr lang="he-IL" dirty="0"/>
+              <a:t>)</a:t>
+            </a:r>
           </a:p>
         </p:txBody>
       </p:sp>
       <p:sp>
         <p:nvSpPr>
-          <p:cNvPr id="4" name="TextBox 3">
-            <a:extLst>
-              <a:ext uri="{FF2B5EF4-FFF2-40B4-BE49-F238E27FC236}">
-                <a16:creationId xmlns:a16="http://schemas.microsoft.com/office/drawing/2014/main" id="{92A93179-0230-4A1B-8EBE-B4756CBE00AF}"/>
-              </a:ext>
-            </a:extLst>
-          </p:cNvPr>
-          <p:cNvSpPr txBox="1"/>
-          <p:nvPr/>
-        </p:nvSpPr>
-        <p:spPr>
-          <a:xfrm>
-            <a:off x="1610265" y="1618891"/>
-            <a:ext cx="9618452" cy="3416320"/>
-          </a:xfrm>
-          <a:prstGeom prst="rect">
-            <a:avLst/>
-          </a:prstGeom>
-        </p:spPr>
+          <p:cNvPr id="3" name="מציין מיקום תוכן 2"/>
+          <p:cNvSpPr>
+            <a:spLocks noGrp="1"/>
+          </p:cNvSpPr>
+          <p:nvPr>
+            <p:ph idx="1"/>
+          </p:nvPr>
+        </p:nvSpPr>
+        <p:spPr/>
         <p:txBody>
-          <a:bodyPr rot="0" spcFirstLastPara="0" vertOverflow="overflow" horzOverflow="overflow" vert="horz" wrap="square" lIns="91440" tIns="45720" rIns="91440" bIns="45720" numCol="1" spcCol="0" rtlCol="0" fromWordArt="0" anchor="t" anchorCtr="0" forceAA="0" compatLnSpc="1">
-            <a:prstTxWarp prst="textNoShape">
-              <a:avLst/>
-            </a:prstTxWarp>
-            <a:spAutoFit/>
+          <a:bodyPr>
+            <a:normAutofit fontScale="92500" lnSpcReduction="20000"/>
           </a:bodyPr>
           <a:lstStyle/>
           <a:p>
-            <a:r>
-              <a:rPr lang="en-US" sz="2400" dirty="0">
-                <a:solidFill>
-                  <a:srgbClr val="404040"/>
-                </a:solidFill>
-                <a:latin typeface="Consolas"/>
-              </a:rPr>
-              <a:t>#| </a:t>
+            <a:pPr algn="r" rtl="1"/>
+            <a:r>
+              <a:rPr lang="he-IL" dirty="0"/>
+              <a:t>בתרגיל זה נכתוב דקדוק ו </a:t>
+            </a:r>
+            <a:r>
+              <a:rPr lang="en-US" dirty="0"/>
+              <a:t>parser</a:t>
+            </a:r>
+            <a:r>
+              <a:rPr lang="he-IL" dirty="0"/>
+              <a:t> עבור שפת הרגיסטרים המאפשרת פעולות לוגיות על רגיסטרים (שהם למעשה סדרות של אפסים ואחדות).</a:t>
+            </a:r>
+          </a:p>
+          <a:p>
+            <a:pPr algn="r" rtl="1"/>
+            <a:r>
+              <a:rPr lang="he-IL" dirty="0"/>
+              <a:t>תיאור השפה: כל ביטוי בשפה הוא מהצורה:</a:t>
+            </a:r>
+          </a:p>
+          <a:p>
+            <a:pPr algn="l"/>
+            <a:r>
+              <a:rPr lang="en-US" dirty="0"/>
+              <a:t>{</a:t>
+            </a:r>
+            <a:r>
+              <a:rPr lang="en-US" dirty="0" err="1"/>
+              <a:t>reg-len</a:t>
+            </a:r>
+            <a:r>
+              <a:rPr lang="en-US" dirty="0"/>
+              <a:t>= </a:t>
+            </a:r>
+            <a:r>
+              <a:rPr lang="en-US" dirty="0" err="1"/>
+              <a:t>len</a:t>
+            </a:r>
+            <a:r>
+              <a:rPr lang="en-US" dirty="0"/>
+              <a:t> A}</a:t>
+            </a:r>
+          </a:p>
+          <a:p>
+            <a:pPr algn="r" rtl="1"/>
+            <a:r>
+              <a:rPr lang="he-IL" dirty="0"/>
+              <a:t>כאשר </a:t>
+            </a:r>
+            <a:r>
+              <a:rPr lang="en-US" dirty="0" err="1"/>
+              <a:t>len</a:t>
+            </a:r>
+            <a:r>
+              <a:rPr lang="he-IL" dirty="0"/>
+              <a:t> הוא מספר שלם, </a:t>
+            </a:r>
+            <a:r>
+              <a:rPr lang="en-US" dirty="0"/>
+              <a:t>A</a:t>
+            </a:r>
+            <a:r>
+              <a:rPr lang="he-IL" dirty="0"/>
+              <a:t> הוא ביטוי המתאר סדרת פעולות על רגיסטרים. ביטוי כזה מקיים את הכללים הבאים:</a:t>
+            </a:r>
+          </a:p>
+          <a:p>
+            <a:pPr lvl="1" algn="r" rtl="1">
+              <a:buFont typeface="Arial" pitchFamily="34" charset="0"/>
+              <a:buChar char="•"/>
+            </a:pPr>
+            <a:r>
+              <a:rPr lang="he-IL" dirty="0"/>
+              <a:t>סדרה של אפסים ואחדות – עטופים בסוגריים מסולסלים (המייצגת ערך של רגיסטר) </a:t>
+            </a:r>
+            <a:r>
+              <a:rPr lang="en-US" dirty="0"/>
+              <a:t/>
             </a:r>
             <a:br>
-              <a:rPr lang="en-US" sz="2400" dirty="0">
-                <a:solidFill>
-                  <a:srgbClr val="404040"/>
-                </a:solidFill>
-                <a:latin typeface="Consolas"/>
-              </a:rPr>
+              <a:rPr lang="en-US" dirty="0"/>
             </a:br>
             <a:r>
-              <a:rPr lang="en-US" sz="2400" dirty="0">
-                <a:solidFill>
-                  <a:srgbClr val="404040"/>
-                </a:solidFill>
-                <a:latin typeface="Consolas"/>
-              </a:rPr>
-              <a:t>     &lt;WAE&gt; ::= &lt;</a:t>
-            </a:r>
-            <a:r>
-              <a:rPr lang="en-US" sz="2400" dirty="0" err="1">
-                <a:solidFill>
-                  <a:srgbClr val="404040"/>
-                </a:solidFill>
-                <a:latin typeface="Consolas"/>
-              </a:rPr>
-              <a:t>num</a:t>
-            </a:r>
-            <a:r>
-              <a:rPr lang="en-US" sz="2400" dirty="0">
-                <a:solidFill>
-                  <a:srgbClr val="404040"/>
-                </a:solidFill>
-                <a:latin typeface="Consolas"/>
-              </a:rPr>
-              <a:t>&gt;</a:t>
-            </a:r>
-            <a:br>
-              <a:rPr lang="en-US" sz="2400" dirty="0">
-                <a:solidFill>
-                  <a:srgbClr val="404040"/>
-                </a:solidFill>
-                <a:latin typeface="Consolas"/>
-              </a:rPr>
-            </a:br>
-            <a:r>
-              <a:rPr lang="en-US" sz="2400" dirty="0">
-                <a:solidFill>
-                  <a:srgbClr val="404040"/>
-                </a:solidFill>
-                <a:latin typeface="Consolas"/>
-              </a:rPr>
-              <a:t>             | { + &lt;WAE&gt; &lt;WAE&gt; }</a:t>
-            </a:r>
-            <a:br>
-              <a:rPr lang="en-US" sz="2400" dirty="0">
-                <a:solidFill>
-                  <a:srgbClr val="404040"/>
-                </a:solidFill>
-                <a:latin typeface="Consolas"/>
-              </a:rPr>
-            </a:br>
-            <a:r>
-              <a:rPr lang="en-US" sz="2400" dirty="0">
-                <a:solidFill>
-                  <a:srgbClr val="404040"/>
-                </a:solidFill>
-                <a:latin typeface="Consolas"/>
-              </a:rPr>
-              <a:t>             | { - &lt;WAE&gt; &lt;WAE&gt; }</a:t>
-            </a:r>
-            <a:br>
-              <a:rPr lang="en-US" sz="2400" dirty="0">
-                <a:solidFill>
-                  <a:srgbClr val="404040"/>
-                </a:solidFill>
-                <a:latin typeface="Consolas"/>
-              </a:rPr>
-            </a:br>
-            <a:r>
-              <a:rPr lang="en-US" sz="2400" dirty="0">
-                <a:solidFill>
-                  <a:srgbClr val="404040"/>
-                </a:solidFill>
-                <a:latin typeface="Consolas"/>
-              </a:rPr>
-              <a:t>             | { * &lt;WAE&gt; &lt;WAE&gt; }</a:t>
-            </a:r>
-            <a:br>
-              <a:rPr lang="en-US" sz="2400" dirty="0">
-                <a:solidFill>
-                  <a:srgbClr val="404040"/>
-                </a:solidFill>
-                <a:latin typeface="Consolas"/>
-              </a:rPr>
-            </a:br>
-            <a:r>
-              <a:rPr lang="en-US" sz="2400" dirty="0">
-                <a:solidFill>
-                  <a:srgbClr val="404040"/>
-                </a:solidFill>
-                <a:latin typeface="Consolas"/>
-              </a:rPr>
-              <a:t>             | { / &lt;WAE&gt; &lt;WAE&gt; }</a:t>
-            </a:r>
-            <a:br>
-              <a:rPr lang="en-US" sz="2400" dirty="0">
-                <a:solidFill>
-                  <a:srgbClr val="404040"/>
-                </a:solidFill>
-                <a:latin typeface="Consolas"/>
-              </a:rPr>
-            </a:br>
-            <a:r>
-              <a:rPr lang="en-US" sz="2400" dirty="0">
-                <a:solidFill>
-                  <a:srgbClr val="404040"/>
-                </a:solidFill>
-                <a:latin typeface="Consolas"/>
-              </a:rPr>
-              <a:t>             | { with { &lt;id&gt; &lt;WAE&gt; } &lt;WAE&gt; }</a:t>
-            </a:r>
-            <a:br>
-              <a:rPr lang="en-US" sz="2400" dirty="0">
-                <a:solidFill>
-                  <a:srgbClr val="404040"/>
-                </a:solidFill>
-                <a:latin typeface="Consolas"/>
-              </a:rPr>
-            </a:br>
-            <a:r>
-              <a:rPr lang="en-US" sz="2400" dirty="0">
-                <a:solidFill>
-                  <a:srgbClr val="404040"/>
-                </a:solidFill>
-                <a:latin typeface="Consolas"/>
-              </a:rPr>
-              <a:t>             | &lt;id&gt;</a:t>
-            </a:r>
-            <a:br>
-              <a:rPr lang="en-US" sz="2400" dirty="0">
-                <a:solidFill>
-                  <a:srgbClr val="404040"/>
-                </a:solidFill>
-                <a:latin typeface="Consolas"/>
-              </a:rPr>
-            </a:br>
-            <a:r>
-              <a:rPr lang="en-US" sz="2400" dirty="0">
-                <a:solidFill>
-                  <a:srgbClr val="404040"/>
-                </a:solidFill>
-                <a:latin typeface="Consolas"/>
-              </a:rPr>
-              <a:t>|#</a:t>
-            </a:r>
-            <a:endParaRPr lang="en-US" sz="2400" dirty="0"/>
+              <a:rPr lang="he-IL" dirty="0"/>
+              <a:t>היא חוקית כסדרת פעולות על רגיסטרים.</a:t>
+            </a:r>
+            <a:endParaRPr lang="en-US" dirty="0"/>
+          </a:p>
+          <a:p>
+            <a:pPr lvl="1" algn="r" rtl="1">
+              <a:buFont typeface="Arial" pitchFamily="34" charset="0"/>
+              <a:buChar char="•"/>
+            </a:pPr>
+            <a:r>
+              <a:rPr lang="he-IL" dirty="0"/>
+              <a:t>אם  </a:t>
+            </a:r>
+            <a:r>
+              <a:rPr lang="en-US" dirty="0"/>
+              <a:t>A</a:t>
+            </a:r>
+            <a:r>
+              <a:rPr lang="he-IL" dirty="0"/>
+              <a:t>,</a:t>
+            </a:r>
+            <a:r>
+              <a:rPr lang="en-US" dirty="0"/>
+              <a:t>B</a:t>
+            </a:r>
+            <a:r>
+              <a:rPr lang="he-IL" dirty="0"/>
+              <a:t> סדרות פעולות על רגיסטרים, אז גם הביטוי המתקבל ע"י שימוש באופרטור </a:t>
+            </a:r>
+            <a:r>
+              <a:rPr lang="en-US" dirty="0"/>
+              <a:t>and</a:t>
+            </a:r>
+            <a:r>
+              <a:rPr lang="he-IL" dirty="0"/>
+              <a:t> או אופרטור </a:t>
+            </a:r>
+            <a:r>
+              <a:rPr lang="en-US" dirty="0"/>
+              <a:t>or</a:t>
+            </a:r>
+            <a:r>
+              <a:rPr lang="he-IL" dirty="0"/>
+              <a:t> כאשר </a:t>
+            </a:r>
+            <a:r>
+              <a:rPr lang="en-US" dirty="0"/>
+              <a:t>A</a:t>
+            </a:r>
+            <a:r>
+              <a:rPr lang="he-IL" dirty="0"/>
+              <a:t>,</a:t>
+            </a:r>
+            <a:r>
+              <a:rPr lang="en-US" dirty="0"/>
+              <a:t>B </a:t>
+            </a:r>
+            <a:r>
+              <a:rPr lang="he-IL" dirty="0"/>
+              <a:t> הם האופרנדים, ועטיפת הביטוי כולו בסוגריים מסולסלים – הוא חוקי כסדרת פעולות על רגיסטרים. גם הביטוי המתקבל ע"י שימוש באופרטור </a:t>
+            </a:r>
+            <a:r>
+              <a:rPr lang="en-US" dirty="0" err="1"/>
+              <a:t>shl</a:t>
+            </a:r>
+            <a:r>
+              <a:rPr lang="he-IL" dirty="0"/>
+              <a:t> כאשר </a:t>
+            </a:r>
+            <a:r>
+              <a:rPr lang="en-US" dirty="0"/>
+              <a:t>A</a:t>
+            </a:r>
+            <a:r>
+              <a:rPr lang="he-IL" dirty="0"/>
+              <a:t> הוא האופרנד, ועטיפת הביטוי כולו בסוגריים מסולסלים – הוא חוקי כסדרת פעולות על רגיסטרים.</a:t>
+            </a:r>
+            <a:endParaRPr lang="en-US" dirty="0"/>
+          </a:p>
+          <a:p>
+            <a:pPr lvl="1" algn="r" rtl="1">
+              <a:buFont typeface="Arial" pitchFamily="34" charset="0"/>
+              <a:buChar char="•"/>
+            </a:pPr>
+            <a:r>
+              <a:rPr lang="he-IL" dirty="0"/>
+              <a:t>ביטויי </a:t>
+            </a:r>
+            <a:r>
+              <a:rPr lang="en-US" dirty="0"/>
+              <a:t>with </a:t>
+            </a:r>
+            <a:r>
+              <a:rPr lang="he-IL" dirty="0"/>
+              <a:t> הם חוקיים בדומה מאד למה שעשינו עבור השפה </a:t>
+            </a:r>
+            <a:r>
+              <a:rPr lang="en-US" dirty="0"/>
+              <a:t>WAE</a:t>
+            </a:r>
+            <a:r>
+              <a:rPr lang="he-IL" dirty="0"/>
+              <a:t>(כמובן  שתתי הביטויים שבעזרתם יוצרים ביטוי חדש, הם עתה  סדרת פעולות על רגיסטרים, במקום ביטויים בשפה </a:t>
+            </a:r>
+            <a:r>
+              <a:rPr lang="en-US" dirty="0"/>
+              <a:t>WAE</a:t>
+            </a:r>
+            <a:r>
+              <a:rPr lang="he-IL" dirty="0"/>
+              <a:t>).</a:t>
+            </a:r>
+            <a:endParaRPr lang="en-US" dirty="0"/>
+          </a:p>
+          <a:p>
+            <a:pPr lvl="1" algn="r" rtl="1"/>
+            <a:endParaRPr lang="he-IL" dirty="0"/>
           </a:p>
         </p:txBody>
       </p:sp>
     </p:spTree>
-    <p:extLst>
-      <p:ext uri="{BB962C8B-B14F-4D97-AF65-F5344CB8AC3E}">
-        <p14:creationId xmlns:p14="http://schemas.microsoft.com/office/powerpoint/2010/main" val="3759347213"/>
-      </p:ext>
-    </p:extLst>
   </p:cSld>
   <p:clrMapOvr>
     <a:masterClrMapping/>
@@ -8381,13 +9253,7 @@
       </p:grpSpPr>
       <p:sp>
         <p:nvSpPr>
-          <p:cNvPr id="2" name="Title 1">
-            <a:extLst>
-              <a:ext uri="{FF2B5EF4-FFF2-40B4-BE49-F238E27FC236}">
-                <a16:creationId xmlns:a16="http://schemas.microsoft.com/office/drawing/2014/main" id="{B08F7F93-1B6D-43AC-9627-6F4C8A4EB12E}"/>
-              </a:ext>
-            </a:extLst>
-          </p:cNvPr>
+          <p:cNvPr id="2" name="כותרת 1"/>
           <p:cNvSpPr>
             <a:spLocks noGrp="1"/>
           </p:cNvSpPr>
@@ -8400,138 +9266,177 @@
           <a:bodyPr/>
           <a:lstStyle/>
           <a:p>
-            <a:r>
-              <a:rPr lang="en-US" dirty="0"/>
-              <a:t>WAE abstract syntax trees</a:t>
-            </a:r>
-            <a:endParaRPr lang="en-US" dirty="0">
-              <a:solidFill>
-                <a:schemeClr val="tx1"/>
-              </a:solidFill>
-            </a:endParaRPr>
+            <a:pPr algn="r" rtl="1"/>
+            <a:r>
+              <a:rPr lang="he-IL" dirty="0"/>
+              <a:t>כתיבת </a:t>
+            </a:r>
+            <a:r>
+              <a:rPr lang="en-US" dirty="0"/>
+              <a:t>parser</a:t>
+            </a:r>
+            <a:r>
+              <a:rPr lang="he-IL" dirty="0"/>
+              <a:t> – שפת הרגיסטרים (</a:t>
+            </a:r>
+            <a:r>
+              <a:rPr lang="en-US" dirty="0"/>
+              <a:t>ROL</a:t>
+            </a:r>
+            <a:r>
+              <a:rPr lang="he-IL" dirty="0"/>
+              <a:t>)</a:t>
+            </a:r>
           </a:p>
         </p:txBody>
       </p:sp>
       <p:sp>
         <p:nvSpPr>
-          <p:cNvPr id="4" name="TextBox 3">
-            <a:extLst>
-              <a:ext uri="{FF2B5EF4-FFF2-40B4-BE49-F238E27FC236}">
-                <a16:creationId xmlns:a16="http://schemas.microsoft.com/office/drawing/2014/main" id="{92A93179-0230-4A1B-8EBE-B4756CBE00AF}"/>
-              </a:ext>
-            </a:extLst>
-          </p:cNvPr>
-          <p:cNvSpPr txBox="1"/>
-          <p:nvPr/>
-        </p:nvSpPr>
-        <p:spPr>
-          <a:xfrm>
-            <a:off x="2472907" y="1805798"/>
-            <a:ext cx="10581734" cy="3323987"/>
-          </a:xfrm>
-          <a:prstGeom prst="rect">
-            <a:avLst/>
-          </a:prstGeom>
-        </p:spPr>
+          <p:cNvPr id="3" name="מציין מיקום תוכן 2"/>
+          <p:cNvSpPr>
+            <a:spLocks noGrp="1"/>
+          </p:cNvSpPr>
+          <p:nvPr>
+            <p:ph idx="1"/>
+          </p:nvPr>
+        </p:nvSpPr>
+        <p:spPr/>
         <p:txBody>
-          <a:bodyPr rot="0" spcFirstLastPara="0" vertOverflow="overflow" horzOverflow="overflow" vert="horz" wrap="square" lIns="91440" tIns="45720" rIns="91440" bIns="45720" numCol="1" spcCol="0" rtlCol="0" fromWordArt="0" anchor="t" anchorCtr="0" forceAA="0" compatLnSpc="1">
-            <a:prstTxWarp prst="textNoShape">
-              <a:avLst/>
-            </a:prstTxWarp>
-            <a:spAutoFit/>
-          </a:bodyPr>
+          <a:bodyPr/>
           <a:lstStyle/>
           <a:p>
-            <a:r>
-              <a:rPr lang="en-US" dirty="0">
-                <a:solidFill>
-                  <a:srgbClr val="404040"/>
-                </a:solidFill>
-                <a:latin typeface="Consolas"/>
-              </a:rPr>
-              <a:t>
-</a:t>
-            </a:r>
-            <a:r>
-              <a:rPr lang="en-US" sz="2400" dirty="0">
-                <a:solidFill>
-                  <a:srgbClr val="404040"/>
-                </a:solidFill>
-                <a:latin typeface="Consolas"/>
-              </a:rPr>
-              <a:t>(define-type WAE
-  [</a:t>
-            </a:r>
-            <a:r>
-              <a:rPr lang="en-US" sz="2400" dirty="0" err="1">
-                <a:solidFill>
-                  <a:srgbClr val="404040"/>
-                </a:solidFill>
-                <a:latin typeface="Consolas"/>
-              </a:rPr>
-              <a:t>Num</a:t>
-            </a:r>
-            <a:r>
-              <a:rPr lang="en-US" sz="2400" dirty="0">
-                <a:solidFill>
-                  <a:srgbClr val="404040"/>
-                </a:solidFill>
-                <a:latin typeface="Consolas"/>
-              </a:rPr>
-              <a:t>  Number]
-  [Add  WAE WAE]
-  [Sub  WAE WAE]
-  [</a:t>
-            </a:r>
-            <a:r>
-              <a:rPr lang="en-US" sz="2400" dirty="0" err="1">
-                <a:solidFill>
-                  <a:srgbClr val="404040"/>
-                </a:solidFill>
-                <a:latin typeface="Consolas"/>
-              </a:rPr>
-              <a:t>Mul</a:t>
-            </a:r>
-            <a:r>
-              <a:rPr lang="en-US" sz="2400" dirty="0">
-                <a:solidFill>
-                  <a:srgbClr val="404040"/>
-                </a:solidFill>
-                <a:latin typeface="Consolas"/>
-              </a:rPr>
-              <a:t>  WAE WAE]
-  [</a:t>
-            </a:r>
-            <a:r>
-              <a:rPr lang="en-US" sz="2400" dirty="0" err="1">
-                <a:solidFill>
-                  <a:srgbClr val="404040"/>
-                </a:solidFill>
-                <a:latin typeface="Consolas"/>
-              </a:rPr>
-              <a:t>Div</a:t>
-            </a:r>
-            <a:r>
-              <a:rPr lang="en-US" sz="2400" dirty="0">
-                <a:solidFill>
-                  <a:srgbClr val="404040"/>
-                </a:solidFill>
-                <a:latin typeface="Consolas"/>
-              </a:rPr>
-              <a:t>  WAE WAE]
-  [Id   Symbol]
-  [With Symbol WAE WAE])</a:t>
-            </a:r>
-            <a:endParaRPr lang="en-US" sz="2400" dirty="0"/>
+            <a:pPr algn="r" rtl="1"/>
+            <a:r>
+              <a:rPr lang="he-IL" dirty="0"/>
+              <a:t>הביטויים הבאים הם ביטויים חוקיים בשפה:</a:t>
+            </a:r>
+          </a:p>
+          <a:p>
+            <a:pPr algn="l"/>
+            <a:r>
+              <a:rPr lang="en-US" dirty="0"/>
+              <a:t>{</a:t>
+            </a:r>
+            <a:r>
+              <a:rPr lang="en-US" dirty="0" err="1"/>
+              <a:t>reg-len</a:t>
+            </a:r>
+            <a:r>
+              <a:rPr lang="en-US" dirty="0"/>
+              <a:t>= 4 {1 0 0 0}}</a:t>
+            </a:r>
+          </a:p>
+          <a:p>
+            <a:r>
+              <a:rPr lang="en-US" dirty="0"/>
+              <a:t>{</a:t>
+            </a:r>
+            <a:r>
+              <a:rPr lang="en-US" dirty="0" err="1"/>
+              <a:t>reg-len</a:t>
+            </a:r>
+            <a:r>
+              <a:rPr lang="en-US" dirty="0"/>
+              <a:t>= 4 {</a:t>
+            </a:r>
+            <a:r>
+              <a:rPr lang="en-US" dirty="0" err="1"/>
+              <a:t>shl</a:t>
+            </a:r>
+            <a:r>
+              <a:rPr lang="en-US" dirty="0"/>
+              <a:t> {1 0 0 0}}}</a:t>
+            </a:r>
+          </a:p>
+          <a:p>
+            <a:r>
+              <a:rPr lang="en-US" dirty="0"/>
+              <a:t>{</a:t>
+            </a:r>
+            <a:r>
+              <a:rPr lang="en-US" dirty="0" err="1"/>
+              <a:t>reg-len</a:t>
+            </a:r>
+            <a:r>
+              <a:rPr lang="en-US" dirty="0"/>
+              <a:t>= 4 {and {</a:t>
+            </a:r>
+            <a:r>
+              <a:rPr lang="en-US" dirty="0" err="1"/>
+              <a:t>shl</a:t>
+            </a:r>
+            <a:r>
+              <a:rPr lang="en-US" dirty="0"/>
+              <a:t> {1 0 1 0}} {</a:t>
+            </a:r>
+            <a:r>
+              <a:rPr lang="en-US" dirty="0" err="1"/>
+              <a:t>shl</a:t>
+            </a:r>
+            <a:r>
+              <a:rPr lang="en-US" dirty="0"/>
+              <a:t> {1 0 1 0}}}}</a:t>
+            </a:r>
+          </a:p>
+          <a:p>
+            <a:r>
+              <a:rPr lang="en-US" dirty="0"/>
+              <a:t>{</a:t>
+            </a:r>
+            <a:r>
+              <a:rPr lang="en-US" dirty="0" err="1"/>
+              <a:t>reg-len</a:t>
+            </a:r>
+            <a:r>
+              <a:rPr lang="en-US" dirty="0"/>
+              <a:t>= 4 {or {and {</a:t>
+            </a:r>
+            <a:r>
+              <a:rPr lang="en-US" dirty="0" err="1"/>
+              <a:t>shl</a:t>
+            </a:r>
+            <a:r>
+              <a:rPr lang="en-US" dirty="0"/>
+              <a:t> {1 0 1 0}} {</a:t>
+            </a:r>
+            <a:r>
+              <a:rPr lang="en-US" dirty="0" err="1"/>
+              <a:t>shl</a:t>
+            </a:r>
+            <a:r>
+              <a:rPr lang="en-US" dirty="0"/>
+              <a:t> {1 0 1 0}}} {1 0 1 0}}}</a:t>
+            </a:r>
+          </a:p>
+          <a:p>
+            <a:r>
+              <a:rPr lang="en-US" dirty="0"/>
+              <a:t>{</a:t>
+            </a:r>
+            <a:r>
+              <a:rPr lang="en-US" dirty="0" err="1"/>
+              <a:t>reg-len</a:t>
+            </a:r>
+            <a:r>
+              <a:rPr lang="en-US" dirty="0"/>
+              <a:t>= 2 {with {x {and {1 0} {1 1}}} {or x </a:t>
+            </a:r>
+            <a:r>
+              <a:rPr lang="en-US" dirty="0" err="1"/>
+              <a:t>x</a:t>
+            </a:r>
+            <a:r>
+              <a:rPr lang="en-US" dirty="0"/>
+              <a:t>}}}</a:t>
+            </a:r>
+          </a:p>
+          <a:p>
+            <a:pPr algn="l"/>
+            <a:endParaRPr lang="he-IL" dirty="0"/>
           </a:p>
         </p:txBody>
       </p:sp>
     </p:spTree>
-    <p:extLst>
-      <p:ext uri="{BB962C8B-B14F-4D97-AF65-F5344CB8AC3E}">
-        <p14:creationId xmlns:p14="http://schemas.microsoft.com/office/powerpoint/2010/main" val="3572994262"/>
-      </p:ext>
-    </p:extLst>
   </p:cSld>
   <p:clrMapOvr>
     <a:masterClrMapping/>
@@ -8558,13 +9463,7 @@
       </p:grpSpPr>
       <p:sp>
         <p:nvSpPr>
-          <p:cNvPr id="2" name="Title 1">
-            <a:extLst>
-              <a:ext uri="{FF2B5EF4-FFF2-40B4-BE49-F238E27FC236}">
-                <a16:creationId xmlns:a16="http://schemas.microsoft.com/office/drawing/2014/main" id="{5E923E3C-6E53-4940-909C-DB13AD69FB1D}"/>
-              </a:ext>
-            </a:extLst>
-          </p:cNvPr>
+          <p:cNvPr id="2" name="כותרת 1"/>
           <p:cNvSpPr>
             <a:spLocks noGrp="1"/>
           </p:cNvSpPr>
@@ -8577,22 +9476,33 @@
           <a:bodyPr/>
           <a:lstStyle/>
           <a:p>
-            <a:r>
-              <a:rPr lang="en-US" dirty="0"/>
-              <a:t> Evaluation rules:</a:t>
+            <a:pPr algn="r" rtl="1"/>
+            <a:r>
+              <a:rPr lang="he-IL" dirty="0"/>
+              <a:t>כתיבת </a:t>
+            </a:r>
+            <a:r>
+              <a:rPr lang="en-US" dirty="0"/>
+              <a:t>parser</a:t>
+            </a:r>
+            <a:r>
+              <a:rPr lang="he-IL" dirty="0"/>
+              <a:t> – שפת הרגיסטרים (</a:t>
+            </a:r>
+            <a:r>
+              <a:rPr lang="en-US" dirty="0"/>
+              <a:t>ROL</a:t>
+            </a:r>
+            <a:r>
+              <a:rPr lang="he-IL" dirty="0"/>
+              <a:t>)</a:t>
             </a:r>
           </a:p>
         </p:txBody>
       </p:sp>
       <p:sp>
         <p:nvSpPr>
-          <p:cNvPr id="3" name="Content Placeholder 2">
-            <a:extLst>
-              <a:ext uri="{FF2B5EF4-FFF2-40B4-BE49-F238E27FC236}">
-                <a16:creationId xmlns:a16="http://schemas.microsoft.com/office/drawing/2014/main" id="{F64C1D61-E267-48DA-A675-43FFE3468750}"/>
-              </a:ext>
-            </a:extLst>
-          </p:cNvPr>
+          <p:cNvPr id="3" name="מציין מיקום תוכן 2"/>
           <p:cNvSpPr>
             <a:spLocks noGrp="1"/>
           </p:cNvSpPr>
@@ -8600,59 +9510,118 @@
             <p:ph idx="1"/>
           </p:nvPr>
         </p:nvSpPr>
-        <p:spPr>
-          <a:xfrm>
-            <a:off x="1812835" y="1270959"/>
-            <a:ext cx="9691777" cy="4640263"/>
-          </a:xfrm>
-        </p:spPr>
+        <p:spPr/>
         <p:txBody>
-          <a:bodyPr vert="horz" lIns="91440" tIns="45720" rIns="91440" bIns="45720" rtlCol="0" anchor="t">
-            <a:normAutofit fontScale="77500" lnSpcReduction="20000"/>
-          </a:bodyPr>
+          <a:bodyPr/>
           <a:lstStyle/>
           <a:p>
-            <a:pPr>
-              <a:buNone/>
-            </a:pPr>
-            <a:r>
-              <a:rPr lang="en-US" dirty="0">
-                <a:latin typeface="Consolas"/>
-              </a:rPr>
-              <a:t>#| </a:t>
-            </a:r>
-            <a:r>
-              <a:rPr lang="en-US" sz="2400" dirty="0">
-                <a:latin typeface="Consolas"/>
-              </a:rPr>
-              <a:t>Formal specs for `subst':
-   (`N' is a &lt;num&gt;, `E1', `E2' are &lt;WAE&gt;s, `x' is some &lt;id&gt;,
-   `y' is a *different* &lt;id&gt;)
-      N[v/x]                = N
-      {+ E1 E2}[v/x]        = {+ E1[v/x] E2[v/x]}
-      {- E1 E2}[v/x]        = {- E1[v/x] E2[v/x]}
-      {* E1 E2}[v/x]        = {* E1[v/x] E2[v/x]}
-      {/ E1 E2}[v/x]        = {/ E1[v/x] E2[v/x]}
-      y[v/x]                = y
-      x[v/x]                = v
-      {with {y E1} E2}[v/x] = {with {y E1[v/x]} E2[v/x]}
-      {with {x E1} E2}[v/x] = {with {x E1[v/x]} E2}
-|#</a:t>
-            </a:r>
-            <a:endParaRPr lang="en-US" sz="2400" dirty="0">
-              <a:solidFill>
-                <a:schemeClr val="tx1"/>
-              </a:solidFill>
-            </a:endParaRPr>
+            <a:pPr algn="r" rtl="1"/>
+            <a:r>
+              <a:rPr lang="he-IL" dirty="0"/>
+              <a:t>כתבו </a:t>
+            </a:r>
+            <a:r>
+              <a:rPr lang="en-US" dirty="0"/>
+              <a:t>BNF</a:t>
+            </a:r>
+            <a:r>
+              <a:rPr lang="he-IL" dirty="0"/>
+              <a:t> עבור השפה </a:t>
+            </a:r>
+            <a:r>
+              <a:rPr lang="en-US" dirty="0"/>
+              <a:t>ROL</a:t>
+            </a:r>
+            <a:r>
+              <a:rPr lang="he-IL" dirty="0"/>
+              <a:t>. השתמשו ב </a:t>
+            </a:r>
+            <a:r>
+              <a:rPr lang="en-US" dirty="0"/>
+              <a:t>&lt;num&gt;</a:t>
+            </a:r>
+            <a:r>
+              <a:rPr lang="he-IL" dirty="0"/>
+              <a:t> עבור כל המספרים בדומה לדקדוק של </a:t>
+            </a:r>
+            <a:r>
+              <a:rPr lang="en-US" dirty="0"/>
+              <a:t>WAE</a:t>
+            </a:r>
+            <a:r>
+              <a:rPr lang="he-IL" dirty="0"/>
+              <a:t>.</a:t>
+            </a:r>
+          </a:p>
+          <a:p>
+            <a:pPr algn="r" rtl="1"/>
+            <a:r>
+              <a:rPr lang="he-IL" dirty="0"/>
+              <a:t>כתבו את הטיפוס </a:t>
+            </a:r>
+            <a:r>
+              <a:rPr lang="en-US" dirty="0"/>
+              <a:t>ROL</a:t>
+            </a:r>
+            <a:r>
+              <a:rPr lang="he-IL" dirty="0"/>
+              <a:t> המתאים לשפה שהגדרנו.</a:t>
+            </a:r>
+          </a:p>
+          <a:p>
+            <a:pPr algn="r" rtl="1"/>
+            <a:r>
+              <a:rPr lang="he-IL" dirty="0"/>
+              <a:t>כתבו את ה </a:t>
+            </a:r>
+            <a:r>
+              <a:rPr lang="en-US" dirty="0"/>
+              <a:t>parser</a:t>
+            </a:r>
+            <a:r>
+              <a:rPr lang="he-IL" dirty="0"/>
+              <a:t> עבור השפה, כלומר ממשו את </a:t>
+            </a:r>
+            <a:r>
+              <a:rPr lang="en-US" dirty="0"/>
+              <a:t>parse-</a:t>
+            </a:r>
+            <a:r>
+              <a:rPr lang="en-US" dirty="0" err="1"/>
+              <a:t>sexpr</a:t>
+            </a:r>
+            <a:r>
+              <a:rPr lang="he-IL" dirty="0"/>
+              <a:t> המקבלת </a:t>
+            </a:r>
+            <a:r>
+              <a:rPr lang="en-US" dirty="0" err="1"/>
+              <a:t>Sexpr</a:t>
+            </a:r>
+            <a:r>
+              <a:rPr lang="he-IL" dirty="0"/>
+              <a:t> ומחזירה </a:t>
+            </a:r>
+            <a:r>
+              <a:rPr lang="en-US" dirty="0"/>
+              <a:t>ROL</a:t>
+            </a:r>
+            <a:r>
+              <a:rPr lang="he-IL" dirty="0"/>
+              <a:t>.</a:t>
+            </a:r>
+          </a:p>
+          <a:p>
+            <a:pPr algn="r" rtl="1"/>
+            <a:endParaRPr lang="he-IL" dirty="0"/>
+          </a:p>
+          <a:p>
+            <a:pPr algn="r" rtl="1"/>
+            <a:endParaRPr lang="he-IL" dirty="0"/>
           </a:p>
         </p:txBody>
       </p:sp>
     </p:spTree>
-    <p:extLst>
-      <p:ext uri="{BB962C8B-B14F-4D97-AF65-F5344CB8AC3E}">
-        <p14:creationId xmlns:p14="http://schemas.microsoft.com/office/powerpoint/2010/main" val="2153024258"/>
-      </p:ext>
-    </p:extLst>
   </p:cSld>
   <p:clrMapOvr>
     <a:masterClrMapping/>
@@ -8682,7 +9651,7 @@
           <p:cNvPr id="2" name="Title 1">
             <a:extLst>
               <a:ext uri="{FF2B5EF4-FFF2-40B4-BE49-F238E27FC236}">
-                <a16:creationId xmlns:a16="http://schemas.microsoft.com/office/drawing/2014/main" id="{C45211C2-ABCA-4201-8AE8-3A439C99B6F4}"/>
+                <a16:creationId xmlns:a16="http://schemas.microsoft.com/office/drawing/2014/main" xmlns="" id="{48027A7F-5083-4983-BD6A-018A9C678849}"/>
               </a:ext>
             </a:extLst>
           </p:cNvPr>
@@ -8699,9 +9668,12 @@
           <a:lstStyle/>
           <a:p>
             <a:r>
-              <a:rPr lang="en-US" dirty="0" err="1"/>
-              <a:t>subst</a:t>
-            </a:r>
+              <a:rPr lang="en-US" dirty="0"/>
+              <a:t>BNF</a:t>
+            </a:r>
+            <a:br>
+              <a:rPr lang="en-US" dirty="0"/>
+            </a:br>
             <a:endParaRPr lang="en-US" dirty="0"/>
           </a:p>
         </p:txBody>
@@ -8711,7 +9683,7 @@
           <p:cNvPr id="3" name="Content Placeholder 2">
             <a:extLst>
               <a:ext uri="{FF2B5EF4-FFF2-40B4-BE49-F238E27FC236}">
-                <a16:creationId xmlns:a16="http://schemas.microsoft.com/office/drawing/2014/main" id="{71D9C414-8CD3-4742-A6F2-69831277E535}"/>
+                <a16:creationId xmlns:a16="http://schemas.microsoft.com/office/drawing/2014/main" xmlns="" id="{F56B0D23-099F-4C7F-9DF4-61240550A55B}"/>
               </a:ext>
             </a:extLst>
           </p:cNvPr>
@@ -8722,235 +9694,783 @@
             <p:ph idx="1"/>
           </p:nvPr>
         </p:nvSpPr>
-        <p:spPr>
-          <a:xfrm>
-            <a:off x="1295250" y="2018582"/>
-            <a:ext cx="9849928" cy="4237697"/>
-          </a:xfrm>
-        </p:spPr>
+        <p:spPr/>
         <p:txBody>
-          <a:bodyPr vert="horz" lIns="91440" tIns="45720" rIns="91440" bIns="45720" rtlCol="0" anchor="t">
-            <a:noAutofit/>
+          <a:bodyPr>
+            <a:normAutofit fontScale="92500" lnSpcReduction="20000"/>
           </a:bodyPr>
           <a:lstStyle/>
           <a:p>
+            <a:r>
+              <a:rPr lang="en-US" dirty="0"/>
+              <a:t>&lt;ROL&gt; ::= {</a:t>
+            </a:r>
+            <a:r>
+              <a:rPr lang="en-US" dirty="0" err="1"/>
+              <a:t>reg-len</a:t>
+            </a:r>
+            <a:r>
+              <a:rPr lang="en-US" dirty="0"/>
+              <a:t> = &lt;</a:t>
+            </a:r>
+            <a:r>
+              <a:rPr lang="en-US" dirty="0" err="1"/>
+              <a:t>num</a:t>
+            </a:r>
+            <a:r>
+              <a:rPr lang="en-US" dirty="0"/>
+              <a:t>&gt; &lt;</a:t>
+            </a:r>
+            <a:r>
+              <a:rPr lang="en-US" dirty="0" err="1"/>
+              <a:t>RegE</a:t>
+            </a:r>
+            <a:r>
+              <a:rPr lang="en-US" dirty="0"/>
+              <a:t>&gt; }</a:t>
+            </a:r>
+          </a:p>
+          <a:p>
+            <a:r>
+              <a:rPr lang="en-US" dirty="0"/>
+              <a:t>&lt;</a:t>
+            </a:r>
+            <a:r>
+              <a:rPr lang="en-US" dirty="0" err="1"/>
+              <a:t>RegE</a:t>
+            </a:r>
+            <a:r>
+              <a:rPr lang="en-US" dirty="0"/>
+              <a:t>&gt; ::=&lt;Bits&gt;       </a:t>
+            </a:r>
+          </a:p>
+          <a:p>
             <a:pPr marL="0" indent="0">
               <a:buNone/>
             </a:pPr>
             <a:r>
-              <a:rPr lang="en-US" sz="2000" dirty="0"/>
-              <a:t> </a:t>
-            </a:r>
-            <a:r>
-              <a:rPr lang="en-US" sz="2000" dirty="0">
-                <a:latin typeface="Consolas"/>
-              </a:rPr>
-              <a:t>(: </a:t>
-            </a:r>
-            <a:r>
-              <a:rPr lang="en-US" sz="2000" dirty="0" err="1">
-                <a:latin typeface="Consolas"/>
-              </a:rPr>
-              <a:t>subst</a:t>
-            </a:r>
-            <a:r>
-              <a:rPr lang="en-US" sz="2000" dirty="0">
-                <a:latin typeface="Consolas"/>
-              </a:rPr>
-              <a:t> : WAE Symbol WAE -&gt; WAE)
-(define (</a:t>
-            </a:r>
-            <a:r>
-              <a:rPr lang="en-US" sz="2000" dirty="0" err="1">
-                <a:latin typeface="Consolas"/>
-              </a:rPr>
-              <a:t>subst</a:t>
-            </a:r>
-            <a:r>
-              <a:rPr lang="en-US" sz="2000" dirty="0">
-                <a:latin typeface="Consolas"/>
-              </a:rPr>
-              <a:t> expr from to)
-  (cases expr
-    [(</a:t>
-            </a:r>
-            <a:r>
-              <a:rPr lang="en-US" sz="2000" dirty="0" err="1">
-                <a:latin typeface="Consolas"/>
-              </a:rPr>
-              <a:t>Num</a:t>
-            </a:r>
-            <a:r>
-              <a:rPr lang="en-US" sz="2000" dirty="0">
-                <a:latin typeface="Consolas"/>
-              </a:rPr>
-              <a:t> n) expr]
-    [(Add l r) (Add (</a:t>
-            </a:r>
-            <a:r>
-              <a:rPr lang="en-US" sz="2000" dirty="0" err="1">
-                <a:latin typeface="Consolas"/>
-              </a:rPr>
-              <a:t>subst</a:t>
-            </a:r>
-            <a:r>
-              <a:rPr lang="en-US" sz="2000" dirty="0">
-                <a:latin typeface="Consolas"/>
-              </a:rPr>
-              <a:t> l from to) (</a:t>
-            </a:r>
-            <a:r>
-              <a:rPr lang="en-US" sz="2000" dirty="0" err="1">
-                <a:latin typeface="Consolas"/>
-              </a:rPr>
-              <a:t>subst</a:t>
-            </a:r>
-            <a:r>
-              <a:rPr lang="en-US" sz="2000" dirty="0">
-                <a:latin typeface="Consolas"/>
-              </a:rPr>
-              <a:t> r from to))]
-    [(Sub l r) (Sub (</a:t>
-            </a:r>
-            <a:r>
-              <a:rPr lang="en-US" sz="2000" dirty="0" err="1">
-                <a:latin typeface="Consolas"/>
-              </a:rPr>
-              <a:t>subst</a:t>
-            </a:r>
-            <a:r>
-              <a:rPr lang="en-US" sz="2000" dirty="0">
-                <a:latin typeface="Consolas"/>
-              </a:rPr>
-              <a:t> l from to) (</a:t>
-            </a:r>
-            <a:r>
-              <a:rPr lang="en-US" sz="2000" dirty="0" err="1">
-                <a:latin typeface="Consolas"/>
-              </a:rPr>
-              <a:t>subst</a:t>
-            </a:r>
-            <a:r>
-              <a:rPr lang="en-US" sz="2000" dirty="0">
-                <a:latin typeface="Consolas"/>
-              </a:rPr>
-              <a:t> r from to))]
-    [(</a:t>
-            </a:r>
-            <a:r>
-              <a:rPr lang="en-US" sz="2000" dirty="0" err="1">
-                <a:latin typeface="Consolas"/>
-              </a:rPr>
-              <a:t>Mul</a:t>
-            </a:r>
-            <a:r>
-              <a:rPr lang="en-US" sz="2000" dirty="0">
-                <a:latin typeface="Consolas"/>
-              </a:rPr>
-              <a:t> l r) (</a:t>
-            </a:r>
-            <a:r>
-              <a:rPr lang="en-US" sz="2000" dirty="0" err="1">
-                <a:latin typeface="Consolas"/>
-              </a:rPr>
-              <a:t>Mul</a:t>
-            </a:r>
-            <a:r>
-              <a:rPr lang="en-US" sz="2000" dirty="0">
-                <a:latin typeface="Consolas"/>
-              </a:rPr>
-              <a:t> (</a:t>
-            </a:r>
-            <a:r>
-              <a:rPr lang="en-US" sz="2000" dirty="0" err="1">
-                <a:latin typeface="Consolas"/>
-              </a:rPr>
-              <a:t>subst</a:t>
-            </a:r>
-            <a:r>
-              <a:rPr lang="en-US" sz="2000" dirty="0">
-                <a:latin typeface="Consolas"/>
-              </a:rPr>
-              <a:t> l from to) (</a:t>
-            </a:r>
-            <a:r>
-              <a:rPr lang="en-US" sz="2000" dirty="0" err="1">
-                <a:latin typeface="Consolas"/>
-              </a:rPr>
-              <a:t>subst</a:t>
-            </a:r>
-            <a:r>
-              <a:rPr lang="en-US" sz="2000" dirty="0">
-                <a:latin typeface="Consolas"/>
-              </a:rPr>
-              <a:t> r from to))]
-    [(</a:t>
-            </a:r>
-            <a:r>
-              <a:rPr lang="en-US" sz="2000" dirty="0" err="1">
-                <a:latin typeface="Consolas"/>
-              </a:rPr>
-              <a:t>Div</a:t>
-            </a:r>
-            <a:r>
-              <a:rPr lang="en-US" sz="2000" dirty="0">
-                <a:latin typeface="Consolas"/>
-              </a:rPr>
-              <a:t> l r) (</a:t>
-            </a:r>
-            <a:r>
-              <a:rPr lang="en-US" sz="2000" dirty="0" err="1">
-                <a:latin typeface="Consolas"/>
-              </a:rPr>
-              <a:t>Div</a:t>
-            </a:r>
-            <a:r>
-              <a:rPr lang="en-US" sz="2000" dirty="0">
-                <a:latin typeface="Consolas"/>
-              </a:rPr>
-              <a:t> (</a:t>
-            </a:r>
-            <a:r>
-              <a:rPr lang="en-US" sz="2000" dirty="0" err="1">
-                <a:latin typeface="Consolas"/>
-              </a:rPr>
-              <a:t>subst</a:t>
-            </a:r>
-            <a:r>
-              <a:rPr lang="en-US" sz="2000" dirty="0">
-                <a:latin typeface="Consolas"/>
-              </a:rPr>
-              <a:t> l from to) (</a:t>
-            </a:r>
-            <a:r>
-              <a:rPr lang="en-US" sz="2000" dirty="0" err="1">
-                <a:latin typeface="Consolas"/>
-              </a:rPr>
-              <a:t>subst</a:t>
-            </a:r>
-            <a:r>
-              <a:rPr lang="en-US" sz="2000" dirty="0">
-                <a:latin typeface="Consolas"/>
-              </a:rPr>
-              <a:t> r from to))]
-    </a:t>
-            </a:r>
-            <a:endParaRPr lang="en-US" sz="2000">
-              <a:latin typeface="Consolas"/>
-            </a:endParaRPr>
+              <a:rPr lang="en-US" dirty="0"/>
+              <a:t>	   |{and &lt;</a:t>
+            </a:r>
+            <a:r>
+              <a:rPr lang="en-US" dirty="0" err="1"/>
+              <a:t>RegE</a:t>
+            </a:r>
+            <a:r>
+              <a:rPr lang="en-US" dirty="0"/>
+              <a:t>&gt; &lt;</a:t>
+            </a:r>
+            <a:r>
+              <a:rPr lang="en-US" dirty="0" err="1"/>
+              <a:t>RegE</a:t>
+            </a:r>
+            <a:r>
+              <a:rPr lang="en-US" dirty="0"/>
+              <a:t>&gt;}        </a:t>
+            </a:r>
+          </a:p>
+          <a:p>
+            <a:pPr marL="0" indent="0">
+              <a:buNone/>
+            </a:pPr>
+            <a:r>
+              <a:rPr lang="en-US" dirty="0"/>
+              <a:t>	  |{or &lt;</a:t>
+            </a:r>
+            <a:r>
+              <a:rPr lang="en-US" dirty="0" err="1"/>
+              <a:t>RegE</a:t>
+            </a:r>
+            <a:r>
+              <a:rPr lang="en-US" dirty="0"/>
+              <a:t>&gt; &lt;</a:t>
+            </a:r>
+            <a:r>
+              <a:rPr lang="en-US" dirty="0" err="1"/>
+              <a:t>RegE</a:t>
+            </a:r>
+            <a:r>
+              <a:rPr lang="en-US" dirty="0"/>
+              <a:t>&gt;}        </a:t>
+            </a:r>
+          </a:p>
+          <a:p>
+            <a:pPr marL="0" indent="0">
+              <a:buNone/>
+            </a:pPr>
+            <a:r>
+              <a:rPr lang="en-US" dirty="0"/>
+              <a:t>	  |{</a:t>
+            </a:r>
+            <a:r>
+              <a:rPr lang="en-US" dirty="0" err="1"/>
+              <a:t>shl</a:t>
+            </a:r>
+            <a:r>
+              <a:rPr lang="en-US" dirty="0"/>
+              <a:t> &lt;</a:t>
+            </a:r>
+            <a:r>
+              <a:rPr lang="en-US" dirty="0" err="1"/>
+              <a:t>RegE</a:t>
+            </a:r>
+            <a:r>
+              <a:rPr lang="en-US" dirty="0"/>
+              <a:t>&gt;}        </a:t>
+            </a:r>
+          </a:p>
+          <a:p>
+            <a:pPr marL="0" indent="0">
+              <a:buNone/>
+            </a:pPr>
+            <a:r>
+              <a:rPr lang="en-US" dirty="0"/>
+              <a:t>	  |{with {&lt;ID&gt; &lt;</a:t>
+            </a:r>
+            <a:r>
+              <a:rPr lang="en-US" dirty="0" err="1"/>
+              <a:t>RegE</a:t>
+            </a:r>
+            <a:r>
+              <a:rPr lang="en-US" dirty="0"/>
+              <a:t>&gt;} &lt;</a:t>
+            </a:r>
+            <a:r>
+              <a:rPr lang="en-US" dirty="0" err="1"/>
+              <a:t>RegE</a:t>
+            </a:r>
+            <a:r>
+              <a:rPr lang="en-US" dirty="0"/>
+              <a:t>&gt; }          </a:t>
+            </a:r>
+          </a:p>
+          <a:p>
+            <a:pPr marL="0" indent="0">
+              <a:buNone/>
+            </a:pPr>
+            <a:r>
+              <a:rPr lang="en-US" dirty="0"/>
+              <a:t>	  |{&lt;ID&gt;}          </a:t>
+            </a:r>
+          </a:p>
+          <a:p>
+            <a:pPr marL="0" indent="0">
+              <a:buNone/>
+            </a:pPr>
+            <a:r>
+              <a:rPr lang="en-US" dirty="0"/>
+              <a:t>Bits&gt; ::= &lt;bit&gt;         </a:t>
+            </a:r>
+          </a:p>
+          <a:p>
+            <a:pPr marL="0" indent="0">
+              <a:buNone/>
+            </a:pPr>
+            <a:r>
+              <a:rPr lang="en-US" dirty="0"/>
+              <a:t>	       |&lt;bit&gt; &lt;Bits&gt;</a:t>
+            </a:r>
+          </a:p>
+          <a:p>
+            <a:pPr marL="0" indent="0">
+              <a:buNone/>
+            </a:pPr>
+            <a:r>
+              <a:rPr lang="en-US" dirty="0"/>
+              <a:t>&lt;bit&gt;::= 1</a:t>
+            </a:r>
+          </a:p>
+          <a:p>
+            <a:pPr marL="0" indent="0">
+              <a:buNone/>
+            </a:pPr>
+            <a:r>
+              <a:rPr lang="en-US"/>
+              <a:t>	   |   0</a:t>
+            </a:r>
+            <a:endParaRPr lang="en-US" dirty="0"/>
           </a:p>
         </p:txBody>
       </p:sp>
     </p:spTree>
     <p:extLst>
       <p:ext uri="{BB962C8B-B14F-4D97-AF65-F5344CB8AC3E}">
-        <p14:creationId xmlns:p14="http://schemas.microsoft.com/office/powerpoint/2010/main" val="689503969"/>
+        <p14:creationId xmlns:p14="http://schemas.microsoft.com/office/powerpoint/2010/main" val="928663060"/>
       </p:ext>
     </p:extLst>
   </p:cSld>
   <p:clrMapOvr>
     <a:masterClrMapping/>
   </p:clrMapOvr>
+  <p:timing>
+    <p:tnLst>
+      <p:par>
+        <p:cTn id="1" dur="indefinite" restart="never" nodeType="tmRoot">
+          <p:childTnLst>
+            <p:seq concurrent="1" nextAc="seek">
+              <p:cTn id="2" dur="indefinite" nodeType="mainSeq">
+                <p:childTnLst>
+                  <p:par>
+                    <p:cTn id="3" fill="hold">
+                      <p:stCondLst>
+                        <p:cond delay="indefinite"/>
+                      </p:stCondLst>
+                      <p:childTnLst>
+                        <p:par>
+                          <p:cTn id="4" fill="hold">
+                            <p:stCondLst>
+                              <p:cond delay="0"/>
+                            </p:stCondLst>
+                            <p:childTnLst>
+                              <p:par>
+                                <p:cTn id="5" presetID="1" presetClass="entr" presetSubtype="0" fill="hold" nodeType="clickEffect">
+                                  <p:stCondLst>
+                                    <p:cond delay="0"/>
+                                  </p:stCondLst>
+                                  <p:childTnLst>
+                                    <p:set>
+                                      <p:cBhvr>
+                                        <p:cTn id="6" dur="1" fill="hold">
+                                          <p:stCondLst>
+                                            <p:cond delay="0"/>
+                                          </p:stCondLst>
+                                        </p:cTn>
+                                        <p:tgtEl>
+                                          <p:spTgt spid="3">
+                                            <p:txEl>
+                                              <p:pRg st="7" end="7"/>
+                                            </p:txEl>
+                                          </p:spTgt>
+                                        </p:tgtEl>
+                                        <p:attrNameLst>
+                                          <p:attrName>style.visibility</p:attrName>
+                                        </p:attrNameLst>
+                                      </p:cBhvr>
+                                      <p:to>
+                                        <p:strVal val="visible"/>
+                                      </p:to>
+                                    </p:set>
+                                  </p:childTnLst>
+                                </p:cTn>
+                              </p:par>
+                            </p:childTnLst>
+                          </p:cTn>
+                        </p:par>
+                      </p:childTnLst>
+                    </p:cTn>
+                  </p:par>
+                  <p:par>
+                    <p:cTn id="7" fill="hold">
+                      <p:stCondLst>
+                        <p:cond delay="indefinite"/>
+                      </p:stCondLst>
+                      <p:childTnLst>
+                        <p:par>
+                          <p:cTn id="8" fill="hold">
+                            <p:stCondLst>
+                              <p:cond delay="0"/>
+                            </p:stCondLst>
+                            <p:childTnLst>
+                              <p:par>
+                                <p:cTn id="9" presetID="1" presetClass="entr" presetSubtype="0" fill="hold" nodeType="clickEffect">
+                                  <p:stCondLst>
+                                    <p:cond delay="0"/>
+                                  </p:stCondLst>
+                                  <p:childTnLst>
+                                    <p:set>
+                                      <p:cBhvr>
+                                        <p:cTn id="10" dur="1" fill="hold">
+                                          <p:stCondLst>
+                                            <p:cond delay="0"/>
+                                          </p:stCondLst>
+                                        </p:cTn>
+                                        <p:tgtEl>
+                                          <p:spTgt spid="3">
+                                            <p:txEl>
+                                              <p:pRg st="8" end="8"/>
+                                            </p:txEl>
+                                          </p:spTgt>
+                                        </p:tgtEl>
+                                        <p:attrNameLst>
+                                          <p:attrName>style.visibility</p:attrName>
+                                        </p:attrNameLst>
+                                      </p:cBhvr>
+                                      <p:to>
+                                        <p:strVal val="visible"/>
+                                      </p:to>
+                                    </p:set>
+                                  </p:childTnLst>
+                                </p:cTn>
+                              </p:par>
+                            </p:childTnLst>
+                          </p:cTn>
+                        </p:par>
+                      </p:childTnLst>
+                    </p:cTn>
+                  </p:par>
+                  <p:par>
+                    <p:cTn id="11" fill="hold">
+                      <p:stCondLst>
+                        <p:cond delay="indefinite"/>
+                      </p:stCondLst>
+                      <p:childTnLst>
+                        <p:par>
+                          <p:cTn id="12" fill="hold">
+                            <p:stCondLst>
+                              <p:cond delay="0"/>
+                            </p:stCondLst>
+                            <p:childTnLst>
+                              <p:par>
+                                <p:cTn id="13" presetID="1" presetClass="entr" presetSubtype="0" fill="hold" nodeType="clickEffect">
+                                  <p:stCondLst>
+                                    <p:cond delay="0"/>
+                                  </p:stCondLst>
+                                  <p:childTnLst>
+                                    <p:set>
+                                      <p:cBhvr>
+                                        <p:cTn id="14" dur="1" fill="hold">
+                                          <p:stCondLst>
+                                            <p:cond delay="0"/>
+                                          </p:stCondLst>
+                                        </p:cTn>
+                                        <p:tgtEl>
+                                          <p:spTgt spid="3">
+                                            <p:txEl>
+                                              <p:pRg st="9" end="9"/>
+                                            </p:txEl>
+                                          </p:spTgt>
+                                        </p:tgtEl>
+                                        <p:attrNameLst>
+                                          <p:attrName>style.visibility</p:attrName>
+                                        </p:attrNameLst>
+                                      </p:cBhvr>
+                                      <p:to>
+                                        <p:strVal val="visible"/>
+                                      </p:to>
+                                    </p:set>
+                                  </p:childTnLst>
+                                </p:cTn>
+                              </p:par>
+                            </p:childTnLst>
+                          </p:cTn>
+                        </p:par>
+                      </p:childTnLst>
+                    </p:cTn>
+                  </p:par>
+                  <p:par>
+                    <p:cTn id="15" fill="hold">
+                      <p:stCondLst>
+                        <p:cond delay="indefinite"/>
+                      </p:stCondLst>
+                      <p:childTnLst>
+                        <p:par>
+                          <p:cTn id="16" fill="hold">
+                            <p:stCondLst>
+                              <p:cond delay="0"/>
+                            </p:stCondLst>
+                            <p:childTnLst>
+                              <p:par>
+                                <p:cTn id="17" presetID="1" presetClass="entr" presetSubtype="0" fill="hold" nodeType="clickEffect">
+                                  <p:stCondLst>
+                                    <p:cond delay="0"/>
+                                  </p:stCondLst>
+                                  <p:childTnLst>
+                                    <p:set>
+                                      <p:cBhvr>
+                                        <p:cTn id="18" dur="1" fill="hold">
+                                          <p:stCondLst>
+                                            <p:cond delay="0"/>
+                                          </p:stCondLst>
+                                        </p:cTn>
+                                        <p:tgtEl>
+                                          <p:spTgt spid="3">
+                                            <p:txEl>
+                                              <p:pRg st="10" end="10"/>
+                                            </p:txEl>
+                                          </p:spTgt>
+                                        </p:tgtEl>
+                                        <p:attrNameLst>
+                                          <p:attrName>style.visibility</p:attrName>
+                                        </p:attrNameLst>
+                                      </p:cBhvr>
+                                      <p:to>
+                                        <p:strVal val="visible"/>
+                                      </p:to>
+                                    </p:set>
+                                  </p:childTnLst>
+                                </p:cTn>
+                              </p:par>
+                            </p:childTnLst>
+                          </p:cTn>
+                        </p:par>
+                      </p:childTnLst>
+                    </p:cTn>
+                  </p:par>
+                  <p:par>
+                    <p:cTn id="19" fill="hold">
+                      <p:stCondLst>
+                        <p:cond delay="indefinite"/>
+                      </p:stCondLst>
+                      <p:childTnLst>
+                        <p:par>
+                          <p:cTn id="20" fill="hold">
+                            <p:stCondLst>
+                              <p:cond delay="0"/>
+                            </p:stCondLst>
+                            <p:childTnLst>
+                              <p:par>
+                                <p:cTn id="21" presetID="1" presetClass="entr" presetSubtype="0" fill="hold" nodeType="clickEffect">
+                                  <p:stCondLst>
+                                    <p:cond delay="0"/>
+                                  </p:stCondLst>
+                                  <p:childTnLst>
+                                    <p:set>
+                                      <p:cBhvr>
+                                        <p:cTn id="22" dur="1" fill="hold">
+                                          <p:stCondLst>
+                                            <p:cond delay="0"/>
+                                          </p:stCondLst>
+                                        </p:cTn>
+                                        <p:tgtEl>
+                                          <p:spTgt spid="3">
+                                            <p:txEl>
+                                              <p:pRg st="1" end="1"/>
+                                            </p:txEl>
+                                          </p:spTgt>
+                                        </p:tgtEl>
+                                        <p:attrNameLst>
+                                          <p:attrName>style.visibility</p:attrName>
+                                        </p:attrNameLst>
+                                      </p:cBhvr>
+                                      <p:to>
+                                        <p:strVal val="visible"/>
+                                      </p:to>
+                                    </p:set>
+                                  </p:childTnLst>
+                                </p:cTn>
+                              </p:par>
+                            </p:childTnLst>
+                          </p:cTn>
+                        </p:par>
+                      </p:childTnLst>
+                    </p:cTn>
+                  </p:par>
+                  <p:par>
+                    <p:cTn id="23" fill="hold">
+                      <p:stCondLst>
+                        <p:cond delay="indefinite"/>
+                      </p:stCondLst>
+                      <p:childTnLst>
+                        <p:par>
+                          <p:cTn id="24" fill="hold">
+                            <p:stCondLst>
+                              <p:cond delay="0"/>
+                            </p:stCondLst>
+                            <p:childTnLst>
+                              <p:par>
+                                <p:cTn id="25" presetID="1" presetClass="entr" presetSubtype="0" fill="hold" nodeType="clickEffect">
+                                  <p:stCondLst>
+                                    <p:cond delay="0"/>
+                                  </p:stCondLst>
+                                  <p:childTnLst>
+                                    <p:set>
+                                      <p:cBhvr>
+                                        <p:cTn id="26" dur="1" fill="hold">
+                                          <p:stCondLst>
+                                            <p:cond delay="0"/>
+                                          </p:stCondLst>
+                                        </p:cTn>
+                                        <p:tgtEl>
+                                          <p:spTgt spid="3">
+                                            <p:txEl>
+                                              <p:pRg st="2" end="2"/>
+                                            </p:txEl>
+                                          </p:spTgt>
+                                        </p:tgtEl>
+                                        <p:attrNameLst>
+                                          <p:attrName>style.visibility</p:attrName>
+                                        </p:attrNameLst>
+                                      </p:cBhvr>
+                                      <p:to>
+                                        <p:strVal val="visible"/>
+                                      </p:to>
+                                    </p:set>
+                                  </p:childTnLst>
+                                </p:cTn>
+                              </p:par>
+                            </p:childTnLst>
+                          </p:cTn>
+                        </p:par>
+                      </p:childTnLst>
+                    </p:cTn>
+                  </p:par>
+                  <p:par>
+                    <p:cTn id="27" fill="hold">
+                      <p:stCondLst>
+                        <p:cond delay="indefinite"/>
+                      </p:stCondLst>
+                      <p:childTnLst>
+                        <p:par>
+                          <p:cTn id="28" fill="hold">
+                            <p:stCondLst>
+                              <p:cond delay="0"/>
+                            </p:stCondLst>
+                            <p:childTnLst>
+                              <p:par>
+                                <p:cTn id="29" presetID="1" presetClass="entr" presetSubtype="0" fill="hold" nodeType="clickEffect">
+                                  <p:stCondLst>
+                                    <p:cond delay="0"/>
+                                  </p:stCondLst>
+                                  <p:childTnLst>
+                                    <p:set>
+                                      <p:cBhvr>
+                                        <p:cTn id="30" dur="1" fill="hold">
+                                          <p:stCondLst>
+                                            <p:cond delay="0"/>
+                                          </p:stCondLst>
+                                        </p:cTn>
+                                        <p:tgtEl>
+                                          <p:spTgt spid="3">
+                                            <p:txEl>
+                                              <p:pRg st="3" end="3"/>
+                                            </p:txEl>
+                                          </p:spTgt>
+                                        </p:tgtEl>
+                                        <p:attrNameLst>
+                                          <p:attrName>style.visibility</p:attrName>
+                                        </p:attrNameLst>
+                                      </p:cBhvr>
+                                      <p:to>
+                                        <p:strVal val="visible"/>
+                                      </p:to>
+                                    </p:set>
+                                  </p:childTnLst>
+                                </p:cTn>
+                              </p:par>
+                            </p:childTnLst>
+                          </p:cTn>
+                        </p:par>
+                      </p:childTnLst>
+                    </p:cTn>
+                  </p:par>
+                  <p:par>
+                    <p:cTn id="31" fill="hold">
+                      <p:stCondLst>
+                        <p:cond delay="indefinite"/>
+                      </p:stCondLst>
+                      <p:childTnLst>
+                        <p:par>
+                          <p:cTn id="32" fill="hold">
+                            <p:stCondLst>
+                              <p:cond delay="0"/>
+                            </p:stCondLst>
+                            <p:childTnLst>
+                              <p:par>
+                                <p:cTn id="33" presetID="1" presetClass="entr" presetSubtype="0" fill="hold" nodeType="clickEffect">
+                                  <p:stCondLst>
+                                    <p:cond delay="0"/>
+                                  </p:stCondLst>
+                                  <p:childTnLst>
+                                    <p:set>
+                                      <p:cBhvr>
+                                        <p:cTn id="34" dur="1" fill="hold">
+                                          <p:stCondLst>
+                                            <p:cond delay="0"/>
+                                          </p:stCondLst>
+                                        </p:cTn>
+                                        <p:tgtEl>
+                                          <p:spTgt spid="3">
+                                            <p:txEl>
+                                              <p:pRg st="4" end="4"/>
+                                            </p:txEl>
+                                          </p:spTgt>
+                                        </p:tgtEl>
+                                        <p:attrNameLst>
+                                          <p:attrName>style.visibility</p:attrName>
+                                        </p:attrNameLst>
+                                      </p:cBhvr>
+                                      <p:to>
+                                        <p:strVal val="visible"/>
+                                      </p:to>
+                                    </p:set>
+                                  </p:childTnLst>
+                                </p:cTn>
+                              </p:par>
+                            </p:childTnLst>
+                          </p:cTn>
+                        </p:par>
+                      </p:childTnLst>
+                    </p:cTn>
+                  </p:par>
+                  <p:par>
+                    <p:cTn id="35" fill="hold">
+                      <p:stCondLst>
+                        <p:cond delay="indefinite"/>
+                      </p:stCondLst>
+                      <p:childTnLst>
+                        <p:par>
+                          <p:cTn id="36" fill="hold">
+                            <p:stCondLst>
+                              <p:cond delay="0"/>
+                            </p:stCondLst>
+                            <p:childTnLst>
+                              <p:par>
+                                <p:cTn id="37" presetID="1" presetClass="entr" presetSubtype="0" fill="hold" nodeType="clickEffect">
+                                  <p:stCondLst>
+                                    <p:cond delay="0"/>
+                                  </p:stCondLst>
+                                  <p:childTnLst>
+                                    <p:set>
+                                      <p:cBhvr>
+                                        <p:cTn id="38" dur="1" fill="hold">
+                                          <p:stCondLst>
+                                            <p:cond delay="0"/>
+                                          </p:stCondLst>
+                                        </p:cTn>
+                                        <p:tgtEl>
+                                          <p:spTgt spid="3">
+                                            <p:txEl>
+                                              <p:pRg st="5" end="5"/>
+                                            </p:txEl>
+                                          </p:spTgt>
+                                        </p:tgtEl>
+                                        <p:attrNameLst>
+                                          <p:attrName>style.visibility</p:attrName>
+                                        </p:attrNameLst>
+                                      </p:cBhvr>
+                                      <p:to>
+                                        <p:strVal val="visible"/>
+                                      </p:to>
+                                    </p:set>
+                                  </p:childTnLst>
+                                </p:cTn>
+                              </p:par>
+                            </p:childTnLst>
+                          </p:cTn>
+                        </p:par>
+                      </p:childTnLst>
+                    </p:cTn>
+                  </p:par>
+                  <p:par>
+                    <p:cTn id="39" fill="hold">
+                      <p:stCondLst>
+                        <p:cond delay="indefinite"/>
+                      </p:stCondLst>
+                      <p:childTnLst>
+                        <p:par>
+                          <p:cTn id="40" fill="hold">
+                            <p:stCondLst>
+                              <p:cond delay="0"/>
+                            </p:stCondLst>
+                            <p:childTnLst>
+                              <p:par>
+                                <p:cTn id="41" presetID="1" presetClass="entr" presetSubtype="0" fill="hold" nodeType="clickEffect">
+                                  <p:stCondLst>
+                                    <p:cond delay="0"/>
+                                  </p:stCondLst>
+                                  <p:childTnLst>
+                                    <p:set>
+                                      <p:cBhvr>
+                                        <p:cTn id="42" dur="1" fill="hold">
+                                          <p:stCondLst>
+                                            <p:cond delay="0"/>
+                                          </p:stCondLst>
+                                        </p:cTn>
+                                        <p:tgtEl>
+                                          <p:spTgt spid="3">
+                                            <p:txEl>
+                                              <p:pRg st="6" end="6"/>
+                                            </p:txEl>
+                                          </p:spTgt>
+                                        </p:tgtEl>
+                                        <p:attrNameLst>
+                                          <p:attrName>style.visibility</p:attrName>
+                                        </p:attrNameLst>
+                                      </p:cBhvr>
+                                      <p:to>
+                                        <p:strVal val="visible"/>
+                                      </p:to>
+                                    </p:set>
+                                  </p:childTnLst>
+                                </p:cTn>
+                              </p:par>
+                            </p:childTnLst>
+                          </p:cTn>
+                        </p:par>
+                      </p:childTnLst>
+                    </p:cTn>
+                  </p:par>
+                  <p:par>
+                    <p:cTn id="43" fill="hold">
+                      <p:stCondLst>
+                        <p:cond delay="indefinite"/>
+                      </p:stCondLst>
+                      <p:childTnLst>
+                        <p:par>
+                          <p:cTn id="44" fill="hold">
+                            <p:stCondLst>
+                              <p:cond delay="0"/>
+                            </p:stCondLst>
+                            <p:childTnLst>
+                              <p:par>
+                                <p:cTn id="45" presetID="1" presetClass="entr" presetSubtype="0" fill="hold" nodeType="clickEffect">
+                                  <p:stCondLst>
+                                    <p:cond delay="0"/>
+                                  </p:stCondLst>
+                                  <p:childTnLst>
+                                    <p:set>
+                                      <p:cBhvr>
+                                        <p:cTn id="46" dur="1" fill="hold">
+                                          <p:stCondLst>
+                                            <p:cond delay="0"/>
+                                          </p:stCondLst>
+                                        </p:cTn>
+                                        <p:tgtEl>
+                                          <p:spTgt spid="3">
+                                            <p:txEl>
+                                              <p:pRg st="0" end="0"/>
+                                            </p:txEl>
+                                          </p:spTgt>
+                                        </p:tgtEl>
+                                        <p:attrNameLst>
+                                          <p:attrName>style.visibility</p:attrName>
+                                        </p:attrNameLst>
+                                      </p:cBhvr>
+                                      <p:to>
+                                        <p:strVal val="visible"/>
+                                      </p:to>
+                                    </p:set>
+                                  </p:childTnLst>
+                                </p:cTn>
+                              </p:par>
+                            </p:childTnLst>
+                          </p:cTn>
+                        </p:par>
+                      </p:childTnLst>
+                    </p:cTn>
+                  </p:par>
+                </p:childTnLst>
+              </p:cTn>
+              <p:prevCondLst>
+                <p:cond evt="onPrev" delay="0">
+                  <p:tgtEl>
+                    <p:sldTgt/>
+                  </p:tgtEl>
+                </p:cond>
+              </p:prevCondLst>
+              <p:nextCondLst>
+                <p:cond evt="onNext" delay="0">
+                  <p:tgtEl>
+                    <p:sldTgt/>
+                  </p:tgtEl>
+                </p:cond>
+              </p:nextCondLst>
+            </p:seq>
+          </p:childTnLst>
+        </p:cTn>
+      </p:par>
+    </p:tnLst>
+  </p:timing>
 </p:sld>
 </file>
 
@@ -8976,7 +10496,7 @@
           <p:cNvPr id="2" name="Title 1">
             <a:extLst>
               <a:ext uri="{FF2B5EF4-FFF2-40B4-BE49-F238E27FC236}">
-                <a16:creationId xmlns:a16="http://schemas.microsoft.com/office/drawing/2014/main" id="{E22A4A9D-E38A-4FD5-A4CA-16D1D2E33384}"/>
+                <a16:creationId xmlns:a16="http://schemas.microsoft.com/office/drawing/2014/main" xmlns="" id="{54474B9E-3E17-45BA-B681-B7CDA7C8E662}"/>
               </a:ext>
             </a:extLst>
           </p:cNvPr>
@@ -8993,10 +10513,9 @@
           <a:lstStyle/>
           <a:p>
             <a:r>
-              <a:rPr lang="en-US" dirty="0" err="1"/>
-              <a:t>subst</a:t>
-            </a:r>
-            <a:endParaRPr lang="en-US" dirty="0"/>
+              <a:rPr lang="en-US" dirty="0"/>
+              <a:t>define-type</a:t>
+            </a:r>
           </a:p>
         </p:txBody>
       </p:sp>
@@ -9005,7 +10524,7 @@
           <p:cNvPr id="3" name="Content Placeholder 2">
             <a:extLst>
               <a:ext uri="{FF2B5EF4-FFF2-40B4-BE49-F238E27FC236}">
-                <a16:creationId xmlns:a16="http://schemas.microsoft.com/office/drawing/2014/main" id="{70D61E1A-8ADA-44DA-9348-0CD81A0A1675}"/>
+                <a16:creationId xmlns:a16="http://schemas.microsoft.com/office/drawing/2014/main" xmlns="" id="{37781BD8-28CC-4F22-AAB0-BA1AD73B2395}"/>
               </a:ext>
             </a:extLst>
           </p:cNvPr>
@@ -9016,69 +10535,566 @@
             <p:ph idx="1"/>
           </p:nvPr>
         </p:nvSpPr>
-        <p:spPr>
-          <a:xfrm>
-            <a:off x="1439023" y="1457864"/>
-            <a:ext cx="9619890" cy="4841546"/>
-          </a:xfrm>
-        </p:spPr>
+        <p:spPr/>
         <p:txBody>
-          <a:bodyPr vert="horz" lIns="91440" tIns="45720" rIns="91440" bIns="45720" rtlCol="0" anchor="t">
-            <a:normAutofit/>
+          <a:bodyPr>
+            <a:normAutofit fontScale="92500" lnSpcReduction="10000"/>
           </a:bodyPr>
           <a:lstStyle/>
           <a:p>
-            <a:pPr>
+            <a:r>
+              <a:rPr lang="en-US" dirty="0"/>
+              <a:t>(define-type BIT = (U 0 1))</a:t>
+            </a:r>
+          </a:p>
+          <a:p>
+            <a:pPr marL="0" indent="0">
               <a:buNone/>
             </a:pPr>
             <a:r>
-              <a:rPr lang="en-US" dirty="0">
-                <a:latin typeface="Consolas"/>
-              </a:rPr>
-              <a:t>   </a:t>
-            </a:r>
-            <a:r>
-              <a:rPr lang="en-US" sz="2000" dirty="0">
-                <a:latin typeface="Consolas"/>
-              </a:rPr>
-              <a:t>[(Id name) (if (eq? name from) to expr)]
-   [(With bound-id named-expr bound-body)
-     (With bound-id
-           (subst named-expr from to)
-           (if (eq? bound-id from)
-             bound-body
-             (</a:t>
-            </a:r>
-            <a:r>
-              <a:rPr lang="en-US" sz="2000" dirty="0" err="1">
-                <a:latin typeface="Consolas"/>
-              </a:rPr>
-              <a:t>subst</a:t>
-            </a:r>
-            <a:r>
-              <a:rPr lang="en-US" sz="2000" dirty="0">
-                <a:latin typeface="Consolas"/>
-              </a:rPr>
-              <a:t> bound-body from to)))]))</a:t>
-            </a:r>
-            <a:endParaRPr lang="en-US" sz="2000" dirty="0">
-              <a:solidFill>
-                <a:schemeClr val="tx1"/>
-              </a:solidFill>
-            </a:endParaRPr>
+              <a:rPr lang="en-US" dirty="0"/>
+              <a:t>       (define-type Bit-List = (</a:t>
+            </a:r>
+            <a:r>
+              <a:rPr lang="en-US" dirty="0" err="1"/>
+              <a:t>Listof</a:t>
+            </a:r>
+            <a:r>
+              <a:rPr lang="en-US" dirty="0"/>
+              <a:t> BIT))</a:t>
+            </a:r>
+          </a:p>
+          <a:p>
+            <a:pPr marL="0" indent="0">
+              <a:buNone/>
+            </a:pPr>
+            <a:endParaRPr lang="en-US" dirty="0"/>
+          </a:p>
+          <a:p>
+            <a:pPr marL="0" indent="0">
+              <a:buNone/>
+            </a:pPr>
+            <a:r>
+              <a:rPr lang="en-US" dirty="0"/>
+              <a:t>(define-type </a:t>
+            </a:r>
+            <a:r>
+              <a:rPr lang="en-US" dirty="0" err="1"/>
+              <a:t>RegE</a:t>
+            </a:r>
+            <a:endParaRPr lang="en-US" dirty="0"/>
+          </a:p>
+          <a:p>
+            <a:pPr marL="0" indent="0">
+              <a:buNone/>
+            </a:pPr>
+            <a:r>
+              <a:rPr lang="en-US" dirty="0"/>
+              <a:t>	[Reg Bit-List]</a:t>
+            </a:r>
+          </a:p>
+          <a:p>
+            <a:pPr marL="0" indent="0">
+              <a:buNone/>
+            </a:pPr>
+            <a:r>
+              <a:rPr lang="en-US" dirty="0"/>
+              <a:t>	[And </a:t>
+            </a:r>
+            <a:r>
+              <a:rPr lang="en-US" dirty="0" err="1"/>
+              <a:t>RegE</a:t>
+            </a:r>
+            <a:r>
+              <a:rPr lang="en-US" dirty="0"/>
+              <a:t> </a:t>
+            </a:r>
+            <a:r>
+              <a:rPr lang="en-US" dirty="0" err="1"/>
+              <a:t>RegE</a:t>
+            </a:r>
+            <a:r>
+              <a:rPr lang="en-US" dirty="0"/>
+              <a:t>]</a:t>
+            </a:r>
+          </a:p>
+          <a:p>
+            <a:pPr marL="0" indent="0">
+              <a:buNone/>
+            </a:pPr>
+            <a:r>
+              <a:rPr lang="en-US" dirty="0"/>
+              <a:t>	[Or </a:t>
+            </a:r>
+            <a:r>
+              <a:rPr lang="en-US" dirty="0" err="1"/>
+              <a:t>RegE</a:t>
+            </a:r>
+            <a:r>
+              <a:rPr lang="en-US" dirty="0"/>
+              <a:t> </a:t>
+            </a:r>
+            <a:r>
+              <a:rPr lang="en-US" dirty="0" err="1"/>
+              <a:t>RegE</a:t>
+            </a:r>
+            <a:r>
+              <a:rPr lang="en-US" dirty="0"/>
+              <a:t>]</a:t>
+            </a:r>
+          </a:p>
+          <a:p>
+            <a:pPr marL="0" indent="0">
+              <a:buNone/>
+            </a:pPr>
+            <a:r>
+              <a:rPr lang="en-US" dirty="0"/>
+              <a:t>	[</a:t>
+            </a:r>
+            <a:r>
+              <a:rPr lang="en-US" dirty="0" err="1"/>
+              <a:t>Shl</a:t>
+            </a:r>
+            <a:r>
+              <a:rPr lang="en-US" dirty="0"/>
+              <a:t> </a:t>
+            </a:r>
+            <a:r>
+              <a:rPr lang="en-US" dirty="0" err="1"/>
+              <a:t>RegE</a:t>
+            </a:r>
+            <a:r>
+              <a:rPr lang="en-US" dirty="0"/>
+              <a:t>]</a:t>
+            </a:r>
+          </a:p>
+          <a:p>
+            <a:pPr marL="0" indent="0">
+              <a:buNone/>
+            </a:pPr>
+            <a:r>
+              <a:rPr lang="en-US" dirty="0"/>
+              <a:t>	[With Symbol </a:t>
+            </a:r>
+            <a:r>
+              <a:rPr lang="en-US" dirty="0" err="1"/>
+              <a:t>RegE</a:t>
+            </a:r>
+            <a:r>
+              <a:rPr lang="en-US" dirty="0"/>
+              <a:t> </a:t>
+            </a:r>
+            <a:r>
+              <a:rPr lang="en-US" dirty="0" err="1"/>
+              <a:t>RegE</a:t>
+            </a:r>
+            <a:r>
+              <a:rPr lang="en-US" dirty="0"/>
+              <a:t>]</a:t>
+            </a:r>
+          </a:p>
+          <a:p>
+            <a:pPr marL="0" indent="0">
+              <a:buNone/>
+            </a:pPr>
+            <a:r>
+              <a:rPr lang="en-US" dirty="0"/>
+              <a:t>	[Id Symbol])</a:t>
+            </a:r>
           </a:p>
         </p:txBody>
       </p:sp>
     </p:spTree>
     <p:extLst>
       <p:ext uri="{BB962C8B-B14F-4D97-AF65-F5344CB8AC3E}">
-        <p14:creationId xmlns:p14="http://schemas.microsoft.com/office/powerpoint/2010/main" val="2726296065"/>
+        <p14:creationId xmlns:p14="http://schemas.microsoft.com/office/powerpoint/2010/main" val="2048155374"/>
       </p:ext>
     </p:extLst>
   </p:cSld>
   <p:clrMapOvr>
     <a:masterClrMapping/>
   </p:clrMapOvr>
+  <p:timing>
+    <p:tnLst>
+      <p:par>
+        <p:cTn id="1" dur="indefinite" restart="never" nodeType="tmRoot">
+          <p:childTnLst>
+            <p:seq concurrent="1" nextAc="seek">
+              <p:cTn id="2" dur="indefinite" nodeType="mainSeq">
+                <p:childTnLst>
+                  <p:par>
+                    <p:cTn id="3" fill="hold">
+                      <p:stCondLst>
+                        <p:cond delay="indefinite"/>
+                      </p:stCondLst>
+                      <p:childTnLst>
+                        <p:par>
+                          <p:cTn id="4" fill="hold">
+                            <p:stCondLst>
+                              <p:cond delay="0"/>
+                            </p:stCondLst>
+                            <p:childTnLst>
+                              <p:par>
+                                <p:cTn id="5" presetID="1" presetClass="entr" presetSubtype="0" fill="hold" nodeType="clickEffect">
+                                  <p:stCondLst>
+                                    <p:cond delay="0"/>
+                                  </p:stCondLst>
+                                  <p:childTnLst>
+                                    <p:set>
+                                      <p:cBhvr>
+                                        <p:cTn id="6" dur="1" fill="hold">
+                                          <p:stCondLst>
+                                            <p:cond delay="0"/>
+                                          </p:stCondLst>
+                                        </p:cTn>
+                                        <p:tgtEl>
+                                          <p:spTgt spid="3">
+                                            <p:txEl>
+                                              <p:pRg st="0" end="0"/>
+                                            </p:txEl>
+                                          </p:spTgt>
+                                        </p:tgtEl>
+                                        <p:attrNameLst>
+                                          <p:attrName>style.visibility</p:attrName>
+                                        </p:attrNameLst>
+                                      </p:cBhvr>
+                                      <p:to>
+                                        <p:strVal val="visible"/>
+                                      </p:to>
+                                    </p:set>
+                                  </p:childTnLst>
+                                </p:cTn>
+                              </p:par>
+                            </p:childTnLst>
+                          </p:cTn>
+                        </p:par>
+                      </p:childTnLst>
+                    </p:cTn>
+                  </p:par>
+                  <p:par>
+                    <p:cTn id="7" fill="hold">
+                      <p:stCondLst>
+                        <p:cond delay="indefinite"/>
+                      </p:stCondLst>
+                      <p:childTnLst>
+                        <p:par>
+                          <p:cTn id="8" fill="hold">
+                            <p:stCondLst>
+                              <p:cond delay="0"/>
+                            </p:stCondLst>
+                            <p:childTnLst>
+                              <p:par>
+                                <p:cTn id="9" presetID="1" presetClass="entr" presetSubtype="0" fill="hold" nodeType="clickEffect">
+                                  <p:stCondLst>
+                                    <p:cond delay="0"/>
+                                  </p:stCondLst>
+                                  <p:childTnLst>
+                                    <p:set>
+                                      <p:cBhvr>
+                                        <p:cTn id="10" dur="1" fill="hold">
+                                          <p:stCondLst>
+                                            <p:cond delay="0"/>
+                                          </p:stCondLst>
+                                        </p:cTn>
+                                        <p:tgtEl>
+                                          <p:spTgt spid="3">
+                                            <p:txEl>
+                                              <p:pRg st="1" end="1"/>
+                                            </p:txEl>
+                                          </p:spTgt>
+                                        </p:tgtEl>
+                                        <p:attrNameLst>
+                                          <p:attrName>style.visibility</p:attrName>
+                                        </p:attrNameLst>
+                                      </p:cBhvr>
+                                      <p:to>
+                                        <p:strVal val="visible"/>
+                                      </p:to>
+                                    </p:set>
+                                  </p:childTnLst>
+                                </p:cTn>
+                              </p:par>
+                            </p:childTnLst>
+                          </p:cTn>
+                        </p:par>
+                      </p:childTnLst>
+                    </p:cTn>
+                  </p:par>
+                  <p:par>
+                    <p:cTn id="11" fill="hold">
+                      <p:stCondLst>
+                        <p:cond delay="indefinite"/>
+                      </p:stCondLst>
+                      <p:childTnLst>
+                        <p:par>
+                          <p:cTn id="12" fill="hold">
+                            <p:stCondLst>
+                              <p:cond delay="0"/>
+                            </p:stCondLst>
+                            <p:childTnLst>
+                              <p:par>
+                                <p:cTn id="13" presetID="1" presetClass="entr" presetSubtype="0" fill="hold" nodeType="clickEffect">
+                                  <p:stCondLst>
+                                    <p:cond delay="0"/>
+                                  </p:stCondLst>
+                                  <p:childTnLst>
+                                    <p:set>
+                                      <p:cBhvr>
+                                        <p:cTn id="14" dur="1" fill="hold">
+                                          <p:stCondLst>
+                                            <p:cond delay="0"/>
+                                          </p:stCondLst>
+                                        </p:cTn>
+                                        <p:tgtEl>
+                                          <p:spTgt spid="3">
+                                            <p:txEl>
+                                              <p:pRg st="3" end="3"/>
+                                            </p:txEl>
+                                          </p:spTgt>
+                                        </p:tgtEl>
+                                        <p:attrNameLst>
+                                          <p:attrName>style.visibility</p:attrName>
+                                        </p:attrNameLst>
+                                      </p:cBhvr>
+                                      <p:to>
+                                        <p:strVal val="visible"/>
+                                      </p:to>
+                                    </p:set>
+                                  </p:childTnLst>
+                                </p:cTn>
+                              </p:par>
+                            </p:childTnLst>
+                          </p:cTn>
+                        </p:par>
+                      </p:childTnLst>
+                    </p:cTn>
+                  </p:par>
+                  <p:par>
+                    <p:cTn id="15" fill="hold">
+                      <p:stCondLst>
+                        <p:cond delay="indefinite"/>
+                      </p:stCondLst>
+                      <p:childTnLst>
+                        <p:par>
+                          <p:cTn id="16" fill="hold">
+                            <p:stCondLst>
+                              <p:cond delay="0"/>
+                            </p:stCondLst>
+                            <p:childTnLst>
+                              <p:par>
+                                <p:cTn id="17" presetID="1" presetClass="entr" presetSubtype="0" fill="hold" nodeType="clickEffect">
+                                  <p:stCondLst>
+                                    <p:cond delay="0"/>
+                                  </p:stCondLst>
+                                  <p:childTnLst>
+                                    <p:set>
+                                      <p:cBhvr>
+                                        <p:cTn id="18" dur="1" fill="hold">
+                                          <p:stCondLst>
+                                            <p:cond delay="0"/>
+                                          </p:stCondLst>
+                                        </p:cTn>
+                                        <p:tgtEl>
+                                          <p:spTgt spid="3">
+                                            <p:txEl>
+                                              <p:pRg st="4" end="4"/>
+                                            </p:txEl>
+                                          </p:spTgt>
+                                        </p:tgtEl>
+                                        <p:attrNameLst>
+                                          <p:attrName>style.visibility</p:attrName>
+                                        </p:attrNameLst>
+                                      </p:cBhvr>
+                                      <p:to>
+                                        <p:strVal val="visible"/>
+                                      </p:to>
+                                    </p:set>
+                                  </p:childTnLst>
+                                </p:cTn>
+                              </p:par>
+                              <p:par>
+                                <p:cTn id="19" presetID="1" presetClass="entr" presetSubtype="0" fill="hold" nodeType="withEffect">
+                                  <p:stCondLst>
+                                    <p:cond delay="0"/>
+                                  </p:stCondLst>
+                                  <p:childTnLst>
+                                    <p:set>
+                                      <p:cBhvr>
+                                        <p:cTn id="20" dur="1" fill="hold">
+                                          <p:stCondLst>
+                                            <p:cond delay="0"/>
+                                          </p:stCondLst>
+                                        </p:cTn>
+                                        <p:tgtEl>
+                                          <p:spTgt spid="3">
+                                            <p:txEl>
+                                              <p:pRg st="5" end="5"/>
+                                            </p:txEl>
+                                          </p:spTgt>
+                                        </p:tgtEl>
+                                        <p:attrNameLst>
+                                          <p:attrName>style.visibility</p:attrName>
+                                        </p:attrNameLst>
+                                      </p:cBhvr>
+                                      <p:to>
+                                        <p:strVal val="visible"/>
+                                      </p:to>
+                                    </p:set>
+                                  </p:childTnLst>
+                                </p:cTn>
+                              </p:par>
+                              <p:par>
+                                <p:cTn id="21" presetID="1" presetClass="entr" presetSubtype="0" fill="hold" nodeType="withEffect">
+                                  <p:stCondLst>
+                                    <p:cond delay="0"/>
+                                  </p:stCondLst>
+                                  <p:childTnLst>
+                                    <p:set>
+                                      <p:cBhvr>
+                                        <p:cTn id="22" dur="1" fill="hold">
+                                          <p:stCondLst>
+                                            <p:cond delay="0"/>
+                                          </p:stCondLst>
+                                        </p:cTn>
+                                        <p:tgtEl>
+                                          <p:spTgt spid="3">
+                                            <p:txEl>
+                                              <p:pRg st="6" end="6"/>
+                                            </p:txEl>
+                                          </p:spTgt>
+                                        </p:tgtEl>
+                                        <p:attrNameLst>
+                                          <p:attrName>style.visibility</p:attrName>
+                                        </p:attrNameLst>
+                                      </p:cBhvr>
+                                      <p:to>
+                                        <p:strVal val="visible"/>
+                                      </p:to>
+                                    </p:set>
+                                  </p:childTnLst>
+                                </p:cTn>
+                              </p:par>
+                              <p:par>
+                                <p:cTn id="23" presetID="1" presetClass="entr" presetSubtype="0" fill="hold" nodeType="withEffect">
+                                  <p:stCondLst>
+                                    <p:cond delay="0"/>
+                                  </p:stCondLst>
+                                  <p:childTnLst>
+                                    <p:set>
+                                      <p:cBhvr>
+                                        <p:cTn id="24" dur="1" fill="hold">
+                                          <p:stCondLst>
+                                            <p:cond delay="0"/>
+                                          </p:stCondLst>
+                                        </p:cTn>
+                                        <p:tgtEl>
+                                          <p:spTgt spid="3">
+                                            <p:txEl>
+                                              <p:pRg st="7" end="7"/>
+                                            </p:txEl>
+                                          </p:spTgt>
+                                        </p:tgtEl>
+                                        <p:attrNameLst>
+                                          <p:attrName>style.visibility</p:attrName>
+                                        </p:attrNameLst>
+                                      </p:cBhvr>
+                                      <p:to>
+                                        <p:strVal val="visible"/>
+                                      </p:to>
+                                    </p:set>
+                                  </p:childTnLst>
+                                </p:cTn>
+                              </p:par>
+                              <p:par>
+                                <p:cTn id="25" presetID="1" presetClass="entr" presetSubtype="0" fill="hold" nodeType="withEffect">
+                                  <p:stCondLst>
+                                    <p:cond delay="0"/>
+                                  </p:stCondLst>
+                                  <p:childTnLst>
+                                    <p:set>
+                                      <p:cBhvr>
+                                        <p:cTn id="26" dur="1" fill="hold">
+                                          <p:stCondLst>
+                                            <p:cond delay="0"/>
+                                          </p:stCondLst>
+                                        </p:cTn>
+                                        <p:tgtEl>
+                                          <p:spTgt spid="3">
+                                            <p:txEl>
+                                              <p:pRg st="8" end="8"/>
+                                            </p:txEl>
+                                          </p:spTgt>
+                                        </p:tgtEl>
+                                        <p:attrNameLst>
+                                          <p:attrName>style.visibility</p:attrName>
+                                        </p:attrNameLst>
+                                      </p:cBhvr>
+                                      <p:to>
+                                        <p:strVal val="visible"/>
+                                      </p:to>
+                                    </p:set>
+                                  </p:childTnLst>
+                                </p:cTn>
+                              </p:par>
+                              <p:par>
+                                <p:cTn id="27" presetID="1" presetClass="entr" presetSubtype="0" fill="hold" nodeType="withEffect">
+                                  <p:stCondLst>
+                                    <p:cond delay="0"/>
+                                  </p:stCondLst>
+                                  <p:childTnLst>
+                                    <p:set>
+                                      <p:cBhvr>
+                                        <p:cTn id="28" dur="1" fill="hold">
+                                          <p:stCondLst>
+                                            <p:cond delay="0"/>
+                                          </p:stCondLst>
+                                        </p:cTn>
+                                        <p:tgtEl>
+                                          <p:spTgt spid="3">
+                                            <p:txEl>
+                                              <p:pRg st="9" end="9"/>
+                                            </p:txEl>
+                                          </p:spTgt>
+                                        </p:tgtEl>
+                                        <p:attrNameLst>
+                                          <p:attrName>style.visibility</p:attrName>
+                                        </p:attrNameLst>
+                                      </p:cBhvr>
+                                      <p:to>
+                                        <p:strVal val="visible"/>
+                                      </p:to>
+                                    </p:set>
+                                  </p:childTnLst>
+                                </p:cTn>
+                              </p:par>
+                            </p:childTnLst>
+                          </p:cTn>
+                        </p:par>
+                      </p:childTnLst>
+                    </p:cTn>
+                  </p:par>
+                </p:childTnLst>
+              </p:cTn>
+              <p:prevCondLst>
+                <p:cond evt="onPrev" delay="0">
+                  <p:tgtEl>
+                    <p:sldTgt/>
+                  </p:tgtEl>
+                </p:cond>
+              </p:prevCondLst>
+              <p:nextCondLst>
+                <p:cond evt="onNext" delay="0">
+                  <p:tgtEl>
+                    <p:sldTgt/>
+                  </p:tgtEl>
+                </p:cond>
+              </p:nextCondLst>
+            </p:seq>
+          </p:childTnLst>
+        </p:cTn>
+      </p:par>
+    </p:tnLst>
+  </p:timing>
 </p:sld>
 </file>
 
@@ -9104,7 +11120,7 @@
           <p:cNvPr id="2" name="Title 1">
             <a:extLst>
               <a:ext uri="{FF2B5EF4-FFF2-40B4-BE49-F238E27FC236}">
-                <a16:creationId xmlns:a16="http://schemas.microsoft.com/office/drawing/2014/main" id="{31A707CE-5B1B-4C56-BCD4-C71C8BBB3C7D}"/>
+                <a16:creationId xmlns:a16="http://schemas.microsoft.com/office/drawing/2014/main" xmlns="" id="{365378E8-69B3-46F8-B9E4-6285AC9488DF}"/>
               </a:ext>
             </a:extLst>
           </p:cNvPr>
@@ -9122,16 +11138,12 @@
           <a:p>
             <a:r>
               <a:rPr lang="en-US" dirty="0"/>
-              <a:t>Flow the </a:t>
-            </a:r>
-            <a:r>
-              <a:rPr lang="en-US" dirty="0" err="1"/>
-              <a:t>subst</a:t>
-            </a:r>
-            <a:r>
-              <a:rPr lang="en-US" dirty="0"/>
-              <a:t> code</a:t>
-            </a:r>
+              <a:t>How to parse bit list?</a:t>
+            </a:r>
+            <a:br>
+              <a:rPr lang="en-US" dirty="0"/>
+            </a:br>
+            <a:endParaRPr lang="en-US" dirty="0"/>
           </a:p>
         </p:txBody>
       </p:sp>
@@ -9140,7 +11152,7 @@
           <p:cNvPr id="3" name="Content Placeholder 2">
             <a:extLst>
               <a:ext uri="{FF2B5EF4-FFF2-40B4-BE49-F238E27FC236}">
-                <a16:creationId xmlns:a16="http://schemas.microsoft.com/office/drawing/2014/main" id="{EC383E5A-7FFE-45B0-9CCC-DCE18FCFB60C}"/>
+                <a16:creationId xmlns:a16="http://schemas.microsoft.com/office/drawing/2014/main" xmlns="" id="{9159948D-C061-4209-8B5C-81C1AF3B4274}"/>
               </a:ext>
             </a:extLst>
           </p:cNvPr>
@@ -9156,74 +11168,415 @@
           <a:bodyPr/>
           <a:lstStyle/>
           <a:p>
-            <a:r>
-              <a:rPr lang="en-US" dirty="0">
-                <a:latin typeface="David" panose="020E0502060401010101" pitchFamily="34" charset="-79"/>
-                <a:cs typeface="David" panose="020E0502060401010101" pitchFamily="34" charset="-79"/>
-              </a:rPr>
-              <a:t>{with {x {* 4 3}} {+ x {with {y 3} {- x y}}}}</a:t>
-            </a:r>
-          </a:p>
-          <a:p>
-            <a:r>
-              <a:rPr lang="en-US" dirty="0">
-                <a:latin typeface="David" panose="020E0502060401010101" pitchFamily="34" charset="-79"/>
-                <a:cs typeface="David" panose="020E0502060401010101" pitchFamily="34" charset="-79"/>
-              </a:rPr>
-              <a:t>{with {x {* 4 3}} {+ x {with {x 3} {- x x}}}}</a:t>
-            </a:r>
-          </a:p>
-          <a:p>
-            <a:r>
-              <a:rPr lang="en-US" dirty="0">
-                <a:latin typeface="David" panose="020E0502060401010101" pitchFamily="34" charset="-79"/>
-                <a:cs typeface="David" panose="020E0502060401010101" pitchFamily="34" charset="-79"/>
-              </a:rPr>
-              <a:t>What will be different? </a:t>
-            </a:r>
-          </a:p>
-          <a:p>
+            <a:pPr marL="0" indent="0">
+              <a:buNone/>
+            </a:pPr>
+            <a:r>
+              <a:rPr lang="en-US" dirty="0"/>
+              <a:t>(: list-&gt;bit-list : (</a:t>
+            </a:r>
+            <a:r>
+              <a:rPr lang="en-US" dirty="0" err="1"/>
+              <a:t>Listof</a:t>
+            </a:r>
+            <a:r>
+              <a:rPr lang="en-US" dirty="0"/>
+              <a:t> Any) -&gt; Bit-List)</a:t>
+            </a:r>
+          </a:p>
+          <a:p>
+            <a:pPr marL="0" indent="0">
+              <a:buNone/>
+            </a:pPr>
+            <a:r>
+              <a:rPr lang="en-US" dirty="0"/>
+              <a:t>	(define (list-&gt;bit-list </a:t>
+            </a:r>
+            <a:r>
+              <a:rPr lang="en-US" dirty="0" err="1"/>
+              <a:t>lst</a:t>
+            </a:r>
+            <a:r>
+              <a:rPr lang="en-US" dirty="0"/>
+              <a:t>)</a:t>
+            </a:r>
+          </a:p>
+          <a:p>
+            <a:pPr marL="0" indent="0">
+              <a:buNone/>
+            </a:pPr>
+            <a:r>
+              <a:rPr lang="en-US" dirty="0"/>
+              <a:t>		(</a:t>
+            </a:r>
+            <a:r>
+              <a:rPr lang="en-US" dirty="0" err="1"/>
+              <a:t>cond</a:t>
+            </a:r>
+            <a:r>
+              <a:rPr lang="en-US" dirty="0"/>
+              <a:t> </a:t>
+            </a:r>
+          </a:p>
+          <a:p>
+            <a:pPr marL="0" indent="0">
+              <a:buNone/>
+            </a:pPr>
+            <a:r>
+              <a:rPr lang="en-US" dirty="0"/>
+              <a:t>			[(null? </a:t>
+            </a:r>
+            <a:r>
+              <a:rPr lang="en-US" dirty="0" err="1"/>
+              <a:t>lst</a:t>
+            </a:r>
+            <a:r>
+              <a:rPr lang="en-US" dirty="0"/>
+              <a:t>) null]</a:t>
+            </a:r>
+          </a:p>
+          <a:p>
+            <a:pPr marL="0" indent="0">
+              <a:buNone/>
+            </a:pPr>
+            <a:r>
+              <a:rPr lang="en-US" dirty="0"/>
+              <a:t>			[(</a:t>
+            </a:r>
+            <a:r>
+              <a:rPr lang="en-US" dirty="0" err="1"/>
+              <a:t>eq</a:t>
+            </a:r>
+            <a:r>
+              <a:rPr lang="en-US" dirty="0"/>
+              <a:t>? (first </a:t>
+            </a:r>
+            <a:r>
+              <a:rPr lang="en-US" dirty="0" err="1"/>
+              <a:t>lst</a:t>
+            </a:r>
+            <a:r>
+              <a:rPr lang="en-US" dirty="0"/>
+              <a:t>) 1)</a:t>
+            </a:r>
+          </a:p>
+          <a:p>
+            <a:pPr marL="0" indent="0">
+              <a:buNone/>
+            </a:pPr>
+            <a:r>
+              <a:rPr lang="en-US" dirty="0"/>
+              <a:t>				(cons 1 (list-&gt;bit-list (rest </a:t>
+            </a:r>
+            <a:r>
+              <a:rPr lang="en-US" dirty="0" err="1"/>
+              <a:t>lst</a:t>
+            </a:r>
+            <a:r>
+              <a:rPr lang="en-US" dirty="0"/>
+              <a:t>)))]</a:t>
+            </a:r>
+          </a:p>
+          <a:p>
+            <a:pPr marL="0" indent="0">
+              <a:buNone/>
+            </a:pPr>
+            <a:r>
+              <a:rPr lang="en-US" dirty="0"/>
+              <a:t>			[else (cons 0 (list-&gt;bit-list (rest </a:t>
+            </a:r>
+            <a:r>
+              <a:rPr lang="en-US" dirty="0" err="1"/>
+              <a:t>lst</a:t>
+            </a:r>
+            <a:r>
+              <a:rPr lang="en-US" dirty="0"/>
+              <a:t>)))]))</a:t>
+            </a:r>
+          </a:p>
+          <a:p>
+            <a:pPr marL="0" indent="0">
+              <a:buNone/>
+            </a:pPr>
             <a:endParaRPr lang="en-US" dirty="0"/>
-          </a:p>
-          <a:p>
-            <a:endParaRPr lang="en-US" dirty="0"/>
-          </a:p>
-          <a:p>
-            <a:endParaRPr lang="en-US" dirty="0"/>
-          </a:p>
-          <a:p>
-            <a:endParaRPr lang="en-US" dirty="0"/>
-          </a:p>
-          <a:p>
-            <a:r>
-              <a:rPr lang="en-US" dirty="0">
-                <a:latin typeface="David" panose="020E0502060401010101" pitchFamily="34" charset="-79"/>
-                <a:cs typeface="David" panose="020E0502060401010101" pitchFamily="34" charset="-79"/>
-              </a:rPr>
-              <a:t>{with {x {* 4 3}} {+ x {with {y 3} {- z y}}}}</a:t>
-            </a:r>
-          </a:p>
-          <a:p>
-            <a:pPr marL="0" indent="0">
-              <a:buNone/>
-            </a:pPr>
-            <a:r>
-              <a:rPr lang="en-US" dirty="0"/>
-              <a:t> and now what? </a:t>
-            </a:r>
           </a:p>
         </p:txBody>
       </p:sp>
     </p:spTree>
     <p:extLst>
       <p:ext uri="{BB962C8B-B14F-4D97-AF65-F5344CB8AC3E}">
-        <p14:creationId xmlns:p14="http://schemas.microsoft.com/office/powerpoint/2010/main" val="2898550300"/>
+        <p14:creationId xmlns:p14="http://schemas.microsoft.com/office/powerpoint/2010/main" val="3804823718"/>
       </p:ext>
     </p:extLst>
   </p:cSld>
   <p:clrMapOvr>
     <a:masterClrMapping/>
   </p:clrMapOvr>
+  <p:timing>
+    <p:tnLst>
+      <p:par>
+        <p:cTn id="1" dur="indefinite" restart="never" nodeType="tmRoot">
+          <p:childTnLst>
+            <p:seq concurrent="1" nextAc="seek">
+              <p:cTn id="2" dur="indefinite" nodeType="mainSeq">
+                <p:childTnLst>
+                  <p:par>
+                    <p:cTn id="3" fill="hold">
+                      <p:stCondLst>
+                        <p:cond delay="indefinite"/>
+                      </p:stCondLst>
+                      <p:childTnLst>
+                        <p:par>
+                          <p:cTn id="4" fill="hold">
+                            <p:stCondLst>
+                              <p:cond delay="0"/>
+                            </p:stCondLst>
+                            <p:childTnLst>
+                              <p:par>
+                                <p:cTn id="5" presetID="1" presetClass="entr" presetSubtype="0" fill="hold" nodeType="clickEffect">
+                                  <p:stCondLst>
+                                    <p:cond delay="0"/>
+                                  </p:stCondLst>
+                                  <p:childTnLst>
+                                    <p:set>
+                                      <p:cBhvr>
+                                        <p:cTn id="6" dur="1" fill="hold">
+                                          <p:stCondLst>
+                                            <p:cond delay="0"/>
+                                          </p:stCondLst>
+                                        </p:cTn>
+                                        <p:tgtEl>
+                                          <p:spTgt spid="3">
+                                            <p:txEl>
+                                              <p:pRg st="0" end="0"/>
+                                            </p:txEl>
+                                          </p:spTgt>
+                                        </p:tgtEl>
+                                        <p:attrNameLst>
+                                          <p:attrName>style.visibility</p:attrName>
+                                        </p:attrNameLst>
+                                      </p:cBhvr>
+                                      <p:to>
+                                        <p:strVal val="visible"/>
+                                      </p:to>
+                                    </p:set>
+                                  </p:childTnLst>
+                                </p:cTn>
+                              </p:par>
+                              <p:par>
+                                <p:cTn id="7" presetID="1" presetClass="entr" presetSubtype="0" fill="hold" nodeType="withEffect">
+                                  <p:stCondLst>
+                                    <p:cond delay="0"/>
+                                  </p:stCondLst>
+                                  <p:childTnLst>
+                                    <p:set>
+                                      <p:cBhvr>
+                                        <p:cTn id="8" dur="1" fill="hold">
+                                          <p:stCondLst>
+                                            <p:cond delay="0"/>
+                                          </p:stCondLst>
+                                        </p:cTn>
+                                        <p:tgtEl>
+                                          <p:spTgt spid="3">
+                                            <p:txEl>
+                                              <p:pRg st="1" end="1"/>
+                                            </p:txEl>
+                                          </p:spTgt>
+                                        </p:tgtEl>
+                                        <p:attrNameLst>
+                                          <p:attrName>style.visibility</p:attrName>
+                                        </p:attrNameLst>
+                                      </p:cBhvr>
+                                      <p:to>
+                                        <p:strVal val="visible"/>
+                                      </p:to>
+                                    </p:set>
+                                  </p:childTnLst>
+                                </p:cTn>
+                              </p:par>
+                              <p:par>
+                                <p:cTn id="9" presetID="1" presetClass="entr" presetSubtype="0" fill="hold" nodeType="withEffect">
+                                  <p:stCondLst>
+                                    <p:cond delay="0"/>
+                                  </p:stCondLst>
+                                  <p:childTnLst>
+                                    <p:set>
+                                      <p:cBhvr>
+                                        <p:cTn id="10" dur="1" fill="hold">
+                                          <p:stCondLst>
+                                            <p:cond delay="0"/>
+                                          </p:stCondLst>
+                                        </p:cTn>
+                                        <p:tgtEl>
+                                          <p:spTgt spid="3">
+                                            <p:txEl>
+                                              <p:pRg st="2" end="2"/>
+                                            </p:txEl>
+                                          </p:spTgt>
+                                        </p:tgtEl>
+                                        <p:attrNameLst>
+                                          <p:attrName>style.visibility</p:attrName>
+                                        </p:attrNameLst>
+                                      </p:cBhvr>
+                                      <p:to>
+                                        <p:strVal val="visible"/>
+                                      </p:to>
+                                    </p:set>
+                                  </p:childTnLst>
+                                </p:cTn>
+                              </p:par>
+                              <p:par>
+                                <p:cTn id="11" presetID="1" presetClass="entr" presetSubtype="0" fill="hold" nodeType="withEffect">
+                                  <p:stCondLst>
+                                    <p:cond delay="0"/>
+                                  </p:stCondLst>
+                                  <p:childTnLst>
+                                    <p:set>
+                                      <p:cBhvr>
+                                        <p:cTn id="12" dur="1" fill="hold">
+                                          <p:stCondLst>
+                                            <p:cond delay="0"/>
+                                          </p:stCondLst>
+                                        </p:cTn>
+                                        <p:tgtEl>
+                                          <p:spTgt spid="3">
+                                            <p:txEl>
+                                              <p:pRg st="3" end="3"/>
+                                            </p:txEl>
+                                          </p:spTgt>
+                                        </p:tgtEl>
+                                        <p:attrNameLst>
+                                          <p:attrName>style.visibility</p:attrName>
+                                        </p:attrNameLst>
+                                      </p:cBhvr>
+                                      <p:to>
+                                        <p:strVal val="visible"/>
+                                      </p:to>
+                                    </p:set>
+                                  </p:childTnLst>
+                                </p:cTn>
+                              </p:par>
+                              <p:par>
+                                <p:cTn id="13" presetID="1" presetClass="entr" presetSubtype="0" fill="hold" nodeType="withEffect">
+                                  <p:stCondLst>
+                                    <p:cond delay="0"/>
+                                  </p:stCondLst>
+                                  <p:childTnLst>
+                                    <p:set>
+                                      <p:cBhvr>
+                                        <p:cTn id="14" dur="1" fill="hold">
+                                          <p:stCondLst>
+                                            <p:cond delay="0"/>
+                                          </p:stCondLst>
+                                        </p:cTn>
+                                        <p:tgtEl>
+                                          <p:spTgt spid="3">
+                                            <p:txEl>
+                                              <p:pRg st="4" end="4"/>
+                                            </p:txEl>
+                                          </p:spTgt>
+                                        </p:tgtEl>
+                                        <p:attrNameLst>
+                                          <p:attrName>style.visibility</p:attrName>
+                                        </p:attrNameLst>
+                                      </p:cBhvr>
+                                      <p:to>
+                                        <p:strVal val="visible"/>
+                                      </p:to>
+                                    </p:set>
+                                  </p:childTnLst>
+                                </p:cTn>
+                              </p:par>
+                              <p:par>
+                                <p:cTn id="15" presetID="1" presetClass="entr" presetSubtype="0" fill="hold" nodeType="withEffect">
+                                  <p:stCondLst>
+                                    <p:cond delay="0"/>
+                                  </p:stCondLst>
+                                  <p:childTnLst>
+                                    <p:set>
+                                      <p:cBhvr>
+                                        <p:cTn id="16" dur="1" fill="hold">
+                                          <p:stCondLst>
+                                            <p:cond delay="0"/>
+                                          </p:stCondLst>
+                                        </p:cTn>
+                                        <p:tgtEl>
+                                          <p:spTgt spid="3">
+                                            <p:txEl>
+                                              <p:pRg st="5" end="5"/>
+                                            </p:txEl>
+                                          </p:spTgt>
+                                        </p:tgtEl>
+                                        <p:attrNameLst>
+                                          <p:attrName>style.visibility</p:attrName>
+                                        </p:attrNameLst>
+                                      </p:cBhvr>
+                                      <p:to>
+                                        <p:strVal val="visible"/>
+                                      </p:to>
+                                    </p:set>
+                                  </p:childTnLst>
+                                </p:cTn>
+                              </p:par>
+                              <p:par>
+                                <p:cTn id="17" presetID="1" presetClass="entr" presetSubtype="0" fill="hold" nodeType="withEffect">
+                                  <p:stCondLst>
+                                    <p:cond delay="0"/>
+                                  </p:stCondLst>
+                                  <p:childTnLst>
+                                    <p:set>
+                                      <p:cBhvr>
+                                        <p:cTn id="18" dur="1" fill="hold">
+                                          <p:stCondLst>
+                                            <p:cond delay="0"/>
+                                          </p:stCondLst>
+                                        </p:cTn>
+                                        <p:tgtEl>
+                                          <p:spTgt spid="3">
+                                            <p:txEl>
+                                              <p:pRg st="6" end="6"/>
+                                            </p:txEl>
+                                          </p:spTgt>
+                                        </p:tgtEl>
+                                        <p:attrNameLst>
+                                          <p:attrName>style.visibility</p:attrName>
+                                        </p:attrNameLst>
+                                      </p:cBhvr>
+                                      <p:to>
+                                        <p:strVal val="visible"/>
+                                      </p:to>
+                                    </p:set>
+                                  </p:childTnLst>
+                                </p:cTn>
+                              </p:par>
+                            </p:childTnLst>
+                          </p:cTn>
+                        </p:par>
+                      </p:childTnLst>
+                    </p:cTn>
+                  </p:par>
+                </p:childTnLst>
+              </p:cTn>
+              <p:prevCondLst>
+                <p:cond evt="onPrev" delay="0">
+                  <p:tgtEl>
+                    <p:sldTgt/>
+                  </p:tgtEl>
+                </p:cond>
+              </p:prevCondLst>
+              <p:nextCondLst>
+                <p:cond evt="onNext" delay="0">
+                  <p:tgtEl>
+                    <p:sldTgt/>
+                  </p:tgtEl>
+                </p:cond>
+              </p:nextCondLst>
+            </p:seq>
+          </p:childTnLst>
+        </p:cTn>
+      </p:par>
+    </p:tnLst>
+  </p:timing>
 </p:sld>
 </file>
 
@@ -9249,7 +11602,7 @@
           <p:cNvPr id="2" name="Title 1">
             <a:extLst>
               <a:ext uri="{FF2B5EF4-FFF2-40B4-BE49-F238E27FC236}">
-                <a16:creationId xmlns:a16="http://schemas.microsoft.com/office/drawing/2014/main" id="{56CDD6CE-C6BC-458F-9656-5A1E56C59A21}"/>
+                <a16:creationId xmlns:a16="http://schemas.microsoft.com/office/drawing/2014/main" xmlns="" id="{C1F74D34-5DCC-45C6-9A6D-AD019920ABC8}"/>
               </a:ext>
             </a:extLst>
           </p:cNvPr>
@@ -9266,8 +11619,20 @@
           <a:lstStyle/>
           <a:p>
             <a:r>
+              <a:rPr lang="en-US" dirty="0"/>
+              <a:t>parse-</a:t>
+            </a:r>
+            <a:r>
               <a:rPr lang="en-US" dirty="0" err="1"/>
-              <a:t>containsFreeInstance</a:t>
+              <a:t>sexpr</a:t>
+            </a:r>
+            <a:r>
+              <a:rPr lang="en-US" dirty="0"/>
+              <a:t>-</a:t>
+            </a:r>
+            <a:r>
+              <a:rPr lang="en-US" dirty="0" err="1"/>
+              <a:t>RegL</a:t>
             </a:r>
             <a:endParaRPr lang="en-US" dirty="0"/>
           </a:p>
@@ -9278,7 +11643,7 @@
           <p:cNvPr id="3" name="Content Placeholder 2">
             <a:extLst>
               <a:ext uri="{FF2B5EF4-FFF2-40B4-BE49-F238E27FC236}">
-                <a16:creationId xmlns:a16="http://schemas.microsoft.com/office/drawing/2014/main" id="{125F1AF8-F124-439E-BF64-816F52E0CF13}"/>
+                <a16:creationId xmlns:a16="http://schemas.microsoft.com/office/drawing/2014/main" xmlns="" id="{9B57FC3B-E342-43DD-8C98-C8A53F9729C2}"/>
               </a:ext>
             </a:extLst>
           </p:cNvPr>
@@ -9291,8 +11656,8 @@
         </p:nvSpPr>
         <p:spPr/>
         <p:txBody>
-          <a:bodyPr vert="horz" lIns="91440" tIns="45720" rIns="91440" bIns="45720" rtlCol="0" anchor="t">
-            <a:normAutofit fontScale="92500" lnSpcReduction="10000"/>
+          <a:bodyPr>
+            <a:normAutofit lnSpcReduction="10000"/>
           </a:bodyPr>
           <a:lstStyle/>
           <a:p>
@@ -9301,21 +11666,94 @@
             </a:pPr>
             <a:r>
               <a:rPr lang="en-US" dirty="0"/>
-              <a:t>(: </a:t>
+              <a:t>(: parse-</a:t>
             </a:r>
             <a:r>
               <a:rPr lang="en-US" dirty="0" err="1"/>
-              <a:t>containsFreeInstance</a:t>
-            </a:r>
-            <a:r>
-              <a:rPr lang="en-US" dirty="0"/>
-              <a:t>? : WAE -&gt; Boolean)</a:t>
+              <a:t>sexpr</a:t>
+            </a:r>
+            <a:r>
+              <a:rPr lang="en-US" dirty="0"/>
+              <a:t>-</a:t>
+            </a:r>
+            <a:r>
+              <a:rPr lang="en-US" dirty="0" err="1"/>
+              <a:t>RegL</a:t>
+            </a:r>
+            <a:r>
+              <a:rPr lang="en-US" dirty="0"/>
+              <a:t> : </a:t>
+            </a:r>
+            <a:r>
+              <a:rPr lang="en-US" dirty="0" err="1"/>
+              <a:t>Sexpr</a:t>
+            </a:r>
+            <a:r>
+              <a:rPr lang="en-US" dirty="0"/>
+              <a:t> Number -&gt; </a:t>
+            </a:r>
+            <a:r>
+              <a:rPr lang="en-US" dirty="0" err="1"/>
+              <a:t>RegE</a:t>
+            </a:r>
+            <a:r>
+              <a:rPr lang="en-US" dirty="0"/>
+              <a:t>)</a:t>
             </a:r>
           </a:p>
           <a:p>
             <a:pPr marL="0" indent="0">
               <a:buNone/>
             </a:pPr>
+            <a:r>
+              <a:rPr lang="en-US" dirty="0"/>
+              <a:t>(define (parse-</a:t>
+            </a:r>
+            <a:r>
+              <a:rPr lang="en-US" dirty="0" err="1"/>
+              <a:t>sexpr</a:t>
+            </a:r>
+            <a:r>
+              <a:rPr lang="en-US" dirty="0"/>
+              <a:t>-</a:t>
+            </a:r>
+            <a:r>
+              <a:rPr lang="en-US" dirty="0" err="1"/>
+              <a:t>RegL</a:t>
+            </a:r>
+            <a:r>
+              <a:rPr lang="en-US" dirty="0"/>
+              <a:t> </a:t>
+            </a:r>
+            <a:r>
+              <a:rPr lang="en-US" dirty="0" err="1"/>
+              <a:t>sexpr</a:t>
+            </a:r>
+            <a:r>
+              <a:rPr lang="en-US" dirty="0"/>
+              <a:t> </a:t>
+            </a:r>
+            <a:r>
+              <a:rPr lang="en-US" dirty="0" err="1"/>
+              <a:t>len</a:t>
+            </a:r>
+            <a:r>
+              <a:rPr lang="en-US" dirty="0"/>
+              <a:t>)</a:t>
+            </a:r>
+          </a:p>
+          <a:p>
+            <a:pPr marL="0" indent="0">
+              <a:buNone/>
+            </a:pPr>
+            <a:r>
+              <a:rPr lang="en-US" dirty="0"/>
+              <a:t>	(match </a:t>
+            </a:r>
+            <a:r>
+              <a:rPr lang="en-US" dirty="0" err="1"/>
+              <a:t>sexpr</a:t>
+            </a:r>
             <a:endParaRPr lang="en-US" dirty="0"/>
           </a:p>
           <a:p>
@@ -9324,15 +11762,24 @@
             </a:pPr>
             <a:r>
               <a:rPr lang="en-US" dirty="0"/>
-              <a:t>  (define (</a:t>
+              <a:t>	[(list (and a (or 1 0)) ... ) </a:t>
+            </a:r>
+          </a:p>
+          <a:p>
+            <a:pPr marL="0" indent="0">
+              <a:buNone/>
+            </a:pPr>
+            <a:r>
+              <a:rPr lang="en-US" dirty="0"/>
+              <a:t>		(if (= </a:t>
             </a:r>
             <a:r>
               <a:rPr lang="en-US" dirty="0" err="1"/>
-              <a:t>containsFreeInstance</a:t>
-            </a:r>
-            <a:r>
-              <a:rPr lang="en-US" dirty="0"/>
-              <a:t>? expr)</a:t>
+              <a:t>len</a:t>
+            </a:r>
+            <a:r>
+              <a:rPr lang="en-US" dirty="0"/>
+              <a:t> (length a))</a:t>
             </a:r>
           </a:p>
           <a:p>
@@ -9341,7 +11788,7 @@
             </a:pPr>
             <a:r>
               <a:rPr lang="en-US" dirty="0"/>
-              <a:t>    (cases expr</a:t>
+              <a:t>			 (Reg (list-&gt;bit-list a))</a:t>
             </a:r>
           </a:p>
           <a:p>
@@ -9350,15 +11797,23 @@
             </a:pPr>
             <a:r>
               <a:rPr lang="en-US" dirty="0"/>
-              <a:t>     		 [(</a:t>
+              <a:t>		 	(error 'parse-</a:t>
             </a:r>
             <a:r>
               <a:rPr lang="en-US" dirty="0" err="1"/>
-              <a:t>Num</a:t>
-            </a:r>
-            <a:r>
-              <a:rPr lang="en-US" dirty="0"/>
-              <a:t> n) #f]</a:t>
+              <a:t>sexpr</a:t>
+            </a:r>
+            <a:r>
+              <a:rPr lang="en-US" dirty="0"/>
+              <a:t>-</a:t>
+            </a:r>
+            <a:r>
+              <a:rPr lang="en-US" dirty="0" err="1"/>
+              <a:t>RegE</a:t>
+            </a:r>
+            <a:r>
+              <a:rPr lang="en-US" dirty="0"/>
+              <a:t> "wrong number of bits in ~s" a)) ]</a:t>
             </a:r>
           </a:p>
           <a:p>
@@ -9367,23 +11822,55 @@
             </a:pPr>
             <a:r>
               <a:rPr lang="en-US" dirty="0"/>
-              <a:t>     		 [(Add l r) (or (</a:t>
+              <a:t>	[(list 'and list1 list2) (And (parse-</a:t>
             </a:r>
             <a:r>
               <a:rPr lang="en-US" dirty="0" err="1"/>
-              <a:t>containsFreeInstance</a:t>
-            </a:r>
-            <a:r>
-              <a:rPr lang="en-US" dirty="0"/>
-              <a:t>? l) (</a:t>
+              <a:t>sexpr</a:t>
+            </a:r>
+            <a:r>
+              <a:rPr lang="en-US" dirty="0"/>
+              <a:t>-</a:t>
             </a:r>
             <a:r>
               <a:rPr lang="en-US" dirty="0" err="1"/>
-              <a:t>containsFreeInstance</a:t>
-            </a:r>
-            <a:r>
-              <a:rPr lang="en-US" dirty="0"/>
-              <a:t>? r))]</a:t>
+              <a:t>RegL</a:t>
+            </a:r>
+            <a:r>
+              <a:rPr lang="en-US" dirty="0"/>
+              <a:t> list1 </a:t>
+            </a:r>
+            <a:r>
+              <a:rPr lang="en-US" dirty="0" err="1"/>
+              <a:t>len</a:t>
+            </a:r>
+            <a:r>
+              <a:rPr lang="en-US" dirty="0"/>
+              <a:t>) (parse-</a:t>
+            </a:r>
+            <a:r>
+              <a:rPr lang="en-US" dirty="0" err="1"/>
+              <a:t>sexpr</a:t>
+            </a:r>
+            <a:r>
+              <a:rPr lang="en-US" dirty="0"/>
+              <a:t>-</a:t>
+            </a:r>
+            <a:r>
+              <a:rPr lang="en-US" dirty="0" err="1"/>
+              <a:t>RegL</a:t>
+            </a:r>
+            <a:r>
+              <a:rPr lang="en-US" dirty="0"/>
+              <a:t> list2 </a:t>
+            </a:r>
+            <a:r>
+              <a:rPr lang="en-US" dirty="0" err="1"/>
+              <a:t>len</a:t>
+            </a:r>
+            <a:r>
+              <a:rPr lang="en-US" dirty="0"/>
+              <a:t>))]</a:t>
             </a:r>
           </a:p>
           <a:p>
@@ -9392,23 +11879,55 @@
             </a:pPr>
             <a:r>
               <a:rPr lang="en-US" dirty="0"/>
-              <a:t>   	        [(Sub l r) (or (</a:t>
+              <a:t>	[(list 'or list1 list2) 	 (Or (parse-</a:t>
             </a:r>
             <a:r>
               <a:rPr lang="en-US" dirty="0" err="1"/>
-              <a:t>containsFreeInstance</a:t>
-            </a:r>
-            <a:r>
-              <a:rPr lang="en-US" dirty="0"/>
-              <a:t>? l) (</a:t>
+              <a:t>sexpr</a:t>
+            </a:r>
+            <a:r>
+              <a:rPr lang="en-US" dirty="0"/>
+              <a:t>-</a:t>
             </a:r>
             <a:r>
               <a:rPr lang="en-US" dirty="0" err="1"/>
-              <a:t>containsFreeInstance</a:t>
-            </a:r>
-            <a:r>
-              <a:rPr lang="en-US" dirty="0"/>
-              <a:t>? r))]</a:t>
+              <a:t>RegL</a:t>
+            </a:r>
+            <a:r>
+              <a:rPr lang="en-US" dirty="0"/>
+              <a:t> list1 </a:t>
+            </a:r>
+            <a:r>
+              <a:rPr lang="en-US" dirty="0" err="1"/>
+              <a:t>len</a:t>
+            </a:r>
+            <a:r>
+              <a:rPr lang="en-US" dirty="0"/>
+              <a:t>) (parse-</a:t>
+            </a:r>
+            <a:r>
+              <a:rPr lang="en-US" dirty="0" err="1"/>
+              <a:t>sexpr</a:t>
+            </a:r>
+            <a:r>
+              <a:rPr lang="en-US" dirty="0"/>
+              <a:t>-</a:t>
+            </a:r>
+            <a:r>
+              <a:rPr lang="en-US" dirty="0" err="1"/>
+              <a:t>RegL</a:t>
+            </a:r>
+            <a:r>
+              <a:rPr lang="en-US" dirty="0"/>
+              <a:t> list2 </a:t>
+            </a:r>
+            <a:r>
+              <a:rPr lang="en-US" dirty="0" err="1"/>
+              <a:t>len</a:t>
+            </a:r>
+            <a:r>
+              <a:rPr lang="en-US" dirty="0"/>
+              <a:t>))]</a:t>
             </a:r>
           </a:p>
           <a:p>
@@ -9417,93 +11936,527 @@
             </a:pPr>
             <a:r>
               <a:rPr lang="en-US" dirty="0"/>
-              <a:t>  	         [(</a:t>
+              <a:t>	[(list '</a:t>
             </a:r>
             <a:r>
               <a:rPr lang="en-US" dirty="0" err="1"/>
-              <a:t>Mul</a:t>
-            </a:r>
-            <a:r>
-              <a:rPr lang="en-US" dirty="0"/>
-              <a:t> l r) (or (</a:t>
+              <a:t>shl</a:t>
+            </a:r>
+            <a:r>
+              <a:rPr lang="en-US" dirty="0"/>
+              <a:t> list)		 (</a:t>
             </a:r>
             <a:r>
               <a:rPr lang="en-US" dirty="0" err="1"/>
-              <a:t>containsFreeInstance</a:t>
-            </a:r>
-            <a:r>
-              <a:rPr lang="en-US" dirty="0"/>
-              <a:t>? l) (</a:t>
+              <a:t>Shl</a:t>
+            </a:r>
+            <a:r>
+              <a:rPr lang="en-US" dirty="0"/>
+              <a:t> (parse-</a:t>
             </a:r>
             <a:r>
               <a:rPr lang="en-US" dirty="0" err="1"/>
-              <a:t>containsFreeInstance</a:t>
-            </a:r>
-            <a:r>
-              <a:rPr lang="en-US" dirty="0"/>
-              <a:t>? r))]</a:t>
-            </a:r>
-          </a:p>
-          <a:p>
-            <a:pPr marL="0" indent="0">
-              <a:buNone/>
-            </a:pPr>
-            <a:r>
-              <a:rPr lang="en-US" dirty="0"/>
-              <a:t>      		  [(</a:t>
+              <a:t>sexpr</a:t>
+            </a:r>
+            <a:r>
+              <a:rPr lang="en-US" dirty="0"/>
+              <a:t>-</a:t>
             </a:r>
             <a:r>
               <a:rPr lang="en-US" dirty="0" err="1"/>
-              <a:t>Div</a:t>
-            </a:r>
-            <a:r>
-              <a:rPr lang="en-US" dirty="0"/>
-              <a:t> l r) (or (</a:t>
+              <a:t>RegL</a:t>
+            </a:r>
+            <a:r>
+              <a:rPr lang="en-US" dirty="0"/>
+              <a:t> list </a:t>
             </a:r>
             <a:r>
               <a:rPr lang="en-US" dirty="0" err="1"/>
-              <a:t>containsFreeInstance</a:t>
-            </a:r>
-            <a:r>
-              <a:rPr lang="en-US" dirty="0"/>
-              <a:t>? l) (</a:t>
-            </a:r>
-            <a:r>
-              <a:rPr lang="en-US" dirty="0" err="1"/>
-              <a:t>containsFreeInstance</a:t>
-            </a:r>
-            <a:r>
-              <a:rPr lang="en-US" dirty="0"/>
-              <a:t>? r))]</a:t>
-            </a:r>
-          </a:p>
-          <a:p>
-            <a:pPr marL="0" indent="0">
-              <a:buNone/>
-            </a:pPr>
-            <a:r>
-              <a:rPr lang="en-US" dirty="0"/>
-              <a:t>    		</a:t>
-            </a:r>
-          </a:p>
-          <a:p>
-            <a:pPr marL="0" indent="0">
-              <a:buNone/>
-            </a:pPr>
-            <a:endParaRPr lang="en-US" dirty="0"/>
+              <a:t>len</a:t>
+            </a:r>
+            <a:r>
+              <a:rPr lang="en-US" dirty="0"/>
+              <a:t>))]</a:t>
+            </a:r>
           </a:p>
         </p:txBody>
       </p:sp>
     </p:spTree>
     <p:extLst>
       <p:ext uri="{BB962C8B-B14F-4D97-AF65-F5344CB8AC3E}">
-        <p14:creationId xmlns:p14="http://schemas.microsoft.com/office/powerpoint/2010/main" val="4093454210"/>
+        <p14:creationId xmlns:p14="http://schemas.microsoft.com/office/powerpoint/2010/main" val="3199736304"/>
       </p:ext>
     </p:extLst>
   </p:cSld>
   <p:clrMapOvr>
     <a:masterClrMapping/>
   </p:clrMapOvr>
+  <p:timing>
+    <p:tnLst>
+      <p:par>
+        <p:cTn id="1" dur="indefinite" restart="never" nodeType="tmRoot">
+          <p:childTnLst>
+            <p:seq concurrent="1" nextAc="seek">
+              <p:cTn id="2" dur="indefinite" nodeType="mainSeq">
+                <p:childTnLst>
+                  <p:par>
+                    <p:cTn id="3" fill="hold">
+                      <p:stCondLst>
+                        <p:cond delay="indefinite"/>
+                      </p:stCondLst>
+                      <p:childTnLst>
+                        <p:par>
+                          <p:cTn id="4" fill="hold">
+                            <p:stCondLst>
+                              <p:cond delay="0"/>
+                            </p:stCondLst>
+                            <p:childTnLst>
+                              <p:par>
+                                <p:cTn id="5" presetID="1" presetClass="entr" presetSubtype="0" fill="hold" nodeType="clickEffect">
+                                  <p:stCondLst>
+                                    <p:cond delay="0"/>
+                                  </p:stCondLst>
+                                  <p:childTnLst>
+                                    <p:set>
+                                      <p:cBhvr>
+                                        <p:cTn id="6" dur="1" fill="hold">
+                                          <p:stCondLst>
+                                            <p:cond delay="0"/>
+                                          </p:stCondLst>
+                                        </p:cTn>
+                                        <p:tgtEl>
+                                          <p:spTgt spid="3">
+                                            <p:txEl>
+                                              <p:pRg st="0" end="0"/>
+                                            </p:txEl>
+                                          </p:spTgt>
+                                        </p:tgtEl>
+                                        <p:attrNameLst>
+                                          <p:attrName>style.visibility</p:attrName>
+                                        </p:attrNameLst>
+                                      </p:cBhvr>
+                                      <p:to>
+                                        <p:strVal val="visible"/>
+                                      </p:to>
+                                    </p:set>
+                                  </p:childTnLst>
+                                </p:cTn>
+                              </p:par>
+                            </p:childTnLst>
+                          </p:cTn>
+                        </p:par>
+                      </p:childTnLst>
+                    </p:cTn>
+                  </p:par>
+                  <p:par>
+                    <p:cTn id="7" fill="hold">
+                      <p:stCondLst>
+                        <p:cond delay="indefinite"/>
+                      </p:stCondLst>
+                      <p:childTnLst>
+                        <p:par>
+                          <p:cTn id="8" fill="hold">
+                            <p:stCondLst>
+                              <p:cond delay="0"/>
+                            </p:stCondLst>
+                            <p:childTnLst>
+                              <p:par>
+                                <p:cTn id="9" presetID="1" presetClass="entr" presetSubtype="0" fill="hold" nodeType="clickEffect">
+                                  <p:stCondLst>
+                                    <p:cond delay="0"/>
+                                  </p:stCondLst>
+                                  <p:childTnLst>
+                                    <p:set>
+                                      <p:cBhvr>
+                                        <p:cTn id="10" dur="1" fill="hold">
+                                          <p:stCondLst>
+                                            <p:cond delay="0"/>
+                                          </p:stCondLst>
+                                        </p:cTn>
+                                        <p:tgtEl>
+                                          <p:spTgt spid="3">
+                                            <p:txEl>
+                                              <p:pRg st="1" end="1"/>
+                                            </p:txEl>
+                                          </p:spTgt>
+                                        </p:tgtEl>
+                                        <p:attrNameLst>
+                                          <p:attrName>style.visibility</p:attrName>
+                                        </p:attrNameLst>
+                                      </p:cBhvr>
+                                      <p:to>
+                                        <p:strVal val="visible"/>
+                                      </p:to>
+                                    </p:set>
+                                  </p:childTnLst>
+                                </p:cTn>
+                              </p:par>
+                              <p:par>
+                                <p:cTn id="11" presetID="1" presetClass="entr" presetSubtype="0" fill="hold" nodeType="withEffect">
+                                  <p:stCondLst>
+                                    <p:cond delay="0"/>
+                                  </p:stCondLst>
+                                  <p:childTnLst>
+                                    <p:set>
+                                      <p:cBhvr>
+                                        <p:cTn id="12" dur="1" fill="hold">
+                                          <p:stCondLst>
+                                            <p:cond delay="0"/>
+                                          </p:stCondLst>
+                                        </p:cTn>
+                                        <p:tgtEl>
+                                          <p:spTgt spid="3">
+                                            <p:txEl>
+                                              <p:pRg st="2" end="2"/>
+                                            </p:txEl>
+                                          </p:spTgt>
+                                        </p:tgtEl>
+                                        <p:attrNameLst>
+                                          <p:attrName>style.visibility</p:attrName>
+                                        </p:attrNameLst>
+                                      </p:cBhvr>
+                                      <p:to>
+                                        <p:strVal val="visible"/>
+                                      </p:to>
+                                    </p:set>
+                                  </p:childTnLst>
+                                </p:cTn>
+                              </p:par>
+                            </p:childTnLst>
+                          </p:cTn>
+                        </p:par>
+                      </p:childTnLst>
+                    </p:cTn>
+                  </p:par>
+                  <p:par>
+                    <p:cTn id="13" fill="hold">
+                      <p:stCondLst>
+                        <p:cond delay="indefinite"/>
+                      </p:stCondLst>
+                      <p:childTnLst>
+                        <p:par>
+                          <p:cTn id="14" fill="hold">
+                            <p:stCondLst>
+                              <p:cond delay="0"/>
+                            </p:stCondLst>
+                            <p:childTnLst>
+                              <p:par>
+                                <p:cTn id="15" presetID="1" presetClass="entr" presetSubtype="0" fill="hold" nodeType="clickEffect">
+                                  <p:stCondLst>
+                                    <p:cond delay="0"/>
+                                  </p:stCondLst>
+                                  <p:childTnLst>
+                                    <p:set>
+                                      <p:cBhvr>
+                                        <p:cTn id="16" dur="1" fill="hold">
+                                          <p:stCondLst>
+                                            <p:cond delay="0"/>
+                                          </p:stCondLst>
+                                        </p:cTn>
+                                        <p:tgtEl>
+                                          <p:spTgt spid="3">
+                                            <p:txEl>
+                                              <p:pRg st="3" end="3"/>
+                                            </p:txEl>
+                                          </p:spTgt>
+                                        </p:tgtEl>
+                                        <p:attrNameLst>
+                                          <p:attrName>style.visibility</p:attrName>
+                                        </p:attrNameLst>
+                                      </p:cBhvr>
+                                      <p:to>
+                                        <p:strVal val="visible"/>
+                                      </p:to>
+                                    </p:set>
+                                  </p:childTnLst>
+                                </p:cTn>
+                              </p:par>
+                            </p:childTnLst>
+                          </p:cTn>
+                        </p:par>
+                      </p:childTnLst>
+                    </p:cTn>
+                  </p:par>
+                  <p:par>
+                    <p:cTn id="17" fill="hold">
+                      <p:stCondLst>
+                        <p:cond delay="indefinite"/>
+                      </p:stCondLst>
+                      <p:childTnLst>
+                        <p:par>
+                          <p:cTn id="18" fill="hold">
+                            <p:stCondLst>
+                              <p:cond delay="0"/>
+                            </p:stCondLst>
+                            <p:childTnLst>
+                              <p:par>
+                                <p:cTn id="19" presetID="1" presetClass="entr" presetSubtype="0" fill="hold" nodeType="clickEffect">
+                                  <p:stCondLst>
+                                    <p:cond delay="0"/>
+                                  </p:stCondLst>
+                                  <p:childTnLst>
+                                    <p:set>
+                                      <p:cBhvr>
+                                        <p:cTn id="20" dur="1" fill="hold">
+                                          <p:stCondLst>
+                                            <p:cond delay="0"/>
+                                          </p:stCondLst>
+                                        </p:cTn>
+                                        <p:tgtEl>
+                                          <p:spTgt spid="3">
+                                            <p:txEl>
+                                              <p:pRg st="4" end="4"/>
+                                            </p:txEl>
+                                          </p:spTgt>
+                                        </p:tgtEl>
+                                        <p:attrNameLst>
+                                          <p:attrName>style.visibility</p:attrName>
+                                        </p:attrNameLst>
+                                      </p:cBhvr>
+                                      <p:to>
+                                        <p:strVal val="visible"/>
+                                      </p:to>
+                                    </p:set>
+                                  </p:childTnLst>
+                                </p:cTn>
+                              </p:par>
+                              <p:par>
+                                <p:cTn id="21" presetID="1" presetClass="entr" presetSubtype="0" fill="hold" nodeType="withEffect">
+                                  <p:stCondLst>
+                                    <p:cond delay="0"/>
+                                  </p:stCondLst>
+                                  <p:childTnLst>
+                                    <p:set>
+                                      <p:cBhvr>
+                                        <p:cTn id="22" dur="1" fill="hold">
+                                          <p:stCondLst>
+                                            <p:cond delay="0"/>
+                                          </p:stCondLst>
+                                        </p:cTn>
+                                        <p:tgtEl>
+                                          <p:spTgt spid="3">
+                                            <p:txEl>
+                                              <p:pRg st="5" end="5"/>
+                                            </p:txEl>
+                                          </p:spTgt>
+                                        </p:tgtEl>
+                                        <p:attrNameLst>
+                                          <p:attrName>style.visibility</p:attrName>
+                                        </p:attrNameLst>
+                                      </p:cBhvr>
+                                      <p:to>
+                                        <p:strVal val="visible"/>
+                                      </p:to>
+                                    </p:set>
+                                  </p:childTnLst>
+                                </p:cTn>
+                              </p:par>
+                              <p:par>
+                                <p:cTn id="23" presetID="1" presetClass="entr" presetSubtype="0" fill="hold" nodeType="withEffect">
+                                  <p:stCondLst>
+                                    <p:cond delay="0"/>
+                                  </p:stCondLst>
+                                  <p:childTnLst>
+                                    <p:set>
+                                      <p:cBhvr>
+                                        <p:cTn id="24" dur="1" fill="hold">
+                                          <p:stCondLst>
+                                            <p:cond delay="0"/>
+                                          </p:stCondLst>
+                                        </p:cTn>
+                                        <p:tgtEl>
+                                          <p:spTgt spid="3">
+                                            <p:txEl>
+                                              <p:pRg st="6" end="6"/>
+                                            </p:txEl>
+                                          </p:spTgt>
+                                        </p:tgtEl>
+                                        <p:attrNameLst>
+                                          <p:attrName>style.visibility</p:attrName>
+                                        </p:attrNameLst>
+                                      </p:cBhvr>
+                                      <p:to>
+                                        <p:strVal val="visible"/>
+                                      </p:to>
+                                    </p:set>
+                                  </p:childTnLst>
+                                </p:cTn>
+                              </p:par>
+                            </p:childTnLst>
+                          </p:cTn>
+                        </p:par>
+                      </p:childTnLst>
+                    </p:cTn>
+                  </p:par>
+                  <p:par>
+                    <p:cTn id="25" fill="hold">
+                      <p:stCondLst>
+                        <p:cond delay="indefinite"/>
+                      </p:stCondLst>
+                      <p:childTnLst>
+                        <p:par>
+                          <p:cTn id="26" fill="hold">
+                            <p:stCondLst>
+                              <p:cond delay="0"/>
+                            </p:stCondLst>
+                            <p:childTnLst>
+                              <p:par>
+                                <p:cTn id="27" presetID="1" presetClass="entr" presetSubtype="0" fill="hold" nodeType="clickEffect">
+                                  <p:stCondLst>
+                                    <p:cond delay="0"/>
+                                  </p:stCondLst>
+                                  <p:childTnLst>
+                                    <p:set>
+                                      <p:cBhvr>
+                                        <p:cTn id="28" dur="1" fill="hold">
+                                          <p:stCondLst>
+                                            <p:cond delay="0"/>
+                                          </p:stCondLst>
+                                        </p:cTn>
+                                        <p:tgtEl>
+                                          <p:spTgt spid="3">
+                                            <p:txEl>
+                                              <p:pRg st="7" end="7"/>
+                                            </p:txEl>
+                                          </p:spTgt>
+                                        </p:tgtEl>
+                                        <p:attrNameLst>
+                                          <p:attrName>style.visibility</p:attrName>
+                                        </p:attrNameLst>
+                                      </p:cBhvr>
+                                      <p:to>
+                                        <p:strVal val="visible"/>
+                                      </p:to>
+                                    </p:set>
+                                  </p:childTnLst>
+                                </p:cTn>
+                              </p:par>
+                            </p:childTnLst>
+                          </p:cTn>
+                        </p:par>
+                      </p:childTnLst>
+                    </p:cTn>
+                  </p:par>
+                  <p:par>
+                    <p:cTn id="29" fill="hold">
+                      <p:stCondLst>
+                        <p:cond delay="indefinite"/>
+                      </p:stCondLst>
+                      <p:childTnLst>
+                        <p:par>
+                          <p:cTn id="30" fill="hold">
+                            <p:stCondLst>
+                              <p:cond delay="0"/>
+                            </p:stCondLst>
+                            <p:childTnLst>
+                              <p:par>
+                                <p:cTn id="31" presetID="1" presetClass="entr" presetSubtype="0" fill="hold" nodeType="clickEffect">
+                                  <p:stCondLst>
+                                    <p:cond delay="0"/>
+                                  </p:stCondLst>
+                                  <p:childTnLst>
+                                    <p:set>
+                                      <p:cBhvr>
+                                        <p:cTn id="32" dur="1" fill="hold">
+                                          <p:stCondLst>
+                                            <p:cond delay="0"/>
+                                          </p:stCondLst>
+                                        </p:cTn>
+                                        <p:tgtEl>
+                                          <p:spTgt spid="3">
+                                            <p:txEl>
+                                              <p:pRg st="8" end="8"/>
+                                            </p:txEl>
+                                          </p:spTgt>
+                                        </p:tgtEl>
+                                        <p:attrNameLst>
+                                          <p:attrName>style.visibility</p:attrName>
+                                        </p:attrNameLst>
+                                      </p:cBhvr>
+                                      <p:to>
+                                        <p:strVal val="visible"/>
+                                      </p:to>
+                                    </p:set>
+                                  </p:childTnLst>
+                                </p:cTn>
+                              </p:par>
+                            </p:childTnLst>
+                          </p:cTn>
+                        </p:par>
+                      </p:childTnLst>
+                    </p:cTn>
+                  </p:par>
+                  <p:par>
+                    <p:cTn id="33" fill="hold">
+                      <p:stCondLst>
+                        <p:cond delay="indefinite"/>
+                      </p:stCondLst>
+                      <p:childTnLst>
+                        <p:par>
+                          <p:cTn id="34" fill="hold">
+                            <p:stCondLst>
+                              <p:cond delay="0"/>
+                            </p:stCondLst>
+                            <p:childTnLst>
+                              <p:par>
+                                <p:cTn id="35" presetID="1" presetClass="entr" presetSubtype="0" fill="hold" nodeType="clickEffect">
+                                  <p:stCondLst>
+                                    <p:cond delay="0"/>
+                                  </p:stCondLst>
+                                  <p:childTnLst>
+                                    <p:set>
+                                      <p:cBhvr>
+                                        <p:cTn id="36" dur="1" fill="hold">
+                                          <p:stCondLst>
+                                            <p:cond delay="0"/>
+                                          </p:stCondLst>
+                                        </p:cTn>
+                                        <p:tgtEl>
+                                          <p:spTgt spid="3">
+                                            <p:txEl>
+                                              <p:pRg st="9" end="9"/>
+                                            </p:txEl>
+                                          </p:spTgt>
+                                        </p:tgtEl>
+                                        <p:attrNameLst>
+                                          <p:attrName>style.visibility</p:attrName>
+                                        </p:attrNameLst>
+                                      </p:cBhvr>
+                                      <p:to>
+                                        <p:strVal val="visible"/>
+                                      </p:to>
+                                    </p:set>
+                                  </p:childTnLst>
+                                </p:cTn>
+                              </p:par>
+                            </p:childTnLst>
+                          </p:cTn>
+                        </p:par>
+                      </p:childTnLst>
+                    </p:cTn>
+                  </p:par>
+                </p:childTnLst>
+              </p:cTn>
+              <p:prevCondLst>
+                <p:cond evt="onPrev" delay="0">
+                  <p:tgtEl>
+                    <p:sldTgt/>
+                  </p:tgtEl>
+                </p:cond>
+              </p:prevCondLst>
+              <p:nextCondLst>
+                <p:cond evt="onNext" delay="0">
+                  <p:tgtEl>
+                    <p:sldTgt/>
+                  </p:tgtEl>
+                </p:cond>
+              </p:nextCondLst>
+            </p:seq>
+          </p:childTnLst>
+        </p:cTn>
+      </p:par>
+    </p:tnLst>
+  </p:timing>
 </p:sld>
 </file>
 
@@ -9529,7 +12482,7 @@
           <p:cNvPr id="2" name="Title 1">
             <a:extLst>
               <a:ext uri="{FF2B5EF4-FFF2-40B4-BE49-F238E27FC236}">
-                <a16:creationId xmlns:a16="http://schemas.microsoft.com/office/drawing/2014/main" id="{ADA17AF1-13D2-434B-A05C-E5E5AED365EC}"/>
+                <a16:creationId xmlns:a16="http://schemas.microsoft.com/office/drawing/2014/main" xmlns="" id="{EC9443CD-D29F-40BB-B4C2-C1EDE8A2D14A}"/>
               </a:ext>
             </a:extLst>
           </p:cNvPr>
@@ -9546,8 +12499,20 @@
           <a:lstStyle/>
           <a:p>
             <a:r>
+              <a:rPr lang="en-US" dirty="0"/>
+              <a:t>parse-</a:t>
+            </a:r>
+            <a:r>
               <a:rPr lang="en-US" dirty="0" err="1"/>
-              <a:t>containsFreeInstance</a:t>
+              <a:t>sexpr</a:t>
+            </a:r>
+            <a:r>
+              <a:rPr lang="en-US" dirty="0"/>
+              <a:t>-</a:t>
+            </a:r>
+            <a:r>
+              <a:rPr lang="en-US" dirty="0" err="1"/>
+              <a:t>RegL</a:t>
             </a:r>
             <a:endParaRPr lang="en-US" dirty="0"/>
           </a:p>
@@ -9558,7 +12523,7 @@
           <p:cNvPr id="3" name="Content Placeholder 2">
             <a:extLst>
               <a:ext uri="{FF2B5EF4-FFF2-40B4-BE49-F238E27FC236}">
-                <a16:creationId xmlns:a16="http://schemas.microsoft.com/office/drawing/2014/main" id="{1D9AEC3E-D021-4B7B-B042-7DD34B782A54}"/>
+                <a16:creationId xmlns:a16="http://schemas.microsoft.com/office/drawing/2014/main" xmlns="" id="{A984A789-77A5-4513-936E-17373F3D1179}"/>
               </a:ext>
             </a:extLst>
           </p:cNvPr>
@@ -9569,11 +12534,14 @@
             <p:ph idx="1"/>
           </p:nvPr>
         </p:nvSpPr>
-        <p:spPr/>
+        <p:spPr>
+          <a:xfrm>
+            <a:off x="2589212" y="2133600"/>
+            <a:ext cx="9602788" cy="3777622"/>
+          </a:xfrm>
+        </p:spPr>
         <p:txBody>
-          <a:bodyPr>
-            <a:normAutofit/>
-          </a:bodyPr>
+          <a:bodyPr/>
           <a:lstStyle/>
           <a:p>
             <a:pPr marL="0" indent="0">
@@ -9581,7 +12549,7 @@
             </a:pPr>
             <a:r>
               <a:rPr lang="en-US" dirty="0"/>
-              <a:t> [(With bound-id named-expr bound-body)</a:t>
+              <a:t>[(symbol: id-name) (Id id-name)]  </a:t>
             </a:r>
           </a:p>
           <a:p>
@@ -9590,15 +12558,15 @@
             </a:pPr>
             <a:r>
               <a:rPr lang="en-US" dirty="0"/>
-              <a:t>	 (or (</a:t>
+              <a:t>[(cons 'with </a:t>
             </a:r>
             <a:r>
               <a:rPr lang="en-US" dirty="0" err="1"/>
-              <a:t>containsFreeInstance</a:t>
-            </a:r>
-            <a:r>
-              <a:rPr lang="en-US" dirty="0"/>
-              <a:t>? named-expr) </a:t>
+              <a:t>args</a:t>
+            </a:r>
+            <a:r>
+              <a:rPr lang="en-US" dirty="0"/>
+              <a:t>)</a:t>
             </a:r>
           </a:p>
           <a:p>
@@ -9607,23 +12575,37 @@
             </a:pPr>
             <a:r>
               <a:rPr lang="en-US" dirty="0"/>
-              <a:t>           	(</a:t>
+              <a:t> 	(match </a:t>
             </a:r>
             <a:r>
               <a:rPr lang="en-US" dirty="0" err="1"/>
-              <a:t>containsFreeInstance</a:t>
-            </a:r>
-            <a:r>
-              <a:rPr lang="en-US" dirty="0"/>
-              <a:t>? (</a:t>
+              <a:t>sexpr</a:t>
+            </a:r>
+            <a:endParaRPr lang="en-US" dirty="0"/>
+          </a:p>
+          <a:p>
+            <a:pPr marL="0" indent="0">
+              <a:buNone/>
+            </a:pPr>
+            <a:r>
+              <a:rPr lang="en-US" dirty="0"/>
+              <a:t>     		[(list 'with (list (symbol: </a:t>
             </a:r>
             <a:r>
               <a:rPr lang="en-US" dirty="0" err="1"/>
-              <a:t>subst</a:t>
-            </a:r>
-            <a:r>
-              <a:rPr lang="en-US" dirty="0"/>
-              <a:t> bound-body</a:t>
+              <a:t>oldName</a:t>
+            </a:r>
+            <a:r>
+              <a:rPr lang="en-US" dirty="0"/>
+              <a:t>) </a:t>
+            </a:r>
+            <a:r>
+              <a:rPr lang="en-US" dirty="0" err="1"/>
+              <a:t>newName</a:t>
+            </a:r>
+            <a:r>
+              <a:rPr lang="en-US" dirty="0"/>
+              <a:t>) body)</a:t>
             </a:r>
           </a:p>
           <a:p>
@@ -9632,7 +12614,71 @@
             </a:pPr>
             <a:r>
               <a:rPr lang="en-US" dirty="0"/>
-              <a:t>                                         bound-id</a:t>
+              <a:t>     			 (With </a:t>
+            </a:r>
+            <a:r>
+              <a:rPr lang="en-US" dirty="0" err="1"/>
+              <a:t>oldName</a:t>
+            </a:r>
+            <a:r>
+              <a:rPr lang="en-US" dirty="0"/>
+              <a:t> (parse-</a:t>
+            </a:r>
+            <a:r>
+              <a:rPr lang="en-US" dirty="0" err="1"/>
+              <a:t>sexpr</a:t>
+            </a:r>
+            <a:r>
+              <a:rPr lang="en-US" dirty="0"/>
+              <a:t>-</a:t>
+            </a:r>
+            <a:r>
+              <a:rPr lang="en-US" dirty="0" err="1"/>
+              <a:t>RegL</a:t>
+            </a:r>
+            <a:r>
+              <a:rPr lang="en-US" dirty="0"/>
+              <a:t> </a:t>
+            </a:r>
+            <a:r>
+              <a:rPr lang="en-US" dirty="0" err="1"/>
+              <a:t>newName</a:t>
+            </a:r>
+            <a:r>
+              <a:rPr lang="en-US" dirty="0"/>
+              <a:t> </a:t>
+            </a:r>
+            <a:r>
+              <a:rPr lang="en-US" dirty="0" err="1"/>
+              <a:t>len</a:t>
+            </a:r>
+            <a:r>
+              <a:rPr lang="en-US" dirty="0"/>
+              <a:t>) (parse-</a:t>
+            </a:r>
+            <a:r>
+              <a:rPr lang="en-US" dirty="0" err="1"/>
+              <a:t>sexpr</a:t>
+            </a:r>
+            <a:r>
+              <a:rPr lang="en-US" dirty="0"/>
+              <a:t>-</a:t>
+            </a:r>
+            <a:r>
+              <a:rPr lang="en-US" dirty="0" err="1"/>
+              <a:t>RegL</a:t>
+            </a:r>
+            <a:r>
+              <a:rPr lang="en-US" dirty="0"/>
+              <a:t> body </a:t>
+            </a:r>
+            <a:r>
+              <a:rPr lang="en-US" dirty="0" err="1"/>
+              <a:t>len</a:t>
+            </a:r>
+            <a:r>
+              <a:rPr lang="en-US" dirty="0"/>
+              <a:t>))]</a:t>
             </a:r>
           </a:p>
           <a:p>
@@ -9641,15 +12687,31 @@
             </a:pPr>
             <a:r>
               <a:rPr lang="en-US" dirty="0"/>
-              <a:t>                                         (</a:t>
+              <a:t>   	        [else (error 'parse-</a:t>
             </a:r>
             <a:r>
               <a:rPr lang="en-US" dirty="0" err="1"/>
-              <a:t>Num</a:t>
-            </a:r>
-            <a:r>
-              <a:rPr lang="en-US" dirty="0"/>
-              <a:t> 0))))]</a:t>
+              <a:t>sexpr</a:t>
+            </a:r>
+            <a:r>
+              <a:rPr lang="en-US" dirty="0"/>
+              <a:t>-</a:t>
+            </a:r>
+            <a:r>
+              <a:rPr lang="en-US" dirty="0" err="1"/>
+              <a:t>RegE</a:t>
+            </a:r>
+            <a:r>
+              <a:rPr lang="en-US" dirty="0"/>
+              <a:t> "bad `with' syntax in ~s" </a:t>
+            </a:r>
+            <a:r>
+              <a:rPr lang="en-US" dirty="0" err="1"/>
+              <a:t>sexpr</a:t>
+            </a:r>
+            <a:r>
+              <a:rPr lang="en-US" dirty="0"/>
+              <a:t>)])]</a:t>
             </a:r>
           </a:p>
           <a:p>
@@ -9658,15 +12720,37 @@
             </a:pPr>
             <a:r>
               <a:rPr lang="en-US" dirty="0"/>
-              <a:t> [(Id name) #t]))</a:t>
-            </a:r>
+              <a:t>[else (error 'parse-</a:t>
+            </a:r>
+            <a:r>
+              <a:rPr lang="en-US" dirty="0" err="1"/>
+              <a:t>sexpr</a:t>
+            </a:r>
+            <a:r>
+              <a:rPr lang="en-US" dirty="0"/>
+              <a:t> "bad syntax in ~s" </a:t>
+            </a:r>
+            <a:r>
+              <a:rPr lang="en-US" dirty="0" err="1"/>
+              <a:t>sexpr</a:t>
+            </a:r>
+            <a:r>
+              <a:rPr lang="en-US" dirty="0"/>
+              <a:t>)]))</a:t>
+            </a:r>
+          </a:p>
+          <a:p>
+            <a:pPr marL="0" indent="0">
+              <a:buNone/>
+            </a:pPr>
+            <a:endParaRPr lang="en-US" dirty="0"/>
           </a:p>
         </p:txBody>
       </p:sp>
     </p:spTree>
     <p:extLst>
       <p:ext uri="{BB962C8B-B14F-4D97-AF65-F5344CB8AC3E}">
-        <p14:creationId xmlns:p14="http://schemas.microsoft.com/office/powerpoint/2010/main" val="3531054017"/>
+        <p14:creationId xmlns:p14="http://schemas.microsoft.com/office/powerpoint/2010/main" val="1901321852"/>
       </p:ext>
     </p:extLst>
   </p:cSld>
@@ -9719,7 +12803,7 @@
     </a:clrScheme>
     <a:fontScheme name="Wisp">
       <a:majorFont>
-        <a:latin typeface="Century Gothic" panose="020B0502020202020204"/>
+        <a:latin typeface="Century Gothic"/>
         <a:ea typeface=""/>
         <a:cs typeface=""/>
         <a:font script="Jpan" typeface="メイリオ"/>
@@ -9754,7 +12838,7 @@
         <a:font script="Geor" typeface="Sylfaen"/>
       </a:majorFont>
       <a:minorFont>
-        <a:latin typeface="Century Gothic" panose="020B0502020202020204"/>
+        <a:latin typeface="Century Gothic"/>
         <a:ea typeface=""/>
         <a:cs typeface=""/>
         <a:font script="Jpan" typeface="メイリオ"/>
@@ -9936,7 +13020,7 @@
         <a:srgbClr val="E7E6E6"/>
       </a:lt2>
       <a:accent1>
-        <a:srgbClr val="4472C4"/>
+        <a:srgbClr val="5B9BD5"/>
       </a:accent1>
       <a:accent2>
         <a:srgbClr val="ED7D31"/>
@@ -9948,7 +13032,7 @@
         <a:srgbClr val="FFC000"/>
       </a:accent4>
       <a:accent5>
-        <a:srgbClr val="5B9BD5"/>
+        <a:srgbClr val="4472C4"/>
       </a:accent5>
       <a:accent6>
         <a:srgbClr val="70AD47"/>
@@ -9962,12 +13046,12 @@
     </a:clrScheme>
     <a:fontScheme name="Office">
       <a:majorFont>
-        <a:latin typeface="Calibri Light" panose="020F0302020204030204"/>
+        <a:latin typeface="Calibri Light"/>
         <a:ea typeface=""/>
         <a:cs typeface=""/>
-        <a:font script="Jpan" typeface="游ゴシック Light"/>
+        <a:font script="Jpan" typeface="ＭＳ Ｐゴシック"/>
         <a:font script="Hang" typeface="맑은 고딕"/>
-        <a:font script="Hans" typeface="等线 Light"/>
+        <a:font script="Hans" typeface="宋体"/>
         <a:font script="Hant" typeface="新細明體"/>
         <a:font script="Arab" typeface="Times New Roman"/>
         <a:font script="Hebr" typeface="Times New Roman"/>
@@ -9995,31 +13079,14 @@
         <a:font script="Viet" typeface="Times New Roman"/>
         <a:font script="Uigh" typeface="Microsoft Uighur"/>
         <a:font script="Geor" typeface="Sylfaen"/>
-        <a:font script="Armn" typeface="Arial"/>
-        <a:font script="Bugi" typeface="Leelawadee UI"/>
-        <a:font script="Bopo" typeface="Microsoft JhengHei"/>
-        <a:font script="Java" typeface="Javanese Text"/>
-        <a:font script="Lisu" typeface="Segoe UI"/>
-        <a:font script="Mymr" typeface="Myanmar Text"/>
-        <a:font script="Nkoo" typeface="Ebrima"/>
-        <a:font script="Olck" typeface="Nirmala UI"/>
-        <a:font script="Osma" typeface="Ebrima"/>
-        <a:font script="Phag" typeface="Phagspa"/>
-        <a:font script="Syrn" typeface="Estrangelo Edessa"/>
-        <a:font script="Syrj" typeface="Estrangelo Edessa"/>
-        <a:font script="Syre" typeface="Estrangelo Edessa"/>
-        <a:font script="Sora" typeface="Nirmala UI"/>
-        <a:font script="Tale" typeface="Microsoft Tai Le"/>
-        <a:font script="Talu" typeface="Microsoft New Tai Lue"/>
-        <a:font script="Tfng" typeface="Ebrima"/>
       </a:majorFont>
       <a:minorFont>
-        <a:latin typeface="Calibri" panose="020F0502020204030204"/>
+        <a:latin typeface="Calibri"/>
         <a:ea typeface=""/>
         <a:cs typeface=""/>
-        <a:font script="Jpan" typeface="游ゴシック"/>
+        <a:font script="Jpan" typeface="ＭＳ Ｐゴシック"/>
         <a:font script="Hang" typeface="맑은 고딕"/>
-        <a:font script="Hans" typeface="等线"/>
+        <a:font script="Hans" typeface="宋体"/>
         <a:font script="Hant" typeface="新細明體"/>
         <a:font script="Arab" typeface="Arial"/>
         <a:font script="Hebr" typeface="Arial"/>
@@ -10047,23 +13114,6 @@
         <a:font script="Viet" typeface="Arial"/>
         <a:font script="Uigh" typeface="Microsoft Uighur"/>
         <a:font script="Geor" typeface="Sylfaen"/>
-        <a:font script="Armn" typeface="Arial"/>
-        <a:font script="Bugi" typeface="Leelawadee UI"/>
-        <a:font script="Bopo" typeface="Microsoft JhengHei"/>
-        <a:font script="Java" typeface="Javanese Text"/>
-        <a:font script="Lisu" typeface="Segoe UI"/>
-        <a:font script="Mymr" typeface="Myanmar Text"/>
-        <a:font script="Nkoo" typeface="Ebrima"/>
-        <a:font script="Olck" typeface="Nirmala UI"/>
-        <a:font script="Osma" typeface="Ebrima"/>
-        <a:font script="Phag" typeface="Phagspa"/>
-        <a:font script="Syrn" typeface="Estrangelo Edessa"/>
-        <a:font script="Syrj" typeface="Estrangelo Edessa"/>
-        <a:font script="Syre" typeface="Estrangelo Edessa"/>
-        <a:font script="Sora" typeface="Nirmala UI"/>
-        <a:font script="Tale" typeface="Microsoft Tai Le"/>
-        <a:font script="Talu" typeface="Microsoft New Tai Lue"/>
-        <a:font script="Tfng" typeface="Ebrima"/>
       </a:minorFont>
     </a:fontScheme>
     <a:fmtScheme name="Office">
